--- a/files/diagrams/openEHR-diagrams.pptx
+++ b/files/diagrams/openEHR-diagrams.pptx
@@ -10,21 +10,22 @@
     <p:sldId id="275" r:id="rId4"/>
     <p:sldId id="276" r:id="rId5"/>
     <p:sldId id="277" r:id="rId6"/>
-    <p:sldId id="278" r:id="rId7"/>
-    <p:sldId id="260" r:id="rId8"/>
-    <p:sldId id="263" r:id="rId9"/>
-    <p:sldId id="264" r:id="rId10"/>
-    <p:sldId id="259" r:id="rId11"/>
-    <p:sldId id="272" r:id="rId12"/>
-    <p:sldId id="261" r:id="rId13"/>
-    <p:sldId id="262" r:id="rId14"/>
-    <p:sldId id="266" r:id="rId15"/>
-    <p:sldId id="267" r:id="rId16"/>
-    <p:sldId id="269" r:id="rId17"/>
-    <p:sldId id="271" r:id="rId18"/>
-    <p:sldId id="268" r:id="rId19"/>
-    <p:sldId id="273" r:id="rId20"/>
-    <p:sldId id="265" r:id="rId21"/>
+    <p:sldId id="279" r:id="rId7"/>
+    <p:sldId id="278" r:id="rId8"/>
+    <p:sldId id="260" r:id="rId9"/>
+    <p:sldId id="263" r:id="rId10"/>
+    <p:sldId id="264" r:id="rId11"/>
+    <p:sldId id="259" r:id="rId12"/>
+    <p:sldId id="272" r:id="rId13"/>
+    <p:sldId id="261" r:id="rId14"/>
+    <p:sldId id="262" r:id="rId15"/>
+    <p:sldId id="266" r:id="rId16"/>
+    <p:sldId id="267" r:id="rId17"/>
+    <p:sldId id="269" r:id="rId18"/>
+    <p:sldId id="271" r:id="rId19"/>
+    <p:sldId id="268" r:id="rId20"/>
+    <p:sldId id="273" r:id="rId21"/>
+    <p:sldId id="265" r:id="rId22"/>
   </p:sldIdLst>
   <p:sldSz cx="9144000" cy="6858000" type="screen4x3"/>
   <p:notesSz cx="6858000" cy="9144000"/>
@@ -3392,6 +3393,1375 @@
           <a:chExt cx="0" cy="0"/>
         </a:xfrm>
       </p:grpSpPr>
+      <p:sp>
+        <p:nvSpPr>
+          <p:cNvPr id="2" name="Title 1"/>
+          <p:cNvSpPr>
+            <a:spLocks noGrp="1"/>
+          </p:cNvSpPr>
+          <p:nvPr>
+            <p:ph type="title"/>
+          </p:nvPr>
+        </p:nvSpPr>
+        <p:spPr/>
+        <p:txBody>
+          <a:bodyPr>
+            <a:normAutofit fontScale="90000"/>
+          </a:bodyPr>
+          <a:lstStyle/>
+          <a:p>
+            <a:r>
+              <a:rPr lang="en-GB" dirty="0" smtClean="0"/>
+              <a:t>Platform (logo / icon size)</a:t>
+            </a:r>
+            <a:endParaRPr lang="en-GB" dirty="0"/>
+          </a:p>
+        </p:txBody>
+      </p:sp>
+      <p:grpSp>
+        <p:nvGrpSpPr>
+          <p:cNvPr id="62" name="Group 61"/>
+          <p:cNvGrpSpPr/>
+          <p:nvPr/>
+        </p:nvGrpSpPr>
+        <p:grpSpPr>
+          <a:xfrm>
+            <a:off x="1187624" y="3573016"/>
+            <a:ext cx="2237340" cy="1156922"/>
+            <a:chOff x="840118" y="1844824"/>
+            <a:chExt cx="6684210" cy="3456384"/>
+          </a:xfrm>
+        </p:grpSpPr>
+        <p:grpSp>
+          <p:nvGrpSpPr>
+            <p:cNvPr id="29" name="Group 28"/>
+            <p:cNvGrpSpPr/>
+            <p:nvPr/>
+          </p:nvGrpSpPr>
+          <p:grpSpPr>
+            <a:xfrm>
+              <a:off x="1225386" y="1844824"/>
+              <a:ext cx="2952328" cy="1368152"/>
+              <a:chOff x="1225386" y="1844824"/>
+              <a:chExt cx="2952328" cy="1368152"/>
+            </a:xfrm>
+          </p:grpSpPr>
+          <p:sp>
+            <p:nvSpPr>
+              <p:cNvPr id="30" name="Rounded Rectangle 29"/>
+              <p:cNvSpPr/>
+              <p:nvPr/>
+            </p:nvSpPr>
+            <p:spPr>
+              <a:xfrm>
+                <a:off x="1225386" y="2564904"/>
+                <a:ext cx="2952328" cy="648072"/>
+              </a:xfrm>
+              <a:prstGeom prst="roundRect">
+                <a:avLst/>
+              </a:prstGeom>
+              <a:solidFill>
+                <a:schemeClr val="accent3">
+                  <a:lumMod val="40000"/>
+                  <a:lumOff val="60000"/>
+                </a:schemeClr>
+              </a:solidFill>
+              <a:ln>
+                <a:solidFill>
+                  <a:schemeClr val="accent3">
+                    <a:lumMod val="40000"/>
+                    <a:lumOff val="60000"/>
+                  </a:schemeClr>
+                </a:solidFill>
+              </a:ln>
+              <a:effectLst>
+                <a:innerShdw blurRad="63500" dist="50800" dir="2700000">
+                  <a:prstClr val="black">
+                    <a:alpha val="50000"/>
+                  </a:prstClr>
+                </a:innerShdw>
+              </a:effectLst>
+            </p:spPr>
+            <p:style>
+              <a:lnRef idx="2">
+                <a:schemeClr val="accent1">
+                  <a:shade val="50000"/>
+                </a:schemeClr>
+              </a:lnRef>
+              <a:fillRef idx="1">
+                <a:schemeClr val="accent1"/>
+              </a:fillRef>
+              <a:effectRef idx="0">
+                <a:schemeClr val="accent1"/>
+              </a:effectRef>
+              <a:fontRef idx="minor">
+                <a:schemeClr val="lt1"/>
+              </a:fontRef>
+            </p:style>
+            <p:txBody>
+              <a:bodyPr rtlCol="0" anchor="ctr"/>
+              <a:lstStyle/>
+              <a:p>
+                <a:pPr algn="ctr"/>
+                <a:endParaRPr lang="en-GB" sz="800" dirty="0">
+                  <a:solidFill>
+                    <a:srgbClr val="006600"/>
+                  </a:solidFill>
+                </a:endParaRPr>
+              </a:p>
+            </p:txBody>
+          </p:sp>
+          <p:sp>
+            <p:nvSpPr>
+              <p:cNvPr id="31" name="Rounded Rectangle 30"/>
+              <p:cNvSpPr/>
+              <p:nvPr/>
+            </p:nvSpPr>
+            <p:spPr>
+              <a:xfrm>
+                <a:off x="1225386" y="1844824"/>
+                <a:ext cx="936104" cy="648072"/>
+              </a:xfrm>
+              <a:prstGeom prst="roundRect">
+                <a:avLst/>
+              </a:prstGeom>
+              <a:solidFill>
+                <a:schemeClr val="accent3">
+                  <a:lumMod val="40000"/>
+                  <a:lumOff val="60000"/>
+                </a:schemeClr>
+              </a:solidFill>
+              <a:ln>
+                <a:solidFill>
+                  <a:schemeClr val="accent3">
+                    <a:lumMod val="40000"/>
+                    <a:lumOff val="60000"/>
+                  </a:schemeClr>
+                </a:solidFill>
+              </a:ln>
+              <a:effectLst>
+                <a:innerShdw blurRad="63500" dist="50800" dir="2700000">
+                  <a:prstClr val="black">
+                    <a:alpha val="50000"/>
+                  </a:prstClr>
+                </a:innerShdw>
+              </a:effectLst>
+            </p:spPr>
+            <p:style>
+              <a:lnRef idx="2">
+                <a:schemeClr val="accent1">
+                  <a:shade val="50000"/>
+                </a:schemeClr>
+              </a:lnRef>
+              <a:fillRef idx="1">
+                <a:schemeClr val="accent1"/>
+              </a:fillRef>
+              <a:effectRef idx="0">
+                <a:schemeClr val="accent1"/>
+              </a:effectRef>
+              <a:fontRef idx="minor">
+                <a:schemeClr val="lt1"/>
+              </a:fontRef>
+            </p:style>
+            <p:txBody>
+              <a:bodyPr lIns="36000" tIns="36000" rIns="36000" bIns="36000" rtlCol="0" anchor="ctr"/>
+              <a:lstStyle/>
+              <a:p>
+                <a:pPr algn="ctr"/>
+                <a:endParaRPr lang="en-GB" sz="600" dirty="0">
+                  <a:solidFill>
+                    <a:srgbClr val="006600"/>
+                  </a:solidFill>
+                </a:endParaRPr>
+              </a:p>
+            </p:txBody>
+          </p:sp>
+          <p:sp>
+            <p:nvSpPr>
+              <p:cNvPr id="32" name="Rounded Rectangle 31"/>
+              <p:cNvSpPr/>
+              <p:nvPr/>
+            </p:nvSpPr>
+            <p:spPr>
+              <a:xfrm>
+                <a:off x="2233498" y="1844824"/>
+                <a:ext cx="936104" cy="648072"/>
+              </a:xfrm>
+              <a:prstGeom prst="roundRect">
+                <a:avLst/>
+              </a:prstGeom>
+              <a:solidFill>
+                <a:schemeClr val="accent3">
+                  <a:lumMod val="40000"/>
+                  <a:lumOff val="60000"/>
+                </a:schemeClr>
+              </a:solidFill>
+              <a:ln>
+                <a:solidFill>
+                  <a:schemeClr val="accent3">
+                    <a:lumMod val="40000"/>
+                    <a:lumOff val="60000"/>
+                  </a:schemeClr>
+                </a:solidFill>
+              </a:ln>
+              <a:effectLst>
+                <a:innerShdw blurRad="63500" dist="50800" dir="2700000">
+                  <a:prstClr val="black">
+                    <a:alpha val="50000"/>
+                  </a:prstClr>
+                </a:innerShdw>
+              </a:effectLst>
+            </p:spPr>
+            <p:style>
+              <a:lnRef idx="2">
+                <a:schemeClr val="accent1">
+                  <a:shade val="50000"/>
+                </a:schemeClr>
+              </a:lnRef>
+              <a:fillRef idx="1">
+                <a:schemeClr val="accent1"/>
+              </a:fillRef>
+              <a:effectRef idx="0">
+                <a:schemeClr val="accent1"/>
+              </a:effectRef>
+              <a:fontRef idx="minor">
+                <a:schemeClr val="lt1"/>
+              </a:fontRef>
+            </p:style>
+            <p:txBody>
+              <a:bodyPr lIns="36000" tIns="36000" rIns="36000" bIns="36000" rtlCol="0" anchor="ctr"/>
+              <a:lstStyle/>
+              <a:p>
+                <a:pPr algn="ctr"/>
+                <a:endParaRPr lang="en-GB" sz="600" dirty="0">
+                  <a:solidFill>
+                    <a:srgbClr val="006600"/>
+                  </a:solidFill>
+                </a:endParaRPr>
+              </a:p>
+            </p:txBody>
+          </p:sp>
+          <p:sp>
+            <p:nvSpPr>
+              <p:cNvPr id="33" name="Rounded Rectangle 32"/>
+              <p:cNvSpPr/>
+              <p:nvPr/>
+            </p:nvSpPr>
+            <p:spPr>
+              <a:xfrm>
+                <a:off x="3241610" y="1844824"/>
+                <a:ext cx="936104" cy="648072"/>
+              </a:xfrm>
+              <a:prstGeom prst="roundRect">
+                <a:avLst/>
+              </a:prstGeom>
+              <a:solidFill>
+                <a:schemeClr val="accent3">
+                  <a:lumMod val="40000"/>
+                  <a:lumOff val="60000"/>
+                </a:schemeClr>
+              </a:solidFill>
+              <a:ln>
+                <a:solidFill>
+                  <a:schemeClr val="accent3">
+                    <a:lumMod val="40000"/>
+                    <a:lumOff val="60000"/>
+                  </a:schemeClr>
+                </a:solidFill>
+              </a:ln>
+              <a:effectLst>
+                <a:innerShdw blurRad="63500" dist="50800" dir="2700000">
+                  <a:prstClr val="black">
+                    <a:alpha val="50000"/>
+                  </a:prstClr>
+                </a:innerShdw>
+              </a:effectLst>
+            </p:spPr>
+            <p:style>
+              <a:lnRef idx="2">
+                <a:schemeClr val="accent1">
+                  <a:shade val="50000"/>
+                </a:schemeClr>
+              </a:lnRef>
+              <a:fillRef idx="1">
+                <a:schemeClr val="accent1"/>
+              </a:fillRef>
+              <a:effectRef idx="0">
+                <a:schemeClr val="accent1"/>
+              </a:effectRef>
+              <a:fontRef idx="minor">
+                <a:schemeClr val="lt1"/>
+              </a:fontRef>
+            </p:style>
+            <p:txBody>
+              <a:bodyPr lIns="36000" tIns="36000" rIns="36000" bIns="36000" rtlCol="0" anchor="ctr"/>
+              <a:lstStyle/>
+              <a:p>
+                <a:pPr algn="ctr"/>
+                <a:endParaRPr lang="en-GB" sz="600" dirty="0">
+                  <a:solidFill>
+                    <a:srgbClr val="006600"/>
+                  </a:solidFill>
+                </a:endParaRPr>
+              </a:p>
+            </p:txBody>
+          </p:sp>
+        </p:grpSp>
+        <p:sp>
+          <p:nvSpPr>
+            <p:cNvPr id="34" name="Rounded Rectangle 33"/>
+            <p:cNvSpPr/>
+            <p:nvPr/>
+          </p:nvSpPr>
+          <p:spPr>
+            <a:xfrm>
+              <a:off x="4499992" y="2564904"/>
+              <a:ext cx="2952328" cy="648072"/>
+            </a:xfrm>
+            <a:prstGeom prst="roundRect">
+              <a:avLst/>
+            </a:prstGeom>
+            <a:solidFill>
+              <a:schemeClr val="accent1">
+                <a:lumMod val="20000"/>
+                <a:lumOff val="80000"/>
+              </a:schemeClr>
+            </a:solidFill>
+            <a:ln>
+              <a:solidFill>
+                <a:schemeClr val="accent1">
+                  <a:lumMod val="20000"/>
+                  <a:lumOff val="80000"/>
+                </a:schemeClr>
+              </a:solidFill>
+            </a:ln>
+            <a:effectLst>
+              <a:innerShdw blurRad="63500" dist="50800" dir="2700000">
+                <a:prstClr val="black">
+                  <a:alpha val="50000"/>
+                </a:prstClr>
+              </a:innerShdw>
+            </a:effectLst>
+          </p:spPr>
+          <p:style>
+            <a:lnRef idx="2">
+              <a:schemeClr val="accent1">
+                <a:shade val="50000"/>
+              </a:schemeClr>
+            </a:lnRef>
+            <a:fillRef idx="1">
+              <a:schemeClr val="accent1"/>
+            </a:fillRef>
+            <a:effectRef idx="0">
+              <a:schemeClr val="accent1"/>
+            </a:effectRef>
+            <a:fontRef idx="minor">
+              <a:schemeClr val="lt1"/>
+            </a:fontRef>
+          </p:style>
+          <p:txBody>
+            <a:bodyPr rtlCol="0" anchor="ctr"/>
+            <a:lstStyle/>
+            <a:p>
+              <a:pPr algn="ctr"/>
+              <a:endParaRPr lang="en-GB" sz="800" dirty="0">
+                <a:solidFill>
+                  <a:schemeClr val="accent4">
+                    <a:lumMod val="75000"/>
+                  </a:schemeClr>
+                </a:solidFill>
+              </a:endParaRPr>
+            </a:p>
+          </p:txBody>
+        </p:sp>
+        <p:sp>
+          <p:nvSpPr>
+            <p:cNvPr id="39" name="Rounded Rectangle 38"/>
+            <p:cNvSpPr/>
+            <p:nvPr/>
+          </p:nvSpPr>
+          <p:spPr>
+            <a:xfrm>
+              <a:off x="4499992" y="1844824"/>
+              <a:ext cx="936104" cy="648072"/>
+            </a:xfrm>
+            <a:prstGeom prst="roundRect">
+              <a:avLst/>
+            </a:prstGeom>
+            <a:solidFill>
+              <a:schemeClr val="accent1">
+                <a:lumMod val="20000"/>
+                <a:lumOff val="80000"/>
+              </a:schemeClr>
+            </a:solidFill>
+            <a:ln>
+              <a:solidFill>
+                <a:schemeClr val="accent1">
+                  <a:lumMod val="20000"/>
+                  <a:lumOff val="80000"/>
+                </a:schemeClr>
+              </a:solidFill>
+            </a:ln>
+            <a:effectLst>
+              <a:innerShdw blurRad="63500" dist="50800" dir="2700000">
+                <a:prstClr val="black">
+                  <a:alpha val="50000"/>
+                </a:prstClr>
+              </a:innerShdw>
+            </a:effectLst>
+          </p:spPr>
+          <p:style>
+            <a:lnRef idx="2">
+              <a:schemeClr val="accent1">
+                <a:shade val="50000"/>
+              </a:schemeClr>
+            </a:lnRef>
+            <a:fillRef idx="1">
+              <a:schemeClr val="accent1"/>
+            </a:fillRef>
+            <a:effectRef idx="0">
+              <a:schemeClr val="accent1"/>
+            </a:effectRef>
+            <a:fontRef idx="minor">
+              <a:schemeClr val="lt1"/>
+            </a:fontRef>
+          </p:style>
+          <p:txBody>
+            <a:bodyPr rtlCol="0" anchor="ctr"/>
+            <a:lstStyle/>
+            <a:p>
+              <a:pPr algn="ctr"/>
+              <a:endParaRPr lang="en-GB" sz="600" dirty="0">
+                <a:solidFill>
+                  <a:schemeClr val="accent4">
+                    <a:lumMod val="75000"/>
+                  </a:schemeClr>
+                </a:solidFill>
+              </a:endParaRPr>
+            </a:p>
+          </p:txBody>
+        </p:sp>
+        <p:sp>
+          <p:nvSpPr>
+            <p:cNvPr id="40" name="Rounded Rectangle 39"/>
+            <p:cNvSpPr/>
+            <p:nvPr/>
+          </p:nvSpPr>
+          <p:spPr>
+            <a:xfrm>
+              <a:off x="5508104" y="1844824"/>
+              <a:ext cx="936104" cy="648072"/>
+            </a:xfrm>
+            <a:prstGeom prst="roundRect">
+              <a:avLst/>
+            </a:prstGeom>
+            <a:solidFill>
+              <a:schemeClr val="accent1">
+                <a:lumMod val="20000"/>
+                <a:lumOff val="80000"/>
+              </a:schemeClr>
+            </a:solidFill>
+            <a:ln>
+              <a:solidFill>
+                <a:schemeClr val="accent1">
+                  <a:lumMod val="20000"/>
+                  <a:lumOff val="80000"/>
+                </a:schemeClr>
+              </a:solidFill>
+            </a:ln>
+            <a:effectLst>
+              <a:innerShdw blurRad="63500" dist="50800" dir="2700000">
+                <a:prstClr val="black">
+                  <a:alpha val="50000"/>
+                </a:prstClr>
+              </a:innerShdw>
+            </a:effectLst>
+          </p:spPr>
+          <p:style>
+            <a:lnRef idx="2">
+              <a:schemeClr val="accent1">
+                <a:shade val="50000"/>
+              </a:schemeClr>
+            </a:lnRef>
+            <a:fillRef idx="1">
+              <a:schemeClr val="accent1"/>
+            </a:fillRef>
+            <a:effectRef idx="0">
+              <a:schemeClr val="accent1"/>
+            </a:effectRef>
+            <a:fontRef idx="minor">
+              <a:schemeClr val="lt1"/>
+            </a:fontRef>
+          </p:style>
+          <p:txBody>
+            <a:bodyPr rtlCol="0" anchor="ctr"/>
+            <a:lstStyle/>
+            <a:p>
+              <a:pPr algn="ctr"/>
+              <a:endParaRPr lang="en-GB" sz="600" dirty="0">
+                <a:solidFill>
+                  <a:schemeClr val="accent4">
+                    <a:lumMod val="75000"/>
+                  </a:schemeClr>
+                </a:solidFill>
+              </a:endParaRPr>
+            </a:p>
+          </p:txBody>
+        </p:sp>
+        <p:sp>
+          <p:nvSpPr>
+            <p:cNvPr id="41" name="Rounded Rectangle 40"/>
+            <p:cNvSpPr/>
+            <p:nvPr/>
+          </p:nvSpPr>
+          <p:spPr>
+            <a:xfrm>
+              <a:off x="6516216" y="1844824"/>
+              <a:ext cx="936104" cy="648072"/>
+            </a:xfrm>
+            <a:prstGeom prst="roundRect">
+              <a:avLst/>
+            </a:prstGeom>
+            <a:solidFill>
+              <a:schemeClr val="accent1">
+                <a:lumMod val="20000"/>
+                <a:lumOff val="80000"/>
+              </a:schemeClr>
+            </a:solidFill>
+            <a:ln>
+              <a:solidFill>
+                <a:schemeClr val="accent1">
+                  <a:lumMod val="20000"/>
+                  <a:lumOff val="80000"/>
+                </a:schemeClr>
+              </a:solidFill>
+            </a:ln>
+            <a:effectLst>
+              <a:innerShdw blurRad="63500" dist="50800" dir="2700000">
+                <a:prstClr val="black">
+                  <a:alpha val="50000"/>
+                </a:prstClr>
+              </a:innerShdw>
+            </a:effectLst>
+          </p:spPr>
+          <p:style>
+            <a:lnRef idx="2">
+              <a:schemeClr val="accent1">
+                <a:shade val="50000"/>
+              </a:schemeClr>
+            </a:lnRef>
+            <a:fillRef idx="1">
+              <a:schemeClr val="accent1"/>
+            </a:fillRef>
+            <a:effectRef idx="0">
+              <a:schemeClr val="accent1"/>
+            </a:effectRef>
+            <a:fontRef idx="minor">
+              <a:schemeClr val="lt1"/>
+            </a:fontRef>
+          </p:style>
+          <p:txBody>
+            <a:bodyPr rtlCol="0" anchor="ctr"/>
+            <a:lstStyle/>
+            <a:p>
+              <a:pPr algn="ctr"/>
+              <a:endParaRPr lang="en-GB" sz="600" dirty="0">
+                <a:solidFill>
+                  <a:schemeClr val="accent4">
+                    <a:lumMod val="75000"/>
+                  </a:schemeClr>
+                </a:solidFill>
+              </a:endParaRPr>
+            </a:p>
+          </p:txBody>
+        </p:sp>
+        <p:sp>
+          <p:nvSpPr>
+            <p:cNvPr id="42" name="Can 41"/>
+            <p:cNvSpPr/>
+            <p:nvPr/>
+          </p:nvSpPr>
+          <p:spPr>
+            <a:xfrm>
+              <a:off x="1297394" y="3861048"/>
+              <a:ext cx="2880320" cy="1080120"/>
+            </a:xfrm>
+            <a:prstGeom prst="can">
+              <a:avLst/>
+            </a:prstGeom>
+            <a:solidFill>
+              <a:schemeClr val="accent3">
+                <a:lumMod val="40000"/>
+                <a:lumOff val="60000"/>
+              </a:schemeClr>
+            </a:solidFill>
+            <a:ln>
+              <a:solidFill>
+                <a:schemeClr val="accent3">
+                  <a:lumMod val="40000"/>
+                  <a:lumOff val="60000"/>
+                </a:schemeClr>
+              </a:solidFill>
+            </a:ln>
+          </p:spPr>
+          <p:style>
+            <a:lnRef idx="2">
+              <a:schemeClr val="accent1">
+                <a:shade val="50000"/>
+              </a:schemeClr>
+            </a:lnRef>
+            <a:fillRef idx="1">
+              <a:schemeClr val="accent1"/>
+            </a:fillRef>
+            <a:effectRef idx="0">
+              <a:schemeClr val="accent1"/>
+            </a:effectRef>
+            <a:fontRef idx="minor">
+              <a:schemeClr val="lt1"/>
+            </a:fontRef>
+          </p:style>
+          <p:txBody>
+            <a:bodyPr rtlCol="0" anchor="ctr"/>
+            <a:lstStyle/>
+            <a:p>
+              <a:pPr algn="ctr"/>
+              <a:r>
+                <a:rPr lang="en-GB" sz="1100" b="1" dirty="0" smtClean="0">
+                  <a:solidFill>
+                    <a:schemeClr val="tx1"/>
+                  </a:solidFill>
+                </a:rPr>
+                <a:t>Model Repository</a:t>
+              </a:r>
+              <a:endParaRPr lang="en-GB" sz="1050" b="1" dirty="0">
+                <a:solidFill>
+                  <a:schemeClr val="tx1"/>
+                </a:solidFill>
+              </a:endParaRPr>
+            </a:p>
+          </p:txBody>
+        </p:sp>
+        <p:grpSp>
+          <p:nvGrpSpPr>
+            <p:cNvPr id="43" name="Group 42"/>
+            <p:cNvGrpSpPr/>
+            <p:nvPr/>
+          </p:nvGrpSpPr>
+          <p:grpSpPr>
+            <a:xfrm>
+              <a:off x="4572000" y="3573016"/>
+              <a:ext cx="2952328" cy="1728192"/>
+              <a:chOff x="4572000" y="4005064"/>
+              <a:chExt cx="2952328" cy="1728192"/>
+            </a:xfrm>
+          </p:grpSpPr>
+          <p:sp>
+            <p:nvSpPr>
+              <p:cNvPr id="44" name="Rounded Rectangle 43"/>
+              <p:cNvSpPr/>
+              <p:nvPr/>
+            </p:nvSpPr>
+            <p:spPr>
+              <a:xfrm>
+                <a:off x="4572000" y="4365104"/>
+                <a:ext cx="936104" cy="360040"/>
+              </a:xfrm>
+              <a:prstGeom prst="roundRect">
+                <a:avLst/>
+              </a:prstGeom>
+              <a:solidFill>
+                <a:schemeClr val="accent5">
+                  <a:lumMod val="40000"/>
+                  <a:lumOff val="60000"/>
+                </a:schemeClr>
+              </a:solidFill>
+              <a:ln>
+                <a:solidFill>
+                  <a:schemeClr val="accent5">
+                    <a:lumMod val="40000"/>
+                    <a:lumOff val="60000"/>
+                  </a:schemeClr>
+                </a:solidFill>
+              </a:ln>
+              <a:effectLst>
+                <a:innerShdw blurRad="63500" dist="50800" dir="2700000">
+                  <a:prstClr val="black">
+                    <a:alpha val="50000"/>
+                  </a:prstClr>
+                </a:innerShdw>
+              </a:effectLst>
+            </p:spPr>
+            <p:style>
+              <a:lnRef idx="2">
+                <a:schemeClr val="accent1">
+                  <a:shade val="50000"/>
+                </a:schemeClr>
+              </a:lnRef>
+              <a:fillRef idx="1">
+                <a:schemeClr val="accent1"/>
+              </a:fillRef>
+              <a:effectRef idx="0">
+                <a:schemeClr val="accent1"/>
+              </a:effectRef>
+              <a:fontRef idx="minor">
+                <a:schemeClr val="lt1"/>
+              </a:fontRef>
+            </p:style>
+            <p:txBody>
+              <a:bodyPr lIns="36000" tIns="36000" rIns="36000" bIns="36000" rtlCol="0" anchor="ctr"/>
+              <a:lstStyle/>
+              <a:p>
+                <a:pPr algn="ctr"/>
+                <a:endParaRPr lang="en-GB" sz="600" dirty="0">
+                  <a:solidFill>
+                    <a:schemeClr val="tx2">
+                      <a:lumMod val="75000"/>
+                    </a:schemeClr>
+                  </a:solidFill>
+                </a:endParaRPr>
+              </a:p>
+            </p:txBody>
+          </p:sp>
+          <p:sp>
+            <p:nvSpPr>
+              <p:cNvPr id="45" name="Rounded Rectangle 44"/>
+              <p:cNvSpPr/>
+              <p:nvPr/>
+            </p:nvSpPr>
+            <p:spPr>
+              <a:xfrm>
+                <a:off x="5580112" y="4365104"/>
+                <a:ext cx="936104" cy="360040"/>
+              </a:xfrm>
+              <a:prstGeom prst="roundRect">
+                <a:avLst/>
+              </a:prstGeom>
+              <a:solidFill>
+                <a:schemeClr val="accent5">
+                  <a:lumMod val="40000"/>
+                  <a:lumOff val="60000"/>
+                </a:schemeClr>
+              </a:solidFill>
+              <a:ln>
+                <a:solidFill>
+                  <a:schemeClr val="accent5">
+                    <a:lumMod val="40000"/>
+                    <a:lumOff val="60000"/>
+                  </a:schemeClr>
+                </a:solidFill>
+              </a:ln>
+              <a:effectLst>
+                <a:innerShdw blurRad="63500" dist="50800" dir="2700000">
+                  <a:prstClr val="black">
+                    <a:alpha val="50000"/>
+                  </a:prstClr>
+                </a:innerShdw>
+              </a:effectLst>
+            </p:spPr>
+            <p:style>
+              <a:lnRef idx="2">
+                <a:schemeClr val="accent1">
+                  <a:shade val="50000"/>
+                </a:schemeClr>
+              </a:lnRef>
+              <a:fillRef idx="1">
+                <a:schemeClr val="accent1"/>
+              </a:fillRef>
+              <a:effectRef idx="0">
+                <a:schemeClr val="accent1"/>
+              </a:effectRef>
+              <a:fontRef idx="minor">
+                <a:schemeClr val="lt1"/>
+              </a:fontRef>
+            </p:style>
+            <p:txBody>
+              <a:bodyPr lIns="36000" tIns="36000" rIns="36000" bIns="36000" rtlCol="0" anchor="ctr"/>
+              <a:lstStyle/>
+              <a:p>
+                <a:pPr algn="ctr"/>
+                <a:endParaRPr lang="en-GB" sz="600" dirty="0">
+                  <a:solidFill>
+                    <a:schemeClr val="tx2">
+                      <a:lumMod val="75000"/>
+                    </a:schemeClr>
+                  </a:solidFill>
+                </a:endParaRPr>
+              </a:p>
+            </p:txBody>
+          </p:sp>
+          <p:sp>
+            <p:nvSpPr>
+              <p:cNvPr id="46" name="Rounded Rectangle 45"/>
+              <p:cNvSpPr/>
+              <p:nvPr/>
+            </p:nvSpPr>
+            <p:spPr>
+              <a:xfrm>
+                <a:off x="6588224" y="4365104"/>
+                <a:ext cx="936104" cy="360040"/>
+              </a:xfrm>
+              <a:prstGeom prst="roundRect">
+                <a:avLst/>
+              </a:prstGeom>
+              <a:solidFill>
+                <a:schemeClr val="accent5">
+                  <a:lumMod val="40000"/>
+                  <a:lumOff val="60000"/>
+                </a:schemeClr>
+              </a:solidFill>
+              <a:ln>
+                <a:solidFill>
+                  <a:schemeClr val="accent5">
+                    <a:lumMod val="40000"/>
+                    <a:lumOff val="60000"/>
+                  </a:schemeClr>
+                </a:solidFill>
+              </a:ln>
+              <a:effectLst>
+                <a:innerShdw blurRad="63500" dist="50800" dir="2700000">
+                  <a:prstClr val="black">
+                    <a:alpha val="50000"/>
+                  </a:prstClr>
+                </a:innerShdw>
+              </a:effectLst>
+            </p:spPr>
+            <p:style>
+              <a:lnRef idx="2">
+                <a:schemeClr val="accent1">
+                  <a:shade val="50000"/>
+                </a:schemeClr>
+              </a:lnRef>
+              <a:fillRef idx="1">
+                <a:schemeClr val="accent1"/>
+              </a:fillRef>
+              <a:effectRef idx="0">
+                <a:schemeClr val="accent1"/>
+              </a:effectRef>
+              <a:fontRef idx="minor">
+                <a:schemeClr val="lt1"/>
+              </a:fontRef>
+            </p:style>
+            <p:txBody>
+              <a:bodyPr lIns="36000" tIns="36000" rIns="36000" bIns="36000" rtlCol="0" anchor="ctr"/>
+              <a:lstStyle/>
+              <a:p>
+                <a:pPr algn="ctr"/>
+                <a:endParaRPr lang="en-GB" sz="600" dirty="0">
+                  <a:solidFill>
+                    <a:schemeClr val="tx2">
+                      <a:lumMod val="75000"/>
+                    </a:schemeClr>
+                  </a:solidFill>
+                </a:endParaRPr>
+              </a:p>
+            </p:txBody>
+          </p:sp>
+          <p:sp>
+            <p:nvSpPr>
+              <p:cNvPr id="47" name="Rounded Rectangle 46"/>
+              <p:cNvSpPr/>
+              <p:nvPr/>
+            </p:nvSpPr>
+            <p:spPr>
+              <a:xfrm>
+                <a:off x="4572000" y="4005064"/>
+                <a:ext cx="720080" cy="216024"/>
+              </a:xfrm>
+              <a:prstGeom prst="roundRect">
+                <a:avLst/>
+              </a:prstGeom>
+              <a:solidFill>
+                <a:schemeClr val="accent5">
+                  <a:lumMod val="40000"/>
+                  <a:lumOff val="60000"/>
+                </a:schemeClr>
+              </a:solidFill>
+              <a:ln>
+                <a:solidFill>
+                  <a:schemeClr val="accent5">
+                    <a:lumMod val="40000"/>
+                    <a:lumOff val="60000"/>
+                  </a:schemeClr>
+                </a:solidFill>
+              </a:ln>
+              <a:effectLst>
+                <a:innerShdw blurRad="63500" dist="50800" dir="2700000">
+                  <a:prstClr val="black">
+                    <a:alpha val="50000"/>
+                  </a:prstClr>
+                </a:innerShdw>
+              </a:effectLst>
+            </p:spPr>
+            <p:style>
+              <a:lnRef idx="2">
+                <a:schemeClr val="accent1">
+                  <a:shade val="50000"/>
+                </a:schemeClr>
+              </a:lnRef>
+              <a:fillRef idx="1">
+                <a:schemeClr val="accent1"/>
+              </a:fillRef>
+              <a:effectRef idx="0">
+                <a:schemeClr val="accent1"/>
+              </a:effectRef>
+              <a:fontRef idx="minor">
+                <a:schemeClr val="lt1"/>
+              </a:fontRef>
+            </p:style>
+            <p:txBody>
+              <a:bodyPr rtlCol="0" anchor="ctr"/>
+              <a:lstStyle/>
+              <a:p>
+                <a:pPr algn="ctr"/>
+                <a:endParaRPr lang="en-GB" sz="600" dirty="0">
+                  <a:solidFill>
+                    <a:schemeClr val="tx2">
+                      <a:lumMod val="75000"/>
+                    </a:schemeClr>
+                  </a:solidFill>
+                </a:endParaRPr>
+              </a:p>
+            </p:txBody>
+          </p:sp>
+          <p:sp>
+            <p:nvSpPr>
+              <p:cNvPr id="48" name="Rounded Rectangle 47"/>
+              <p:cNvSpPr/>
+              <p:nvPr/>
+            </p:nvSpPr>
+            <p:spPr>
+              <a:xfrm>
+                <a:off x="5364088" y="4005064"/>
+                <a:ext cx="576064" cy="216024"/>
+              </a:xfrm>
+              <a:prstGeom prst="roundRect">
+                <a:avLst/>
+              </a:prstGeom>
+              <a:solidFill>
+                <a:schemeClr val="accent5">
+                  <a:lumMod val="40000"/>
+                  <a:lumOff val="60000"/>
+                </a:schemeClr>
+              </a:solidFill>
+              <a:ln>
+                <a:solidFill>
+                  <a:schemeClr val="accent5">
+                    <a:lumMod val="40000"/>
+                    <a:lumOff val="60000"/>
+                  </a:schemeClr>
+                </a:solidFill>
+              </a:ln>
+              <a:effectLst>
+                <a:innerShdw blurRad="63500" dist="50800" dir="2700000">
+                  <a:prstClr val="black">
+                    <a:alpha val="50000"/>
+                  </a:prstClr>
+                </a:innerShdw>
+              </a:effectLst>
+            </p:spPr>
+            <p:style>
+              <a:lnRef idx="2">
+                <a:schemeClr val="accent1">
+                  <a:shade val="50000"/>
+                </a:schemeClr>
+              </a:lnRef>
+              <a:fillRef idx="1">
+                <a:schemeClr val="accent1"/>
+              </a:fillRef>
+              <a:effectRef idx="0">
+                <a:schemeClr val="accent1"/>
+              </a:effectRef>
+              <a:fontRef idx="minor">
+                <a:schemeClr val="lt1"/>
+              </a:fontRef>
+            </p:style>
+            <p:txBody>
+              <a:bodyPr rtlCol="0" anchor="ctr"/>
+              <a:lstStyle/>
+              <a:p>
+                <a:pPr algn="ctr"/>
+                <a:endParaRPr lang="en-GB" sz="600" dirty="0">
+                  <a:solidFill>
+                    <a:schemeClr val="tx2">
+                      <a:lumMod val="75000"/>
+                    </a:schemeClr>
+                  </a:solidFill>
+                </a:endParaRPr>
+              </a:p>
+            </p:txBody>
+          </p:sp>
+          <p:sp>
+            <p:nvSpPr>
+              <p:cNvPr id="49" name="Rounded Rectangle 48"/>
+              <p:cNvSpPr/>
+              <p:nvPr/>
+            </p:nvSpPr>
+            <p:spPr>
+              <a:xfrm>
+                <a:off x="6804248" y="4005064"/>
+                <a:ext cx="720080" cy="216024"/>
+              </a:xfrm>
+              <a:prstGeom prst="roundRect">
+                <a:avLst/>
+              </a:prstGeom>
+              <a:solidFill>
+                <a:schemeClr val="accent5">
+                  <a:lumMod val="40000"/>
+                  <a:lumOff val="60000"/>
+                </a:schemeClr>
+              </a:solidFill>
+              <a:ln>
+                <a:solidFill>
+                  <a:schemeClr val="accent5">
+                    <a:lumMod val="40000"/>
+                    <a:lumOff val="60000"/>
+                  </a:schemeClr>
+                </a:solidFill>
+              </a:ln>
+              <a:effectLst>
+                <a:innerShdw blurRad="63500" dist="50800" dir="2700000">
+                  <a:prstClr val="black">
+                    <a:alpha val="50000"/>
+                  </a:prstClr>
+                </a:innerShdw>
+              </a:effectLst>
+            </p:spPr>
+            <p:style>
+              <a:lnRef idx="2">
+                <a:schemeClr val="accent1">
+                  <a:shade val="50000"/>
+                </a:schemeClr>
+              </a:lnRef>
+              <a:fillRef idx="1">
+                <a:schemeClr val="accent1"/>
+              </a:fillRef>
+              <a:effectRef idx="0">
+                <a:schemeClr val="accent1"/>
+              </a:effectRef>
+              <a:fontRef idx="minor">
+                <a:schemeClr val="lt1"/>
+              </a:fontRef>
+            </p:style>
+            <p:txBody>
+              <a:bodyPr rtlCol="0" anchor="ctr"/>
+              <a:lstStyle/>
+              <a:p>
+                <a:pPr algn="ctr"/>
+                <a:endParaRPr lang="en-GB" sz="600" dirty="0">
+                  <a:solidFill>
+                    <a:schemeClr val="tx2">
+                      <a:lumMod val="75000"/>
+                    </a:schemeClr>
+                  </a:solidFill>
+                </a:endParaRPr>
+              </a:p>
+            </p:txBody>
+          </p:sp>
+          <p:sp>
+            <p:nvSpPr>
+              <p:cNvPr id="50" name="Rounded Rectangle 49"/>
+              <p:cNvSpPr/>
+              <p:nvPr/>
+            </p:nvSpPr>
+            <p:spPr>
+              <a:xfrm>
+                <a:off x="6012160" y="4005064"/>
+                <a:ext cx="720080" cy="216024"/>
+              </a:xfrm>
+              <a:prstGeom prst="roundRect">
+                <a:avLst/>
+              </a:prstGeom>
+              <a:solidFill>
+                <a:schemeClr val="accent5">
+                  <a:lumMod val="40000"/>
+                  <a:lumOff val="60000"/>
+                </a:schemeClr>
+              </a:solidFill>
+              <a:ln>
+                <a:solidFill>
+                  <a:schemeClr val="accent5">
+                    <a:lumMod val="40000"/>
+                    <a:lumOff val="60000"/>
+                  </a:schemeClr>
+                </a:solidFill>
+              </a:ln>
+              <a:effectLst>
+                <a:innerShdw blurRad="63500" dist="50800" dir="2700000">
+                  <a:prstClr val="black">
+                    <a:alpha val="50000"/>
+                  </a:prstClr>
+                </a:innerShdw>
+              </a:effectLst>
+            </p:spPr>
+            <p:style>
+              <a:lnRef idx="2">
+                <a:schemeClr val="accent1">
+                  <a:shade val="50000"/>
+                </a:schemeClr>
+              </a:lnRef>
+              <a:fillRef idx="1">
+                <a:schemeClr val="accent1"/>
+              </a:fillRef>
+              <a:effectRef idx="0">
+                <a:schemeClr val="accent1"/>
+              </a:effectRef>
+              <a:fontRef idx="minor">
+                <a:schemeClr val="lt1"/>
+              </a:fontRef>
+            </p:style>
+            <p:txBody>
+              <a:bodyPr rtlCol="0" anchor="ctr"/>
+              <a:lstStyle/>
+              <a:p>
+                <a:pPr algn="ctr"/>
+                <a:endParaRPr lang="en-GB" sz="600" dirty="0">
+                  <a:solidFill>
+                    <a:schemeClr val="tx2">
+                      <a:lumMod val="75000"/>
+                    </a:schemeClr>
+                  </a:solidFill>
+                </a:endParaRPr>
+              </a:p>
+            </p:txBody>
+          </p:sp>
+          <p:sp>
+            <p:nvSpPr>
+              <p:cNvPr id="51" name="Can 50"/>
+              <p:cNvSpPr/>
+              <p:nvPr/>
+            </p:nvSpPr>
+            <p:spPr>
+              <a:xfrm>
+                <a:off x="4572000" y="4869160"/>
+                <a:ext cx="2952328" cy="864096"/>
+              </a:xfrm>
+              <a:prstGeom prst="can">
+                <a:avLst/>
+              </a:prstGeom>
+              <a:solidFill>
+                <a:schemeClr val="accent5">
+                  <a:lumMod val="40000"/>
+                  <a:lumOff val="60000"/>
+                </a:schemeClr>
+              </a:solidFill>
+              <a:ln>
+                <a:solidFill>
+                  <a:schemeClr val="accent5">
+                    <a:lumMod val="40000"/>
+                    <a:lumOff val="60000"/>
+                  </a:schemeClr>
+                </a:solidFill>
+              </a:ln>
+            </p:spPr>
+            <p:style>
+              <a:lnRef idx="2">
+                <a:schemeClr val="accent1">
+                  <a:shade val="50000"/>
+                </a:schemeClr>
+              </a:lnRef>
+              <a:fillRef idx="1">
+                <a:schemeClr val="accent1"/>
+              </a:fillRef>
+              <a:effectRef idx="0">
+                <a:schemeClr val="accent1"/>
+              </a:effectRef>
+              <a:fontRef idx="minor">
+                <a:schemeClr val="lt1"/>
+              </a:fontRef>
+            </p:style>
+            <p:txBody>
+              <a:bodyPr rtlCol="0" anchor="ctr"/>
+              <a:lstStyle/>
+              <a:p>
+                <a:pPr algn="ctr"/>
+                <a:r>
+                  <a:rPr lang="en-GB" sz="1100" b="1" dirty="0" smtClean="0">
+                    <a:solidFill>
+                      <a:schemeClr val="tx1"/>
+                    </a:solidFill>
+                  </a:rPr>
+                  <a:t>Persistence</a:t>
+                </a:r>
+                <a:endParaRPr lang="en-GB" sz="1050" b="1" dirty="0">
+                  <a:solidFill>
+                    <a:schemeClr val="tx1"/>
+                  </a:solidFill>
+                </a:endParaRPr>
+              </a:p>
+            </p:txBody>
+          </p:sp>
+        </p:grpSp>
+        <p:sp>
+          <p:nvSpPr>
+            <p:cNvPr id="52" name="TextBox 51"/>
+            <p:cNvSpPr txBox="1"/>
+            <p:nvPr/>
+          </p:nvSpPr>
+          <p:spPr>
+            <a:xfrm>
+              <a:off x="840118" y="1921739"/>
+              <a:ext cx="3674185" cy="1287305"/>
+            </a:xfrm>
+            <a:prstGeom prst="rect">
+              <a:avLst/>
+            </a:prstGeom>
+            <a:noFill/>
+          </p:spPr>
+          <p:txBody>
+            <a:bodyPr wrap="none" rtlCol="0">
+              <a:spAutoFit/>
+            </a:bodyPr>
+            <a:lstStyle/>
+            <a:p>
+              <a:pPr algn="ctr"/>
+              <a:r>
+                <a:rPr lang="en-GB" sz="1100" b="1" dirty="0" smtClean="0"/>
+                <a:t>Clinical Modelling</a:t>
+              </a:r>
+            </a:p>
+            <a:p>
+              <a:pPr algn="ctr"/>
+              <a:r>
+                <a:rPr lang="en-GB" sz="1100" b="1" dirty="0" smtClean="0"/>
+                <a:t>Tools</a:t>
+              </a:r>
+              <a:endParaRPr lang="en-GB" sz="1100" b="1" dirty="0"/>
+            </a:p>
+          </p:txBody>
+        </p:sp>
+        <p:sp>
+          <p:nvSpPr>
+            <p:cNvPr id="53" name="TextBox 52"/>
+            <p:cNvSpPr txBox="1"/>
+            <p:nvPr/>
+          </p:nvSpPr>
+          <p:spPr>
+            <a:xfrm>
+              <a:off x="4645422" y="1916833"/>
+              <a:ext cx="2778628" cy="1287305"/>
+            </a:xfrm>
+            <a:prstGeom prst="rect">
+              <a:avLst/>
+            </a:prstGeom>
+            <a:noFill/>
+          </p:spPr>
+          <p:txBody>
+            <a:bodyPr wrap="none" rtlCol="0">
+              <a:spAutoFit/>
+            </a:bodyPr>
+            <a:lstStyle/>
+            <a:p>
+              <a:pPr algn="ctr"/>
+              <a:r>
+                <a:rPr lang="en-GB" sz="1100" b="1" dirty="0" smtClean="0"/>
+                <a:t>App Building</a:t>
+              </a:r>
+            </a:p>
+            <a:p>
+              <a:pPr algn="ctr"/>
+              <a:r>
+                <a:rPr lang="en-GB" sz="1100" b="1" dirty="0" smtClean="0"/>
+                <a:t>Tools</a:t>
+              </a:r>
+              <a:endParaRPr lang="en-GB" sz="1100" b="1" dirty="0"/>
+            </a:p>
+          </p:txBody>
+        </p:sp>
+        <p:sp>
+          <p:nvSpPr>
+            <p:cNvPr id="54" name="TextBox 53"/>
+            <p:cNvSpPr txBox="1"/>
+            <p:nvPr/>
+          </p:nvSpPr>
+          <p:spPr>
+            <a:xfrm>
+              <a:off x="5318160" y="3263256"/>
+              <a:ext cx="1346689" cy="735602"/>
+            </a:xfrm>
+            <a:prstGeom prst="rect">
+              <a:avLst/>
+            </a:prstGeom>
+            <a:noFill/>
+          </p:spPr>
+          <p:txBody>
+            <a:bodyPr wrap="none" rtlCol="0">
+              <a:spAutoFit/>
+            </a:bodyPr>
+            <a:lstStyle/>
+            <a:p>
+              <a:pPr algn="ctr"/>
+              <a:r>
+                <a:rPr lang="en-GB" sz="1000" b="1" dirty="0" smtClean="0"/>
+                <a:t>Apps</a:t>
+              </a:r>
+              <a:endParaRPr lang="en-GB" sz="1000" b="1" dirty="0"/>
+            </a:p>
+          </p:txBody>
+        </p:sp>
+        <p:sp>
+          <p:nvSpPr>
+            <p:cNvPr id="60" name="TextBox 59"/>
+            <p:cNvSpPr txBox="1"/>
+            <p:nvPr/>
+          </p:nvSpPr>
+          <p:spPr>
+            <a:xfrm>
+              <a:off x="5127191" y="3729409"/>
+              <a:ext cx="1839967" cy="735602"/>
+            </a:xfrm>
+            <a:prstGeom prst="rect">
+              <a:avLst/>
+            </a:prstGeom>
+            <a:noFill/>
+          </p:spPr>
+          <p:txBody>
+            <a:bodyPr wrap="none" rtlCol="0">
+              <a:spAutoFit/>
+            </a:bodyPr>
+            <a:lstStyle/>
+            <a:p>
+              <a:pPr algn="ctr"/>
+              <a:r>
+                <a:rPr lang="en-GB" sz="1000" b="1" dirty="0" smtClean="0"/>
+                <a:t>Services</a:t>
+              </a:r>
+              <a:endParaRPr lang="en-GB" sz="1000" b="1" dirty="0"/>
+            </a:p>
+          </p:txBody>
+        </p:sp>
+      </p:grpSp>
+    </p:spTree>
+  </p:cSld>
+  <p:clrMapOvr>
+    <a:masterClrMapping/>
+  </p:clrMapOvr>
+  <p:timing>
+    <p:tnLst>
+      <p:par>
+        <p:cTn id="1" dur="indefinite" restart="never" nodeType="tmRoot"/>
+      </p:par>
+    </p:tnLst>
+  </p:timing>
+</p:sld>
+</file>
+
+<file path=ppt/slides/slide11.xml><?xml version="1.0" encoding="utf-8"?>
+<p:sld xmlns:a="http://schemas.openxmlformats.org/drawingml/2006/main" xmlns:r="http://schemas.openxmlformats.org/officeDocument/2006/relationships" xmlns:p="http://schemas.openxmlformats.org/presentationml/2006/main">
+  <p:cSld>
+    <p:spTree>
+      <p:nvGrpSpPr>
+        <p:cNvPr id="1" name=""/>
+        <p:cNvGrpSpPr/>
+        <p:nvPr/>
+      </p:nvGrpSpPr>
+      <p:grpSpPr>
+        <a:xfrm>
+          <a:off x="0" y="0"/>
+          <a:ext cx="0" cy="0"/>
+          <a:chOff x="0" y="0"/>
+          <a:chExt cx="0" cy="0"/>
+        </a:xfrm>
+      </p:grpSpPr>
       <p:cxnSp>
         <p:nvCxnSpPr>
           <p:cNvPr id="128" name="Straight Connector 127"/>
@@ -6637,7 +8007,7 @@
 </p:sld>
 </file>
 
-<file path=ppt/slides/slide11.xml><?xml version="1.0" encoding="utf-8"?>
+<file path=ppt/slides/slide12.xml><?xml version="1.0" encoding="utf-8"?>
 <p:sld xmlns:a="http://schemas.openxmlformats.org/drawingml/2006/main" xmlns:r="http://schemas.openxmlformats.org/officeDocument/2006/relationships" xmlns:p="http://schemas.openxmlformats.org/presentationml/2006/main">
   <p:cSld>
     <p:spTree>
@@ -6704,7 +8074,7 @@
 </p:sld>
 </file>
 
-<file path=ppt/slides/slide12.xml><?xml version="1.0" encoding="utf-8"?>
+<file path=ppt/slides/slide13.xml><?xml version="1.0" encoding="utf-8"?>
 <p:sld xmlns:a="http://schemas.openxmlformats.org/drawingml/2006/main" xmlns:r="http://schemas.openxmlformats.org/officeDocument/2006/relationships" xmlns:p="http://schemas.openxmlformats.org/presentationml/2006/main">
   <p:cSld>
     <p:spTree>
@@ -7689,7 +9059,7 @@
 </p:sld>
 </file>
 
-<file path=ppt/slides/slide13.xml><?xml version="1.0" encoding="utf-8"?>
+<file path=ppt/slides/slide14.xml><?xml version="1.0" encoding="utf-8"?>
 <p:sld xmlns:a="http://schemas.openxmlformats.org/drawingml/2006/main" xmlns:r="http://schemas.openxmlformats.org/officeDocument/2006/relationships" xmlns:p="http://schemas.openxmlformats.org/presentationml/2006/main">
   <p:cSld>
     <p:spTree>
@@ -9717,7 +11087,7 @@
 </p:sld>
 </file>
 
-<file path=ppt/slides/slide14.xml><?xml version="1.0" encoding="utf-8"?>
+<file path=ppt/slides/slide15.xml><?xml version="1.0" encoding="utf-8"?>
 <p:sld xmlns:a="http://schemas.openxmlformats.org/drawingml/2006/main" xmlns:r="http://schemas.openxmlformats.org/officeDocument/2006/relationships" xmlns:p="http://schemas.openxmlformats.org/presentationml/2006/main">
   <p:cSld>
     <p:spTree>
@@ -11488,7 +12858,7 @@
 </p:sld>
 </file>
 
-<file path=ppt/slides/slide15.xml><?xml version="1.0" encoding="utf-8"?>
+<file path=ppt/slides/slide16.xml><?xml version="1.0" encoding="utf-8"?>
 <p:sld xmlns:a="http://schemas.openxmlformats.org/drawingml/2006/main" xmlns:r="http://schemas.openxmlformats.org/officeDocument/2006/relationships" xmlns:p="http://schemas.openxmlformats.org/presentationml/2006/main">
   <p:cSld>
     <p:spTree>
@@ -13317,7 +14687,7 @@
 </p:sld>
 </file>
 
-<file path=ppt/slides/slide16.xml><?xml version="1.0" encoding="utf-8"?>
+<file path=ppt/slides/slide17.xml><?xml version="1.0" encoding="utf-8"?>
 <p:sld xmlns:a="http://schemas.openxmlformats.org/drawingml/2006/main" xmlns:r="http://schemas.openxmlformats.org/officeDocument/2006/relationships" xmlns:p="http://schemas.openxmlformats.org/presentationml/2006/main">
   <p:cSld>
     <p:spTree>
@@ -15437,7 +16807,7 @@
 </p:sld>
 </file>
 
-<file path=ppt/slides/slide17.xml><?xml version="1.0" encoding="utf-8"?>
+<file path=ppt/slides/slide18.xml><?xml version="1.0" encoding="utf-8"?>
 <p:sld xmlns:a="http://schemas.openxmlformats.org/drawingml/2006/main" xmlns:r="http://schemas.openxmlformats.org/officeDocument/2006/relationships" xmlns:p="http://schemas.openxmlformats.org/presentationml/2006/main">
   <p:cSld>
     <p:spTree>
@@ -17672,7 +19042,7 @@
 </p:sld>
 </file>
 
-<file path=ppt/slides/slide18.xml><?xml version="1.0" encoding="utf-8"?>
+<file path=ppt/slides/slide19.xml><?xml version="1.0" encoding="utf-8"?>
 <p:sld xmlns:a="http://schemas.openxmlformats.org/drawingml/2006/main" xmlns:r="http://schemas.openxmlformats.org/officeDocument/2006/relationships" xmlns:p="http://schemas.openxmlformats.org/presentationml/2006/main">
   <p:cSld>
     <p:spTree>
@@ -19558,7 +20928,497 @@
 </p:sld>
 </file>
 
-<file path=ppt/slides/slide19.xml><?xml version="1.0" encoding="utf-8"?>
+<file path=ppt/slides/slide2.xml><?xml version="1.0" encoding="utf-8"?>
+<p:sld xmlns:a="http://schemas.openxmlformats.org/drawingml/2006/main" xmlns:r="http://schemas.openxmlformats.org/officeDocument/2006/relationships" xmlns:p="http://schemas.openxmlformats.org/presentationml/2006/main">
+  <p:cSld>
+    <p:spTree>
+      <p:nvGrpSpPr>
+        <p:cNvPr id="1" name=""/>
+        <p:cNvGrpSpPr/>
+        <p:nvPr/>
+      </p:nvGrpSpPr>
+      <p:grpSpPr>
+        <a:xfrm>
+          <a:off x="0" y="0"/>
+          <a:ext cx="0" cy="0"/>
+          <a:chOff x="0" y="0"/>
+          <a:chExt cx="0" cy="0"/>
+        </a:xfrm>
+      </p:grpSpPr>
+      <p:sp>
+        <p:nvSpPr>
+          <p:cNvPr id="17" name="Rectangle 16"/>
+          <p:cNvSpPr/>
+          <p:nvPr/>
+        </p:nvSpPr>
+        <p:spPr>
+          <a:xfrm>
+            <a:off x="5796136" y="2264165"/>
+            <a:ext cx="899047" cy="372747"/>
+          </a:xfrm>
+          <a:prstGeom prst="rect">
+            <a:avLst/>
+          </a:prstGeom>
+          <a:solidFill>
+            <a:srgbClr val="F0D288"/>
+          </a:solidFill>
+          <a:ln w="3175">
+            <a:solidFill>
+              <a:srgbClr val="F0D288"/>
+            </a:solidFill>
+          </a:ln>
+          <a:effectLst>
+            <a:outerShdw dist="25400" dir="2700000" algn="tl" rotWithShape="0">
+              <a:prstClr val="black"/>
+            </a:outerShdw>
+          </a:effectLst>
+        </p:spPr>
+        <p:style>
+          <a:lnRef idx="2">
+            <a:schemeClr val="accent1">
+              <a:shade val="50000"/>
+            </a:schemeClr>
+          </a:lnRef>
+          <a:fillRef idx="1">
+            <a:schemeClr val="accent1"/>
+          </a:fillRef>
+          <a:effectRef idx="0">
+            <a:schemeClr val="accent1"/>
+          </a:effectRef>
+          <a:fontRef idx="minor">
+            <a:schemeClr val="lt1"/>
+          </a:fontRef>
+        </p:style>
+        <p:txBody>
+          <a:bodyPr rtlCol="0" anchor="ctr"/>
+          <a:lstStyle/>
+          <a:p>
+            <a:pPr algn="ctr"/>
+            <a:endParaRPr lang="en-GB" sz="1200" dirty="0">
+              <a:solidFill>
+                <a:srgbClr val="4B5256"/>
+              </a:solidFill>
+            </a:endParaRPr>
+          </a:p>
+        </p:txBody>
+      </p:sp>
+      <p:sp>
+        <p:nvSpPr>
+          <p:cNvPr id="20" name="Can 19"/>
+          <p:cNvSpPr/>
+          <p:nvPr/>
+        </p:nvSpPr>
+        <p:spPr>
+          <a:xfrm>
+            <a:off x="5807239" y="2852936"/>
+            <a:ext cx="899047" cy="372747"/>
+          </a:xfrm>
+          <a:prstGeom prst="can">
+            <a:avLst/>
+          </a:prstGeom>
+          <a:solidFill>
+            <a:srgbClr val="033761"/>
+          </a:solidFill>
+          <a:ln w="6350">
+            <a:solidFill>
+              <a:srgbClr val="282828"/>
+            </a:solidFill>
+          </a:ln>
+          <a:effectLst/>
+        </p:spPr>
+        <p:style>
+          <a:lnRef idx="2">
+            <a:schemeClr val="accent1">
+              <a:shade val="50000"/>
+            </a:schemeClr>
+          </a:lnRef>
+          <a:fillRef idx="1">
+            <a:schemeClr val="accent1"/>
+          </a:fillRef>
+          <a:effectRef idx="0">
+            <a:schemeClr val="accent1"/>
+          </a:effectRef>
+          <a:fontRef idx="minor">
+            <a:schemeClr val="lt1"/>
+          </a:fontRef>
+        </p:style>
+        <p:txBody>
+          <a:bodyPr rtlCol="0" anchor="ctr"/>
+          <a:lstStyle/>
+          <a:p>
+            <a:pPr algn="ctr"/>
+            <a:endParaRPr lang="en-GB" sz="900" dirty="0">
+              <a:solidFill>
+                <a:schemeClr val="bg1"/>
+              </a:solidFill>
+            </a:endParaRPr>
+          </a:p>
+        </p:txBody>
+      </p:sp>
+      <p:sp>
+        <p:nvSpPr>
+          <p:cNvPr id="21" name="Flowchart: Document 20"/>
+          <p:cNvSpPr/>
+          <p:nvPr/>
+        </p:nvSpPr>
+        <p:spPr>
+          <a:xfrm>
+            <a:off x="5004048" y="2287092"/>
+            <a:ext cx="605714" cy="349820"/>
+          </a:xfrm>
+          <a:prstGeom prst="flowChartDocument">
+            <a:avLst/>
+          </a:prstGeom>
+          <a:solidFill>
+            <a:srgbClr val="F7EFC1"/>
+          </a:solidFill>
+          <a:ln w="6350">
+            <a:solidFill>
+              <a:srgbClr val="F7EFC1"/>
+            </a:solidFill>
+          </a:ln>
+          <a:effectLst>
+            <a:outerShdw dist="25400" dir="2700000" algn="tl" rotWithShape="0">
+              <a:prstClr val="black"/>
+            </a:outerShdw>
+          </a:effectLst>
+        </p:spPr>
+        <p:style>
+          <a:lnRef idx="2">
+            <a:schemeClr val="accent1">
+              <a:shade val="50000"/>
+            </a:schemeClr>
+          </a:lnRef>
+          <a:fillRef idx="1">
+            <a:schemeClr val="accent1"/>
+          </a:fillRef>
+          <a:effectRef idx="0">
+            <a:schemeClr val="accent1"/>
+          </a:effectRef>
+          <a:fontRef idx="minor">
+            <a:schemeClr val="lt1"/>
+          </a:fontRef>
+        </p:style>
+        <p:txBody>
+          <a:bodyPr lIns="36000" tIns="0" rIns="36000" bIns="0" rtlCol="0" anchor="ctr"/>
+          <a:lstStyle/>
+          <a:p>
+            <a:pPr algn="ctr"/>
+            <a:endParaRPr lang="en-GB" sz="900" dirty="0">
+              <a:solidFill>
+                <a:srgbClr val="4B5256"/>
+              </a:solidFill>
+              <a:latin typeface="Calibri" pitchFamily="34" charset="0"/>
+              <a:cs typeface="Arial" pitchFamily="34" charset="0"/>
+            </a:endParaRPr>
+          </a:p>
+        </p:txBody>
+      </p:sp>
+      <p:sp>
+        <p:nvSpPr>
+          <p:cNvPr id="22" name="Down Arrow 21"/>
+          <p:cNvSpPr/>
+          <p:nvPr/>
+        </p:nvSpPr>
+        <p:spPr>
+          <a:xfrm rot="16200000">
+            <a:off x="5672070" y="2381995"/>
+            <a:ext cx="93186" cy="128616"/>
+          </a:xfrm>
+          <a:prstGeom prst="downArrow">
+            <a:avLst/>
+          </a:prstGeom>
+          <a:solidFill>
+            <a:srgbClr val="F7EFC1"/>
+          </a:solidFill>
+          <a:ln w="6350">
+            <a:solidFill>
+              <a:srgbClr val="282828"/>
+            </a:solidFill>
+          </a:ln>
+        </p:spPr>
+        <p:style>
+          <a:lnRef idx="2">
+            <a:schemeClr val="accent1">
+              <a:shade val="50000"/>
+            </a:schemeClr>
+          </a:lnRef>
+          <a:fillRef idx="1">
+            <a:schemeClr val="accent1"/>
+          </a:fillRef>
+          <a:effectRef idx="0">
+            <a:schemeClr val="accent1"/>
+          </a:effectRef>
+          <a:fontRef idx="minor">
+            <a:schemeClr val="lt1"/>
+          </a:fontRef>
+        </p:style>
+        <p:txBody>
+          <a:bodyPr rtlCol="0" anchor="ctr"/>
+          <a:lstStyle/>
+          <a:p>
+            <a:pPr algn="ctr"/>
+            <a:endParaRPr lang="en-GB" sz="1050"/>
+          </a:p>
+        </p:txBody>
+      </p:sp>
+      <p:sp>
+        <p:nvSpPr>
+          <p:cNvPr id="23" name="Can 22"/>
+          <p:cNvSpPr/>
+          <p:nvPr/>
+        </p:nvSpPr>
+        <p:spPr>
+          <a:xfrm>
+            <a:off x="5012432" y="2717392"/>
+            <a:ext cx="648072" cy="279560"/>
+          </a:xfrm>
+          <a:prstGeom prst="can">
+            <a:avLst/>
+          </a:prstGeom>
+          <a:solidFill>
+            <a:schemeClr val="bg1"/>
+          </a:solidFill>
+          <a:ln w="3175">
+            <a:solidFill>
+              <a:schemeClr val="bg1">
+                <a:lumMod val="50000"/>
+              </a:schemeClr>
+            </a:solidFill>
+          </a:ln>
+          <a:effectLst/>
+        </p:spPr>
+        <p:style>
+          <a:lnRef idx="2">
+            <a:schemeClr val="accent1">
+              <a:shade val="50000"/>
+            </a:schemeClr>
+          </a:lnRef>
+          <a:fillRef idx="1">
+            <a:schemeClr val="accent1"/>
+          </a:fillRef>
+          <a:effectRef idx="0">
+            <a:schemeClr val="accent1"/>
+          </a:effectRef>
+          <a:fontRef idx="minor">
+            <a:schemeClr val="lt1"/>
+          </a:fontRef>
+        </p:style>
+        <p:txBody>
+          <a:bodyPr lIns="36000" tIns="0" rIns="36000" bIns="0" rtlCol="0" anchor="ctr"/>
+          <a:lstStyle/>
+          <a:p>
+            <a:pPr algn="ctr"/>
+            <a:endParaRPr lang="en-GB" sz="900" dirty="0">
+              <a:solidFill>
+                <a:srgbClr val="4B5256"/>
+              </a:solidFill>
+              <a:latin typeface="Calibri" pitchFamily="34" charset="0"/>
+            </a:endParaRPr>
+          </a:p>
+        </p:txBody>
+      </p:sp>
+      <p:sp>
+        <p:nvSpPr>
+          <p:cNvPr id="24" name="Down Arrow 23"/>
+          <p:cNvSpPr/>
+          <p:nvPr/>
+        </p:nvSpPr>
+        <p:spPr>
+          <a:xfrm>
+            <a:off x="5948536" y="2076246"/>
+            <a:ext cx="93186" cy="128618"/>
+          </a:xfrm>
+          <a:prstGeom prst="downArrow">
+            <a:avLst/>
+          </a:prstGeom>
+          <a:solidFill>
+            <a:srgbClr val="F0D288"/>
+          </a:solidFill>
+          <a:ln w="6350">
+            <a:solidFill>
+              <a:srgbClr val="282828"/>
+            </a:solidFill>
+          </a:ln>
+        </p:spPr>
+        <p:style>
+          <a:lnRef idx="2">
+            <a:schemeClr val="accent1">
+              <a:shade val="50000"/>
+            </a:schemeClr>
+          </a:lnRef>
+          <a:fillRef idx="1">
+            <a:schemeClr val="accent1"/>
+          </a:fillRef>
+          <a:effectRef idx="0">
+            <a:schemeClr val="accent1"/>
+          </a:effectRef>
+          <a:fontRef idx="minor">
+            <a:schemeClr val="lt1"/>
+          </a:fontRef>
+        </p:style>
+        <p:txBody>
+          <a:bodyPr rtlCol="0" anchor="ctr"/>
+          <a:lstStyle/>
+          <a:p>
+            <a:pPr algn="ctr"/>
+            <a:endParaRPr lang="en-GB" sz="1050"/>
+          </a:p>
+        </p:txBody>
+      </p:sp>
+      <p:sp>
+        <p:nvSpPr>
+          <p:cNvPr id="25" name="Down Arrow 24"/>
+          <p:cNvSpPr/>
+          <p:nvPr/>
+        </p:nvSpPr>
+        <p:spPr>
+          <a:xfrm flipV="1">
+            <a:off x="6452592" y="2076246"/>
+            <a:ext cx="93186" cy="128618"/>
+          </a:xfrm>
+          <a:prstGeom prst="downArrow">
+            <a:avLst/>
+          </a:prstGeom>
+          <a:solidFill>
+            <a:srgbClr val="F0D288"/>
+          </a:solidFill>
+          <a:ln w="6350">
+            <a:solidFill>
+              <a:srgbClr val="282828"/>
+            </a:solidFill>
+          </a:ln>
+        </p:spPr>
+        <p:style>
+          <a:lnRef idx="2">
+            <a:schemeClr val="accent1">
+              <a:shade val="50000"/>
+            </a:schemeClr>
+          </a:lnRef>
+          <a:fillRef idx="1">
+            <a:schemeClr val="accent1"/>
+          </a:fillRef>
+          <a:effectRef idx="0">
+            <a:schemeClr val="accent1"/>
+          </a:effectRef>
+          <a:fontRef idx="minor">
+            <a:schemeClr val="lt1"/>
+          </a:fontRef>
+        </p:style>
+        <p:txBody>
+          <a:bodyPr rtlCol="0" anchor="ctr"/>
+          <a:lstStyle/>
+          <a:p>
+            <a:pPr algn="ctr"/>
+            <a:endParaRPr lang="en-GB" sz="1050"/>
+          </a:p>
+        </p:txBody>
+      </p:sp>
+      <p:sp>
+        <p:nvSpPr>
+          <p:cNvPr id="26" name="Down Arrow 25"/>
+          <p:cNvSpPr/>
+          <p:nvPr/>
+        </p:nvSpPr>
+        <p:spPr>
+          <a:xfrm>
+            <a:off x="5957966" y="2708920"/>
+            <a:ext cx="93186" cy="128618"/>
+          </a:xfrm>
+          <a:prstGeom prst="downArrow">
+            <a:avLst/>
+          </a:prstGeom>
+          <a:solidFill>
+            <a:srgbClr val="002060"/>
+          </a:solidFill>
+          <a:ln w="6350">
+            <a:solidFill>
+              <a:srgbClr val="282828"/>
+            </a:solidFill>
+          </a:ln>
+        </p:spPr>
+        <p:style>
+          <a:lnRef idx="2">
+            <a:schemeClr val="accent1">
+              <a:shade val="50000"/>
+            </a:schemeClr>
+          </a:lnRef>
+          <a:fillRef idx="1">
+            <a:schemeClr val="accent1"/>
+          </a:fillRef>
+          <a:effectRef idx="0">
+            <a:schemeClr val="accent1"/>
+          </a:effectRef>
+          <a:fontRef idx="minor">
+            <a:schemeClr val="lt1"/>
+          </a:fontRef>
+        </p:style>
+        <p:txBody>
+          <a:bodyPr rtlCol="0" anchor="ctr"/>
+          <a:lstStyle/>
+          <a:p>
+            <a:pPr algn="ctr"/>
+            <a:endParaRPr lang="en-GB" sz="1050"/>
+          </a:p>
+        </p:txBody>
+      </p:sp>
+      <p:sp>
+        <p:nvSpPr>
+          <p:cNvPr id="27" name="Down Arrow 26"/>
+          <p:cNvSpPr/>
+          <p:nvPr/>
+        </p:nvSpPr>
+        <p:spPr>
+          <a:xfrm flipV="1">
+            <a:off x="6462022" y="2708920"/>
+            <a:ext cx="93186" cy="128618"/>
+          </a:xfrm>
+          <a:prstGeom prst="downArrow">
+            <a:avLst/>
+          </a:prstGeom>
+          <a:solidFill>
+            <a:srgbClr val="002060"/>
+          </a:solidFill>
+          <a:ln w="6350">
+            <a:solidFill>
+              <a:srgbClr val="282828"/>
+            </a:solidFill>
+          </a:ln>
+        </p:spPr>
+        <p:style>
+          <a:lnRef idx="2">
+            <a:schemeClr val="accent1">
+              <a:shade val="50000"/>
+            </a:schemeClr>
+          </a:lnRef>
+          <a:fillRef idx="1">
+            <a:schemeClr val="accent1"/>
+          </a:fillRef>
+          <a:effectRef idx="0">
+            <a:schemeClr val="accent1"/>
+          </a:effectRef>
+          <a:fontRef idx="minor">
+            <a:schemeClr val="lt1"/>
+          </a:fontRef>
+        </p:style>
+        <p:txBody>
+          <a:bodyPr rtlCol="0" anchor="ctr"/>
+          <a:lstStyle/>
+          <a:p>
+            <a:pPr algn="ctr"/>
+            <a:endParaRPr lang="en-GB" sz="1050"/>
+          </a:p>
+        </p:txBody>
+      </p:sp>
+    </p:spTree>
+  </p:cSld>
+  <p:clrMapOvr>
+    <a:masterClrMapping/>
+  </p:clrMapOvr>
+</p:sld>
+</file>
+
+<file path=ppt/slides/slide20.xml><?xml version="1.0" encoding="utf-8"?>
 <p:sld xmlns:a="http://schemas.openxmlformats.org/drawingml/2006/main" xmlns:r="http://schemas.openxmlformats.org/officeDocument/2006/relationships" xmlns:p="http://schemas.openxmlformats.org/presentationml/2006/main">
   <p:cSld>
     <p:spTree>
@@ -19625,74 +21485,7 @@
 </p:sld>
 </file>
 
-<file path=ppt/slides/slide2.xml><?xml version="1.0" encoding="utf-8"?>
-<p:sld xmlns:a="http://schemas.openxmlformats.org/drawingml/2006/main" xmlns:r="http://schemas.openxmlformats.org/officeDocument/2006/relationships" xmlns:p="http://schemas.openxmlformats.org/presentationml/2006/main">
-  <p:cSld>
-    <p:spTree>
-      <p:nvGrpSpPr>
-        <p:cNvPr id="1" name=""/>
-        <p:cNvGrpSpPr/>
-        <p:nvPr/>
-      </p:nvGrpSpPr>
-      <p:grpSpPr>
-        <a:xfrm>
-          <a:off x="0" y="0"/>
-          <a:ext cx="0" cy="0"/>
-          <a:chOff x="0" y="0"/>
-          <a:chExt cx="0" cy="0"/>
-        </a:xfrm>
-      </p:grpSpPr>
-      <p:sp>
-        <p:nvSpPr>
-          <p:cNvPr id="4" name="Title 3"/>
-          <p:cNvSpPr>
-            <a:spLocks noGrp="1"/>
-          </p:cNvSpPr>
-          <p:nvPr>
-            <p:ph type="title"/>
-          </p:nvPr>
-        </p:nvSpPr>
-        <p:spPr/>
-        <p:txBody>
-          <a:bodyPr/>
-          <a:lstStyle/>
-          <a:p>
-            <a:r>
-              <a:rPr lang="en-GB" dirty="0" smtClean="0"/>
-              <a:t>conceptual</a:t>
-            </a:r>
-            <a:endParaRPr lang="en-GB" dirty="0"/>
-          </a:p>
-        </p:txBody>
-      </p:sp>
-      <p:sp>
-        <p:nvSpPr>
-          <p:cNvPr id="5" name="Text Placeholder 4"/>
-          <p:cNvSpPr>
-            <a:spLocks noGrp="1"/>
-          </p:cNvSpPr>
-          <p:nvPr>
-            <p:ph type="body" idx="1"/>
-          </p:nvPr>
-        </p:nvSpPr>
-        <p:spPr/>
-        <p:txBody>
-          <a:bodyPr/>
-          <a:lstStyle/>
-          <a:p>
-            <a:endParaRPr lang="en-GB" dirty="0"/>
-          </a:p>
-        </p:txBody>
-      </p:sp>
-    </p:spTree>
-  </p:cSld>
-  <p:clrMapOvr>
-    <a:masterClrMapping/>
-  </p:clrMapOvr>
-</p:sld>
-</file>
-
-<file path=ppt/slides/slide20.xml><?xml version="1.0" encoding="utf-8"?>
+<file path=ppt/slides/slide21.xml><?xml version="1.0" encoding="utf-8"?>
 <p:sld xmlns:a="http://schemas.openxmlformats.org/drawingml/2006/main" xmlns:r="http://schemas.openxmlformats.org/officeDocument/2006/relationships" xmlns:p="http://schemas.openxmlformats.org/presentationml/2006/main">
   <p:cSld>
     <p:spTree>
@@ -25163,15 +26956,7 @@
                   <a:srgbClr val="002060"/>
                 </a:solidFill>
               </a:rPr>
-              <a:t>h</a:t>
-            </a:r>
-            <a:r>
-              <a:rPr lang="en-GB" dirty="0" smtClean="0">
-                <a:solidFill>
-                  <a:srgbClr val="002060"/>
-                </a:solidFill>
-              </a:rPr>
-              <a:t>ealth information</a:t>
+              <a:t>health information</a:t>
             </a:r>
             <a:endParaRPr lang="en-GB" dirty="0">
               <a:solidFill>
@@ -25808,15 +27593,7 @@
                     <a:srgbClr val="002060"/>
                   </a:solidFill>
                 </a:rPr>
-                <a:t>h</a:t>
-              </a:r>
-              <a:r>
-                <a:rPr lang="en-GB" sz="800" dirty="0" smtClean="0">
-                  <a:solidFill>
-                    <a:srgbClr val="002060"/>
-                  </a:solidFill>
-                </a:rPr>
-                <a:t>ealth information</a:t>
+                <a:t>health information</a:t>
               </a:r>
               <a:endParaRPr lang="en-GB" sz="800" dirty="0">
                 <a:solidFill>
@@ -26479,15 +28256,7 @@
                     <a:srgbClr val="002060"/>
                   </a:solidFill>
                 </a:rPr>
-                <a:t>h</a:t>
-              </a:r>
-              <a:r>
-                <a:rPr lang="en-GB" sz="1600" dirty="0" smtClean="0">
-                  <a:solidFill>
-                    <a:srgbClr val="002060"/>
-                  </a:solidFill>
-                </a:rPr>
-                <a:t>ealth information</a:t>
+                <a:t>health information</a:t>
               </a:r>
               <a:endParaRPr lang="en-GB" sz="1600" dirty="0">
                 <a:solidFill>
@@ -27346,15 +29115,7 @@
                   <a:srgbClr val="002060"/>
                 </a:solidFill>
               </a:rPr>
-              <a:t>h</a:t>
-            </a:r>
-            <a:r>
-              <a:rPr lang="en-GB" sz="1000" dirty="0" smtClean="0">
-                <a:solidFill>
-                  <a:srgbClr val="002060"/>
-                </a:solidFill>
-              </a:rPr>
-              <a:t>ealth information</a:t>
+              <a:t>health information</a:t>
             </a:r>
             <a:endParaRPr lang="en-GB" sz="1000" dirty="0">
               <a:solidFill>
@@ -27807,15 +29568,40 @@
           </a:p>
         </p:txBody>
       </p:sp>
+    </p:spTree>
+  </p:cSld>
+  <p:clrMapOvr>
+    <a:masterClrMapping/>
+  </p:clrMapOvr>
+</p:sld>
+</file>
+
+<file path=ppt/slides/slide6.xml><?xml version="1.0" encoding="utf-8"?>
+<p:sld xmlns:a="http://schemas.openxmlformats.org/drawingml/2006/main" xmlns:r="http://schemas.openxmlformats.org/officeDocument/2006/relationships" xmlns:p="http://schemas.openxmlformats.org/presentationml/2006/main">
+  <p:cSld>
+    <p:spTree>
+      <p:nvGrpSpPr>
+        <p:cNvPr id="1" name=""/>
+        <p:cNvGrpSpPr/>
+        <p:nvPr/>
+      </p:nvGrpSpPr>
+      <p:grpSpPr>
+        <a:xfrm>
+          <a:off x="0" y="0"/>
+          <a:ext cx="0" cy="0"/>
+          <a:chOff x="0" y="0"/>
+          <a:chExt cx="0" cy="0"/>
+        </a:xfrm>
+      </p:grpSpPr>
       <p:sp>
         <p:nvSpPr>
-          <p:cNvPr id="77" name="Rectangle 76"/>
+          <p:cNvPr id="61" name="Rectangle 60"/>
           <p:cNvSpPr/>
           <p:nvPr/>
         </p:nvSpPr>
         <p:spPr>
           <a:xfrm>
-            <a:off x="6014879" y="4557820"/>
+            <a:off x="6012160" y="2060848"/>
             <a:ext cx="899047" cy="372747"/>
           </a:xfrm>
           <a:prstGeom prst="rect">
@@ -27886,13 +29672,13 @@
       </p:sp>
       <p:sp>
         <p:nvSpPr>
-          <p:cNvPr id="78" name="TextBox 77"/>
+          <p:cNvPr id="62" name="TextBox 61"/>
           <p:cNvSpPr txBox="1"/>
           <p:nvPr/>
         </p:nvSpPr>
         <p:spPr>
           <a:xfrm>
-            <a:off x="5831722" y="4929536"/>
+            <a:off x="5829003" y="2432564"/>
             <a:ext cx="596638" cy="253916"/>
           </a:xfrm>
           <a:prstGeom prst="rect">
@@ -27928,13 +29714,13 @@
       </p:sp>
       <p:sp>
         <p:nvSpPr>
-          <p:cNvPr id="79" name="Rectangle 78"/>
+          <p:cNvPr id="63" name="Rectangle 62"/>
           <p:cNvSpPr/>
           <p:nvPr/>
         </p:nvSpPr>
         <p:spPr>
           <a:xfrm>
-            <a:off x="6014879" y="4278260"/>
+            <a:off x="6012160" y="1781288"/>
             <a:ext cx="433114" cy="232967"/>
           </a:xfrm>
           <a:prstGeom prst="rect">
@@ -27997,13 +29783,13 @@
       </p:sp>
       <p:sp>
         <p:nvSpPr>
-          <p:cNvPr id="80" name="Down Arrow 79"/>
+          <p:cNvPr id="64" name="Down Arrow 63"/>
           <p:cNvSpPr/>
           <p:nvPr/>
         </p:nvSpPr>
         <p:spPr>
           <a:xfrm>
-            <a:off x="6308212" y="4958111"/>
+            <a:off x="6305493" y="2461139"/>
             <a:ext cx="93186" cy="175211"/>
           </a:xfrm>
           <a:prstGeom prst="downArrow">
@@ -28050,13 +29836,13 @@
       </p:sp>
       <p:sp>
         <p:nvSpPr>
-          <p:cNvPr id="81" name="Down Arrow 80"/>
+          <p:cNvPr id="65" name="Down Arrow 64"/>
           <p:cNvSpPr/>
           <p:nvPr/>
         </p:nvSpPr>
         <p:spPr>
           <a:xfrm flipV="1">
-            <a:off x="6541179" y="4958111"/>
+            <a:off x="6538460" y="2461139"/>
             <a:ext cx="93186" cy="175211"/>
           </a:xfrm>
           <a:prstGeom prst="downArrow">
@@ -28103,13 +29889,13 @@
       </p:sp>
       <p:sp>
         <p:nvSpPr>
-          <p:cNvPr id="82" name="TextBox 81"/>
+          <p:cNvPr id="66" name="TextBox 65"/>
           <p:cNvSpPr txBox="1"/>
           <p:nvPr/>
         </p:nvSpPr>
         <p:spPr>
           <a:xfrm>
-            <a:off x="6568724" y="4929536"/>
+            <a:off x="6566005" y="2432564"/>
             <a:ext cx="494046" cy="253916"/>
           </a:xfrm>
           <a:prstGeom prst="rect">
@@ -28145,13 +29931,13 @@
       </p:sp>
       <p:sp>
         <p:nvSpPr>
-          <p:cNvPr id="83" name="Can 82"/>
+          <p:cNvPr id="67" name="Can 66"/>
           <p:cNvSpPr/>
           <p:nvPr/>
         </p:nvSpPr>
         <p:spPr>
           <a:xfrm>
-            <a:off x="6014879" y="5144485"/>
+            <a:off x="6012160" y="2647513"/>
             <a:ext cx="899047" cy="372747"/>
           </a:xfrm>
           <a:prstGeom prst="can">
@@ -28200,15 +29986,7 @@
                   <a:srgbClr val="002060"/>
                 </a:solidFill>
               </a:rPr>
-              <a:t>h</a:t>
-            </a:r>
-            <a:r>
-              <a:rPr lang="en-GB" sz="1000" dirty="0" smtClean="0">
-                <a:solidFill>
-                  <a:srgbClr val="002060"/>
-                </a:solidFill>
-              </a:rPr>
-              <a:t>ealth information</a:t>
+              <a:t>health information</a:t>
             </a:r>
             <a:endParaRPr lang="en-GB" sz="1000" dirty="0">
               <a:solidFill>
@@ -28220,13 +29998,13 @@
       </p:sp>
       <p:sp>
         <p:nvSpPr>
-          <p:cNvPr id="84" name="Rectangle 83"/>
+          <p:cNvPr id="68" name="Rectangle 67"/>
           <p:cNvSpPr/>
           <p:nvPr/>
         </p:nvSpPr>
         <p:spPr>
           <a:xfrm>
-            <a:off x="6478093" y="4278260"/>
+            <a:off x="6475374" y="1781288"/>
             <a:ext cx="435833" cy="232967"/>
           </a:xfrm>
           <a:prstGeom prst="rect">
@@ -28289,13 +30067,13 @@
       </p:sp>
       <p:sp>
         <p:nvSpPr>
-          <p:cNvPr id="85" name="Flowchart: Document 84"/>
+          <p:cNvPr id="69" name="Flowchart: Document 68"/>
           <p:cNvSpPr/>
           <p:nvPr/>
         </p:nvSpPr>
         <p:spPr>
           <a:xfrm>
-            <a:off x="5236565" y="4638681"/>
+            <a:off x="5233846" y="2141709"/>
             <a:ext cx="605714" cy="279560"/>
           </a:xfrm>
           <a:prstGeom prst="flowChartDocument">
@@ -28357,13 +30135,13 @@
       </p:sp>
       <p:sp>
         <p:nvSpPr>
-          <p:cNvPr id="86" name="Down Arrow 85"/>
+          <p:cNvPr id="70" name="Down Arrow 69"/>
           <p:cNvSpPr/>
           <p:nvPr/>
         </p:nvSpPr>
         <p:spPr>
           <a:xfrm rot="16200000">
-            <a:off x="5879710" y="4690856"/>
+            <a:off x="5876991" y="2193884"/>
             <a:ext cx="93186" cy="128616"/>
           </a:xfrm>
           <a:prstGeom prst="downArrow">
@@ -28410,13 +30188,13 @@
       </p:sp>
       <p:sp>
         <p:nvSpPr>
-          <p:cNvPr id="87" name="Can 86"/>
+          <p:cNvPr id="71" name="Can 70"/>
           <p:cNvSpPr/>
           <p:nvPr/>
         </p:nvSpPr>
         <p:spPr>
           <a:xfrm>
-            <a:off x="5220072" y="4977161"/>
+            <a:off x="5217353" y="2480189"/>
             <a:ext cx="648072" cy="279560"/>
           </a:xfrm>
           <a:prstGeom prst="can">
@@ -28479,6 +30257,1318 @@
           </a:p>
         </p:txBody>
       </p:sp>
+      <p:sp>
+        <p:nvSpPr>
+          <p:cNvPr id="72" name="TextBox 71"/>
+          <p:cNvSpPr txBox="1"/>
+          <p:nvPr/>
+        </p:nvSpPr>
+        <p:spPr>
+          <a:xfrm>
+            <a:off x="6004108" y="1430751"/>
+            <a:ext cx="436338" cy="253916"/>
+          </a:xfrm>
+          <a:prstGeom prst="rect">
+            <a:avLst/>
+          </a:prstGeom>
+          <a:noFill/>
+        </p:spPr>
+        <p:txBody>
+          <a:bodyPr wrap="none" rtlCol="0">
+            <a:spAutoFit/>
+          </a:bodyPr>
+          <a:lstStyle/>
+          <a:p>
+            <a:r>
+              <a:rPr lang="en-GB" sz="1000" i="1" dirty="0" smtClean="0">
+                <a:solidFill>
+                  <a:srgbClr val="002060"/>
+                </a:solidFill>
+              </a:rPr>
+              <a:t>data</a:t>
+            </a:r>
+            <a:endParaRPr lang="en-GB" sz="1000" i="1" dirty="0">
+              <a:solidFill>
+                <a:srgbClr val="002060"/>
+              </a:solidFill>
+            </a:endParaRPr>
+          </a:p>
+        </p:txBody>
+      </p:sp>
+      <p:sp>
+        <p:nvSpPr>
+          <p:cNvPr id="73" name="Down Arrow 72"/>
+          <p:cNvSpPr/>
+          <p:nvPr/>
+        </p:nvSpPr>
+        <p:spPr>
+          <a:xfrm>
+            <a:off x="6196539" y="1620964"/>
+            <a:ext cx="93186" cy="128618"/>
+          </a:xfrm>
+          <a:prstGeom prst="downArrow">
+            <a:avLst/>
+          </a:prstGeom>
+          <a:solidFill>
+            <a:schemeClr val="accent5">
+              <a:lumMod val="20000"/>
+              <a:lumOff val="80000"/>
+            </a:schemeClr>
+          </a:solidFill>
+          <a:ln w="6350">
+            <a:solidFill>
+              <a:schemeClr val="bg1">
+                <a:lumMod val="50000"/>
+              </a:schemeClr>
+            </a:solidFill>
+          </a:ln>
+        </p:spPr>
+        <p:style>
+          <a:lnRef idx="2">
+            <a:schemeClr val="accent1">
+              <a:shade val="50000"/>
+            </a:schemeClr>
+          </a:lnRef>
+          <a:fillRef idx="1">
+            <a:schemeClr val="accent1"/>
+          </a:fillRef>
+          <a:effectRef idx="0">
+            <a:schemeClr val="accent1"/>
+          </a:effectRef>
+          <a:fontRef idx="minor">
+            <a:schemeClr val="lt1"/>
+          </a:fontRef>
+        </p:style>
+        <p:txBody>
+          <a:bodyPr rtlCol="0" anchor="ctr"/>
+          <a:lstStyle/>
+          <a:p>
+            <a:pPr algn="ctr"/>
+            <a:endParaRPr lang="en-GB" sz="1050"/>
+          </a:p>
+        </p:txBody>
+      </p:sp>
+      <p:sp>
+        <p:nvSpPr>
+          <p:cNvPr id="74" name="Down Arrow 73"/>
+          <p:cNvSpPr/>
+          <p:nvPr/>
+        </p:nvSpPr>
+        <p:spPr>
+          <a:xfrm flipV="1">
+            <a:off x="6635423" y="1620964"/>
+            <a:ext cx="93186" cy="128618"/>
+          </a:xfrm>
+          <a:prstGeom prst="downArrow">
+            <a:avLst/>
+          </a:prstGeom>
+          <a:solidFill>
+            <a:schemeClr val="accent5">
+              <a:lumMod val="20000"/>
+              <a:lumOff val="80000"/>
+            </a:schemeClr>
+          </a:solidFill>
+          <a:ln w="6350">
+            <a:solidFill>
+              <a:schemeClr val="bg1">
+                <a:lumMod val="50000"/>
+              </a:schemeClr>
+            </a:solidFill>
+          </a:ln>
+        </p:spPr>
+        <p:style>
+          <a:lnRef idx="2">
+            <a:schemeClr val="accent1">
+              <a:shade val="50000"/>
+            </a:schemeClr>
+          </a:lnRef>
+          <a:fillRef idx="1">
+            <a:schemeClr val="accent1"/>
+          </a:fillRef>
+          <a:effectRef idx="0">
+            <a:schemeClr val="accent1"/>
+          </a:effectRef>
+          <a:fontRef idx="minor">
+            <a:schemeClr val="lt1"/>
+          </a:fontRef>
+        </p:style>
+        <p:txBody>
+          <a:bodyPr rtlCol="0" anchor="ctr"/>
+          <a:lstStyle/>
+          <a:p>
+            <a:pPr algn="ctr"/>
+            <a:endParaRPr lang="en-GB" sz="1050"/>
+          </a:p>
+        </p:txBody>
+      </p:sp>
+      <p:sp>
+        <p:nvSpPr>
+          <p:cNvPr id="75" name="TextBox 74"/>
+          <p:cNvSpPr txBox="1"/>
+          <p:nvPr/>
+        </p:nvSpPr>
+        <p:spPr>
+          <a:xfrm>
+            <a:off x="6303699" y="1430751"/>
+            <a:ext cx="776175" cy="246221"/>
+          </a:xfrm>
+          <a:prstGeom prst="rect">
+            <a:avLst/>
+          </a:prstGeom>
+          <a:noFill/>
+        </p:spPr>
+        <p:txBody>
+          <a:bodyPr wrap="none" rtlCol="0">
+            <a:spAutoFit/>
+          </a:bodyPr>
+          <a:lstStyle/>
+          <a:p>
+            <a:r>
+              <a:rPr lang="en-GB" sz="1000" i="1" dirty="0" smtClean="0">
+                <a:solidFill>
+                  <a:srgbClr val="002060"/>
+                </a:solidFill>
+              </a:rPr>
+              <a:t>conclusions</a:t>
+            </a:r>
+            <a:endParaRPr lang="en-GB" sz="1000" i="1" dirty="0">
+              <a:solidFill>
+                <a:srgbClr val="002060"/>
+              </a:solidFill>
+            </a:endParaRPr>
+          </a:p>
+        </p:txBody>
+      </p:sp>
+      <p:sp>
+        <p:nvSpPr>
+          <p:cNvPr id="60" name="Rectangle 59"/>
+          <p:cNvSpPr/>
+          <p:nvPr/>
+        </p:nvSpPr>
+        <p:spPr>
+          <a:xfrm>
+            <a:off x="2198455" y="4426511"/>
+            <a:ext cx="899047" cy="372747"/>
+          </a:xfrm>
+          <a:prstGeom prst="rect">
+            <a:avLst/>
+          </a:prstGeom>
+          <a:solidFill>
+            <a:schemeClr val="bg1"/>
+          </a:solidFill>
+          <a:ln w="3175">
+            <a:solidFill>
+              <a:srgbClr val="4B5256"/>
+            </a:solidFill>
+          </a:ln>
+          <a:effectLst/>
+        </p:spPr>
+        <p:style>
+          <a:lnRef idx="2">
+            <a:schemeClr val="accent1">
+              <a:shade val="50000"/>
+            </a:schemeClr>
+          </a:lnRef>
+          <a:fillRef idx="1">
+            <a:schemeClr val="accent1"/>
+          </a:fillRef>
+          <a:effectRef idx="0">
+            <a:schemeClr val="accent1"/>
+          </a:effectRef>
+          <a:fontRef idx="minor">
+            <a:schemeClr val="lt1"/>
+          </a:fontRef>
+        </p:style>
+        <p:txBody>
+          <a:bodyPr rtlCol="0" anchor="ctr"/>
+          <a:lstStyle/>
+          <a:p>
+            <a:pPr algn="ctr"/>
+            <a:r>
+              <a:rPr lang="en-GB" sz="1400" b="1" i="1" dirty="0" err="1" smtClean="0">
+                <a:solidFill>
+                  <a:srgbClr val="E7B63D"/>
+                </a:solidFill>
+              </a:rPr>
+              <a:t>open</a:t>
+            </a:r>
+            <a:r>
+              <a:rPr lang="en-GB" sz="1400" b="1" dirty="0" err="1" smtClean="0">
+                <a:solidFill>
+                  <a:srgbClr val="033761"/>
+                </a:solidFill>
+              </a:rPr>
+              <a:t>EHR</a:t>
+            </a:r>
+            <a:r>
+              <a:rPr lang="en-GB" sz="1400" dirty="0" smtClean="0">
+                <a:solidFill>
+                  <a:srgbClr val="033761"/>
+                </a:solidFill>
+              </a:rPr>
+              <a:t> </a:t>
+            </a:r>
+            <a:endParaRPr lang="en-GB" sz="1400" dirty="0">
+              <a:solidFill>
+                <a:srgbClr val="033761"/>
+              </a:solidFill>
+            </a:endParaRPr>
+          </a:p>
+        </p:txBody>
+      </p:sp>
+      <p:sp>
+        <p:nvSpPr>
+          <p:cNvPr id="76" name="Rectangle 75"/>
+          <p:cNvSpPr/>
+          <p:nvPr/>
+        </p:nvSpPr>
+        <p:spPr>
+          <a:xfrm>
+            <a:off x="2198455" y="4146951"/>
+            <a:ext cx="433114" cy="232967"/>
+          </a:xfrm>
+          <a:prstGeom prst="rect">
+            <a:avLst/>
+          </a:prstGeom>
+          <a:solidFill>
+            <a:schemeClr val="bg1"/>
+          </a:solidFill>
+          <a:ln w="3175">
+            <a:solidFill>
+              <a:srgbClr val="4B5256"/>
+            </a:solidFill>
+          </a:ln>
+          <a:effectLst/>
+        </p:spPr>
+        <p:style>
+          <a:lnRef idx="2">
+            <a:schemeClr val="accent1">
+              <a:shade val="50000"/>
+            </a:schemeClr>
+          </a:lnRef>
+          <a:fillRef idx="1">
+            <a:schemeClr val="accent1"/>
+          </a:fillRef>
+          <a:effectRef idx="0">
+            <a:schemeClr val="accent1"/>
+          </a:effectRef>
+          <a:fontRef idx="minor">
+            <a:schemeClr val="lt1"/>
+          </a:fontRef>
+        </p:style>
+        <p:txBody>
+          <a:bodyPr lIns="36000" tIns="0" rIns="36000" bIns="0" rtlCol="0" anchor="ctr"/>
+          <a:lstStyle/>
+          <a:p>
+            <a:pPr algn="ctr"/>
+            <a:r>
+              <a:rPr lang="en-GB" sz="900" i="1" dirty="0" smtClean="0">
+                <a:solidFill>
+                  <a:srgbClr val="4B5256"/>
+                </a:solidFill>
+              </a:rPr>
+              <a:t>record</a:t>
+            </a:r>
+            <a:endParaRPr lang="en-GB" sz="1050" dirty="0">
+              <a:solidFill>
+                <a:srgbClr val="4B5256"/>
+              </a:solidFill>
+            </a:endParaRPr>
+          </a:p>
+        </p:txBody>
+      </p:sp>
+      <p:sp>
+        <p:nvSpPr>
+          <p:cNvPr id="88" name="Down Arrow 87"/>
+          <p:cNvSpPr/>
+          <p:nvPr/>
+        </p:nvSpPr>
+        <p:spPr>
+          <a:xfrm>
+            <a:off x="2491788" y="4826802"/>
+            <a:ext cx="93186" cy="175211"/>
+          </a:xfrm>
+          <a:prstGeom prst="downArrow">
+            <a:avLst/>
+          </a:prstGeom>
+          <a:solidFill>
+            <a:srgbClr val="033761"/>
+          </a:solidFill>
+          <a:ln w="6350">
+            <a:solidFill>
+              <a:srgbClr val="4B5256"/>
+            </a:solidFill>
+          </a:ln>
+        </p:spPr>
+        <p:style>
+          <a:lnRef idx="2">
+            <a:schemeClr val="accent1">
+              <a:shade val="50000"/>
+            </a:schemeClr>
+          </a:lnRef>
+          <a:fillRef idx="1">
+            <a:schemeClr val="accent1"/>
+          </a:fillRef>
+          <a:effectRef idx="0">
+            <a:schemeClr val="accent1"/>
+          </a:effectRef>
+          <a:fontRef idx="minor">
+            <a:schemeClr val="lt1"/>
+          </a:fontRef>
+        </p:style>
+        <p:txBody>
+          <a:bodyPr rtlCol="0" anchor="ctr"/>
+          <a:lstStyle/>
+          <a:p>
+            <a:pPr algn="ctr"/>
+            <a:endParaRPr lang="en-GB" sz="1050"/>
+          </a:p>
+        </p:txBody>
+      </p:sp>
+      <p:sp>
+        <p:nvSpPr>
+          <p:cNvPr id="89" name="Down Arrow 88"/>
+          <p:cNvSpPr/>
+          <p:nvPr/>
+        </p:nvSpPr>
+        <p:spPr>
+          <a:xfrm flipV="1">
+            <a:off x="2724755" y="4826802"/>
+            <a:ext cx="93186" cy="175211"/>
+          </a:xfrm>
+          <a:prstGeom prst="downArrow">
+            <a:avLst/>
+          </a:prstGeom>
+          <a:solidFill>
+            <a:srgbClr val="033761"/>
+          </a:solidFill>
+          <a:ln w="6350">
+            <a:solidFill>
+              <a:srgbClr val="4B5256"/>
+            </a:solidFill>
+          </a:ln>
+        </p:spPr>
+        <p:style>
+          <a:lnRef idx="2">
+            <a:schemeClr val="accent1">
+              <a:shade val="50000"/>
+            </a:schemeClr>
+          </a:lnRef>
+          <a:fillRef idx="1">
+            <a:schemeClr val="accent1"/>
+          </a:fillRef>
+          <a:effectRef idx="0">
+            <a:schemeClr val="accent1"/>
+          </a:effectRef>
+          <a:fontRef idx="minor">
+            <a:schemeClr val="lt1"/>
+          </a:fontRef>
+        </p:style>
+        <p:txBody>
+          <a:bodyPr rtlCol="0" anchor="ctr"/>
+          <a:lstStyle/>
+          <a:p>
+            <a:pPr algn="ctr"/>
+            <a:endParaRPr lang="en-GB" sz="1050"/>
+          </a:p>
+        </p:txBody>
+      </p:sp>
+      <p:sp>
+        <p:nvSpPr>
+          <p:cNvPr id="90" name="Can 89"/>
+          <p:cNvSpPr/>
+          <p:nvPr/>
+        </p:nvSpPr>
+        <p:spPr>
+          <a:xfrm>
+            <a:off x="2198455" y="5013176"/>
+            <a:ext cx="899047" cy="372747"/>
+          </a:xfrm>
+          <a:prstGeom prst="can">
+            <a:avLst/>
+          </a:prstGeom>
+          <a:solidFill>
+            <a:srgbClr val="033761"/>
+          </a:solidFill>
+          <a:ln w="6350">
+            <a:solidFill>
+              <a:srgbClr val="4B5256"/>
+            </a:solidFill>
+          </a:ln>
+          <a:effectLst/>
+        </p:spPr>
+        <p:style>
+          <a:lnRef idx="2">
+            <a:schemeClr val="accent1">
+              <a:shade val="50000"/>
+            </a:schemeClr>
+          </a:lnRef>
+          <a:fillRef idx="1">
+            <a:schemeClr val="accent1"/>
+          </a:fillRef>
+          <a:effectRef idx="0">
+            <a:schemeClr val="accent1"/>
+          </a:effectRef>
+          <a:fontRef idx="minor">
+            <a:schemeClr val="lt1"/>
+          </a:fontRef>
+        </p:style>
+        <p:txBody>
+          <a:bodyPr rtlCol="0" anchor="ctr"/>
+          <a:lstStyle/>
+          <a:p>
+            <a:pPr algn="ctr"/>
+            <a:r>
+              <a:rPr lang="en-GB" sz="1000" dirty="0" smtClean="0">
+                <a:solidFill>
+                  <a:schemeClr val="bg1">
+                    <a:lumMod val="95000"/>
+                  </a:schemeClr>
+                </a:solidFill>
+              </a:rPr>
+              <a:t>health</a:t>
+            </a:r>
+            <a:r>
+              <a:rPr lang="en-GB" sz="1000" dirty="0" smtClean="0">
+                <a:solidFill>
+                  <a:srgbClr val="002060"/>
+                </a:solidFill>
+              </a:rPr>
+              <a:t> </a:t>
+            </a:r>
+            <a:r>
+              <a:rPr lang="en-GB" sz="1000" dirty="0" smtClean="0">
+                <a:solidFill>
+                  <a:schemeClr val="bg1"/>
+                </a:solidFill>
+              </a:rPr>
+              <a:t>information</a:t>
+            </a:r>
+            <a:endParaRPr lang="en-GB" sz="1000" dirty="0">
+              <a:solidFill>
+                <a:schemeClr val="bg1"/>
+              </a:solidFill>
+            </a:endParaRPr>
+          </a:p>
+        </p:txBody>
+      </p:sp>
+      <p:sp>
+        <p:nvSpPr>
+          <p:cNvPr id="91" name="Rectangle 90"/>
+          <p:cNvSpPr/>
+          <p:nvPr/>
+        </p:nvSpPr>
+        <p:spPr>
+          <a:xfrm>
+            <a:off x="2661669" y="4146951"/>
+            <a:ext cx="435833" cy="232967"/>
+          </a:xfrm>
+          <a:prstGeom prst="rect">
+            <a:avLst/>
+          </a:prstGeom>
+          <a:solidFill>
+            <a:schemeClr val="bg1"/>
+          </a:solidFill>
+          <a:ln w="3175">
+            <a:solidFill>
+              <a:srgbClr val="4B5256"/>
+            </a:solidFill>
+          </a:ln>
+          <a:effectLst/>
+        </p:spPr>
+        <p:style>
+          <a:lnRef idx="2">
+            <a:schemeClr val="accent1">
+              <a:shade val="50000"/>
+            </a:schemeClr>
+          </a:lnRef>
+          <a:fillRef idx="1">
+            <a:schemeClr val="accent1"/>
+          </a:fillRef>
+          <a:effectRef idx="0">
+            <a:schemeClr val="accent1"/>
+          </a:effectRef>
+          <a:fontRef idx="minor">
+            <a:schemeClr val="lt1"/>
+          </a:fontRef>
+        </p:style>
+        <p:txBody>
+          <a:bodyPr lIns="36000" tIns="0" rIns="36000" bIns="0" rtlCol="0" anchor="ctr"/>
+          <a:lstStyle/>
+          <a:p>
+            <a:pPr algn="ctr"/>
+            <a:r>
+              <a:rPr lang="en-GB" sz="900" i="1" dirty="0" smtClean="0">
+                <a:solidFill>
+                  <a:srgbClr val="4B5256"/>
+                </a:solidFill>
+              </a:rPr>
+              <a:t>analyze</a:t>
+            </a:r>
+            <a:endParaRPr lang="en-GB" sz="1050" dirty="0">
+              <a:solidFill>
+                <a:srgbClr val="4B5256"/>
+              </a:solidFill>
+            </a:endParaRPr>
+          </a:p>
+        </p:txBody>
+      </p:sp>
+      <p:sp>
+        <p:nvSpPr>
+          <p:cNvPr id="92" name="Flowchart: Document 91"/>
+          <p:cNvSpPr/>
+          <p:nvPr/>
+        </p:nvSpPr>
+        <p:spPr>
+          <a:xfrm>
+            <a:off x="1420141" y="4437112"/>
+            <a:ext cx="605714" cy="349820"/>
+          </a:xfrm>
+          <a:prstGeom prst="flowChartDocument">
+            <a:avLst/>
+          </a:prstGeom>
+          <a:solidFill>
+            <a:srgbClr val="F0D288"/>
+          </a:solidFill>
+          <a:ln w="6350">
+            <a:solidFill>
+              <a:srgbClr val="F0D288"/>
+            </a:solidFill>
+          </a:ln>
+          <a:effectLst/>
+        </p:spPr>
+        <p:style>
+          <a:lnRef idx="2">
+            <a:schemeClr val="accent1">
+              <a:shade val="50000"/>
+            </a:schemeClr>
+          </a:lnRef>
+          <a:fillRef idx="1">
+            <a:schemeClr val="accent1"/>
+          </a:fillRef>
+          <a:effectRef idx="0">
+            <a:schemeClr val="accent1"/>
+          </a:effectRef>
+          <a:fontRef idx="minor">
+            <a:schemeClr val="lt1"/>
+          </a:fontRef>
+        </p:style>
+        <p:txBody>
+          <a:bodyPr lIns="36000" tIns="0" rIns="36000" bIns="0" rtlCol="0" anchor="ctr"/>
+          <a:lstStyle/>
+          <a:p>
+            <a:pPr algn="ctr"/>
+            <a:r>
+              <a:rPr lang="en-GB" sz="1000" dirty="0" smtClean="0">
+                <a:solidFill>
+                  <a:srgbClr val="033761"/>
+                </a:solidFill>
+                <a:latin typeface="Arial" pitchFamily="34" charset="0"/>
+                <a:cs typeface="Arial" pitchFamily="34" charset="0"/>
+              </a:rPr>
+              <a:t>c</a:t>
+            </a:r>
+            <a:r>
+              <a:rPr lang="en-GB" sz="1000" dirty="0" smtClean="0">
+                <a:solidFill>
+                  <a:srgbClr val="033761"/>
+                </a:solidFill>
+                <a:latin typeface="Arial" pitchFamily="34" charset="0"/>
+                <a:cs typeface="Arial" pitchFamily="34" charset="0"/>
+              </a:rPr>
+              <a:t>linical models</a:t>
+            </a:r>
+            <a:endParaRPr lang="en-GB" sz="1000" dirty="0">
+              <a:solidFill>
+                <a:srgbClr val="033761"/>
+              </a:solidFill>
+              <a:latin typeface="Arial" pitchFamily="34" charset="0"/>
+              <a:cs typeface="Arial" pitchFamily="34" charset="0"/>
+            </a:endParaRPr>
+          </a:p>
+        </p:txBody>
+      </p:sp>
+      <p:sp>
+        <p:nvSpPr>
+          <p:cNvPr id="93" name="Down Arrow 92"/>
+          <p:cNvSpPr/>
+          <p:nvPr/>
+        </p:nvSpPr>
+        <p:spPr>
+          <a:xfrm rot="16200000">
+            <a:off x="2063286" y="4532972"/>
+            <a:ext cx="93186" cy="128616"/>
+          </a:xfrm>
+          <a:prstGeom prst="downArrow">
+            <a:avLst/>
+          </a:prstGeom>
+          <a:solidFill>
+            <a:srgbClr val="F0D288"/>
+          </a:solidFill>
+          <a:ln w="6350">
+            <a:solidFill>
+              <a:srgbClr val="F0D288"/>
+            </a:solidFill>
+          </a:ln>
+        </p:spPr>
+        <p:style>
+          <a:lnRef idx="2">
+            <a:schemeClr val="accent1">
+              <a:shade val="50000"/>
+            </a:schemeClr>
+          </a:lnRef>
+          <a:fillRef idx="1">
+            <a:schemeClr val="accent1"/>
+          </a:fillRef>
+          <a:effectRef idx="0">
+            <a:schemeClr val="accent1"/>
+          </a:effectRef>
+          <a:fontRef idx="minor">
+            <a:schemeClr val="lt1"/>
+          </a:fontRef>
+        </p:style>
+        <p:txBody>
+          <a:bodyPr rtlCol="0" anchor="ctr"/>
+          <a:lstStyle/>
+          <a:p>
+            <a:pPr algn="ctr"/>
+            <a:endParaRPr lang="en-GB" sz="1050"/>
+          </a:p>
+        </p:txBody>
+      </p:sp>
+      <p:sp>
+        <p:nvSpPr>
+          <p:cNvPr id="94" name="Can 93"/>
+          <p:cNvSpPr/>
+          <p:nvPr/>
+        </p:nvSpPr>
+        <p:spPr>
+          <a:xfrm>
+            <a:off x="1403648" y="4845852"/>
+            <a:ext cx="648072" cy="279560"/>
+          </a:xfrm>
+          <a:prstGeom prst="can">
+            <a:avLst/>
+          </a:prstGeom>
+          <a:solidFill>
+            <a:schemeClr val="bg1">
+              <a:lumMod val="85000"/>
+            </a:schemeClr>
+          </a:solidFill>
+          <a:ln w="3175">
+            <a:solidFill>
+              <a:schemeClr val="bg1">
+                <a:lumMod val="85000"/>
+              </a:schemeClr>
+            </a:solidFill>
+          </a:ln>
+          <a:effectLst/>
+        </p:spPr>
+        <p:style>
+          <a:lnRef idx="2">
+            <a:schemeClr val="accent1">
+              <a:shade val="50000"/>
+            </a:schemeClr>
+          </a:lnRef>
+          <a:fillRef idx="1">
+            <a:schemeClr val="accent1"/>
+          </a:fillRef>
+          <a:effectRef idx="0">
+            <a:schemeClr val="accent1"/>
+          </a:effectRef>
+          <a:fontRef idx="minor">
+            <a:schemeClr val="lt1"/>
+          </a:fontRef>
+        </p:style>
+        <p:txBody>
+          <a:bodyPr lIns="36000" tIns="0" rIns="36000" bIns="0" rtlCol="0" anchor="ctr"/>
+          <a:lstStyle/>
+          <a:p>
+            <a:pPr algn="ctr"/>
+            <a:r>
+              <a:rPr lang="en-GB" sz="1000" dirty="0" smtClean="0">
+                <a:solidFill>
+                  <a:srgbClr val="4B5256"/>
+                </a:solidFill>
+                <a:latin typeface="Arial Narrow" pitchFamily="34" charset="0"/>
+              </a:rPr>
+              <a:t>terminology</a:t>
+            </a:r>
+            <a:endParaRPr lang="en-GB" sz="1050" dirty="0">
+              <a:solidFill>
+                <a:srgbClr val="4B5256"/>
+              </a:solidFill>
+              <a:latin typeface="Arial Narrow" pitchFamily="34" charset="0"/>
+            </a:endParaRPr>
+          </a:p>
+        </p:txBody>
+      </p:sp>
+      <p:sp>
+        <p:nvSpPr>
+          <p:cNvPr id="59" name="Rectangle 58"/>
+          <p:cNvSpPr/>
+          <p:nvPr/>
+        </p:nvSpPr>
+        <p:spPr>
+          <a:xfrm>
+            <a:off x="2483768" y="2276872"/>
+            <a:ext cx="899047" cy="372747"/>
+          </a:xfrm>
+          <a:prstGeom prst="rect">
+            <a:avLst/>
+          </a:prstGeom>
+          <a:solidFill>
+            <a:schemeClr val="accent1">
+              <a:lumMod val="40000"/>
+              <a:lumOff val="60000"/>
+            </a:schemeClr>
+          </a:solidFill>
+          <a:ln w="3175">
+            <a:solidFill>
+              <a:schemeClr val="accent1">
+                <a:lumMod val="40000"/>
+                <a:lumOff val="60000"/>
+              </a:schemeClr>
+            </a:solidFill>
+          </a:ln>
+          <a:effectLst/>
+        </p:spPr>
+        <p:style>
+          <a:lnRef idx="2">
+            <a:schemeClr val="accent1">
+              <a:shade val="50000"/>
+            </a:schemeClr>
+          </a:lnRef>
+          <a:fillRef idx="1">
+            <a:schemeClr val="accent1"/>
+          </a:fillRef>
+          <a:effectRef idx="0">
+            <a:schemeClr val="accent1"/>
+          </a:effectRef>
+          <a:fontRef idx="minor">
+            <a:schemeClr val="lt1"/>
+          </a:fontRef>
+        </p:style>
+        <p:txBody>
+          <a:bodyPr rtlCol="0" anchor="ctr"/>
+          <a:lstStyle/>
+          <a:p>
+            <a:pPr algn="ctr"/>
+            <a:r>
+              <a:rPr lang="en-GB" sz="1400" dirty="0" smtClean="0">
+                <a:solidFill>
+                  <a:srgbClr val="033761"/>
+                </a:solidFill>
+              </a:rPr>
+              <a:t>platform</a:t>
+            </a:r>
+            <a:endParaRPr lang="en-GB" sz="1400" dirty="0">
+              <a:solidFill>
+                <a:srgbClr val="033761"/>
+              </a:solidFill>
+            </a:endParaRPr>
+          </a:p>
+        </p:txBody>
+      </p:sp>
+      <p:sp>
+        <p:nvSpPr>
+          <p:cNvPr id="78" name="Rectangle 77"/>
+          <p:cNvSpPr/>
+          <p:nvPr/>
+        </p:nvSpPr>
+        <p:spPr>
+          <a:xfrm>
+            <a:off x="2483768" y="1997312"/>
+            <a:ext cx="433114" cy="232967"/>
+          </a:xfrm>
+          <a:prstGeom prst="rect">
+            <a:avLst/>
+          </a:prstGeom>
+          <a:solidFill>
+            <a:schemeClr val="accent1">
+              <a:lumMod val="40000"/>
+              <a:lumOff val="60000"/>
+            </a:schemeClr>
+          </a:solidFill>
+          <a:ln w="3175">
+            <a:solidFill>
+              <a:schemeClr val="accent1">
+                <a:lumMod val="40000"/>
+                <a:lumOff val="60000"/>
+              </a:schemeClr>
+            </a:solidFill>
+          </a:ln>
+          <a:effectLst/>
+        </p:spPr>
+        <p:style>
+          <a:lnRef idx="2">
+            <a:schemeClr val="accent1">
+              <a:shade val="50000"/>
+            </a:schemeClr>
+          </a:lnRef>
+          <a:fillRef idx="1">
+            <a:schemeClr val="accent1"/>
+          </a:fillRef>
+          <a:effectRef idx="0">
+            <a:schemeClr val="accent1"/>
+          </a:effectRef>
+          <a:fontRef idx="minor">
+            <a:schemeClr val="lt1"/>
+          </a:fontRef>
+        </p:style>
+        <p:txBody>
+          <a:bodyPr lIns="36000" tIns="0" rIns="36000" bIns="0" rtlCol="0" anchor="ctr"/>
+          <a:lstStyle/>
+          <a:p>
+            <a:pPr algn="ctr"/>
+            <a:r>
+              <a:rPr lang="en-GB" sz="900" i="1" dirty="0" smtClean="0">
+                <a:solidFill>
+                  <a:srgbClr val="4B5256"/>
+                </a:solidFill>
+              </a:rPr>
+              <a:t>record</a:t>
+            </a:r>
+            <a:endParaRPr lang="en-GB" sz="1050" dirty="0">
+              <a:solidFill>
+                <a:srgbClr val="4B5256"/>
+              </a:solidFill>
+            </a:endParaRPr>
+          </a:p>
+        </p:txBody>
+      </p:sp>
+      <p:sp>
+        <p:nvSpPr>
+          <p:cNvPr id="82" name="Down Arrow 81"/>
+          <p:cNvSpPr/>
+          <p:nvPr/>
+        </p:nvSpPr>
+        <p:spPr>
+          <a:xfrm>
+            <a:off x="2777101" y="2677163"/>
+            <a:ext cx="93186" cy="175211"/>
+          </a:xfrm>
+          <a:prstGeom prst="downArrow">
+            <a:avLst/>
+          </a:prstGeom>
+          <a:solidFill>
+            <a:srgbClr val="033761"/>
+          </a:solidFill>
+          <a:ln w="6350">
+            <a:solidFill>
+              <a:srgbClr val="4B5256"/>
+            </a:solidFill>
+          </a:ln>
+        </p:spPr>
+        <p:style>
+          <a:lnRef idx="2">
+            <a:schemeClr val="accent1">
+              <a:shade val="50000"/>
+            </a:schemeClr>
+          </a:lnRef>
+          <a:fillRef idx="1">
+            <a:schemeClr val="accent1"/>
+          </a:fillRef>
+          <a:effectRef idx="0">
+            <a:schemeClr val="accent1"/>
+          </a:effectRef>
+          <a:fontRef idx="minor">
+            <a:schemeClr val="lt1"/>
+          </a:fontRef>
+        </p:style>
+        <p:txBody>
+          <a:bodyPr rtlCol="0" anchor="ctr"/>
+          <a:lstStyle/>
+          <a:p>
+            <a:pPr algn="ctr"/>
+            <a:endParaRPr lang="en-GB" sz="1050"/>
+          </a:p>
+        </p:txBody>
+      </p:sp>
+      <p:sp>
+        <p:nvSpPr>
+          <p:cNvPr id="95" name="Down Arrow 94"/>
+          <p:cNvSpPr/>
+          <p:nvPr/>
+        </p:nvSpPr>
+        <p:spPr>
+          <a:xfrm flipV="1">
+            <a:off x="3010068" y="2677163"/>
+            <a:ext cx="93186" cy="175211"/>
+          </a:xfrm>
+          <a:prstGeom prst="downArrow">
+            <a:avLst/>
+          </a:prstGeom>
+          <a:solidFill>
+            <a:srgbClr val="033761"/>
+          </a:solidFill>
+          <a:ln w="6350">
+            <a:solidFill>
+              <a:srgbClr val="4B5256"/>
+            </a:solidFill>
+          </a:ln>
+        </p:spPr>
+        <p:style>
+          <a:lnRef idx="2">
+            <a:schemeClr val="accent1">
+              <a:shade val="50000"/>
+            </a:schemeClr>
+          </a:lnRef>
+          <a:fillRef idx="1">
+            <a:schemeClr val="accent1"/>
+          </a:fillRef>
+          <a:effectRef idx="0">
+            <a:schemeClr val="accent1"/>
+          </a:effectRef>
+          <a:fontRef idx="minor">
+            <a:schemeClr val="lt1"/>
+          </a:fontRef>
+        </p:style>
+        <p:txBody>
+          <a:bodyPr rtlCol="0" anchor="ctr"/>
+          <a:lstStyle/>
+          <a:p>
+            <a:pPr algn="ctr"/>
+            <a:endParaRPr lang="en-GB" sz="1050"/>
+          </a:p>
+        </p:txBody>
+      </p:sp>
+      <p:sp>
+        <p:nvSpPr>
+          <p:cNvPr id="96" name="Can 95"/>
+          <p:cNvSpPr/>
+          <p:nvPr/>
+        </p:nvSpPr>
+        <p:spPr>
+          <a:xfrm>
+            <a:off x="2483768" y="2863537"/>
+            <a:ext cx="899047" cy="372747"/>
+          </a:xfrm>
+          <a:prstGeom prst="can">
+            <a:avLst/>
+          </a:prstGeom>
+          <a:solidFill>
+            <a:srgbClr val="033761"/>
+          </a:solidFill>
+          <a:ln w="6350">
+            <a:solidFill>
+              <a:srgbClr val="4B5256"/>
+            </a:solidFill>
+          </a:ln>
+          <a:effectLst/>
+        </p:spPr>
+        <p:style>
+          <a:lnRef idx="2">
+            <a:schemeClr val="accent1">
+              <a:shade val="50000"/>
+            </a:schemeClr>
+          </a:lnRef>
+          <a:fillRef idx="1">
+            <a:schemeClr val="accent1"/>
+          </a:fillRef>
+          <a:effectRef idx="0">
+            <a:schemeClr val="accent1"/>
+          </a:effectRef>
+          <a:fontRef idx="minor">
+            <a:schemeClr val="lt1"/>
+          </a:fontRef>
+        </p:style>
+        <p:txBody>
+          <a:bodyPr rtlCol="0" anchor="ctr"/>
+          <a:lstStyle/>
+          <a:p>
+            <a:pPr algn="ctr"/>
+            <a:r>
+              <a:rPr lang="en-GB" sz="1000" dirty="0" smtClean="0">
+                <a:solidFill>
+                  <a:schemeClr val="bg1">
+                    <a:lumMod val="95000"/>
+                  </a:schemeClr>
+                </a:solidFill>
+              </a:rPr>
+              <a:t>health</a:t>
+            </a:r>
+            <a:r>
+              <a:rPr lang="en-GB" sz="1000" dirty="0" smtClean="0">
+                <a:solidFill>
+                  <a:srgbClr val="002060"/>
+                </a:solidFill>
+              </a:rPr>
+              <a:t> </a:t>
+            </a:r>
+            <a:r>
+              <a:rPr lang="en-GB" sz="1000" dirty="0" smtClean="0">
+                <a:solidFill>
+                  <a:schemeClr val="bg1"/>
+                </a:solidFill>
+              </a:rPr>
+              <a:t>information</a:t>
+            </a:r>
+            <a:endParaRPr lang="en-GB" sz="1000" dirty="0">
+              <a:solidFill>
+                <a:schemeClr val="bg1"/>
+              </a:solidFill>
+            </a:endParaRPr>
+          </a:p>
+        </p:txBody>
+      </p:sp>
+      <p:sp>
+        <p:nvSpPr>
+          <p:cNvPr id="97" name="Rectangle 96"/>
+          <p:cNvSpPr/>
+          <p:nvPr/>
+        </p:nvSpPr>
+        <p:spPr>
+          <a:xfrm>
+            <a:off x="2946982" y="1997312"/>
+            <a:ext cx="435833" cy="232967"/>
+          </a:xfrm>
+          <a:prstGeom prst="rect">
+            <a:avLst/>
+          </a:prstGeom>
+          <a:solidFill>
+            <a:schemeClr val="accent1">
+              <a:lumMod val="40000"/>
+              <a:lumOff val="60000"/>
+            </a:schemeClr>
+          </a:solidFill>
+          <a:ln w="3175">
+            <a:solidFill>
+              <a:schemeClr val="accent1">
+                <a:lumMod val="40000"/>
+                <a:lumOff val="60000"/>
+              </a:schemeClr>
+            </a:solidFill>
+          </a:ln>
+          <a:effectLst/>
+        </p:spPr>
+        <p:style>
+          <a:lnRef idx="2">
+            <a:schemeClr val="accent1">
+              <a:shade val="50000"/>
+            </a:schemeClr>
+          </a:lnRef>
+          <a:fillRef idx="1">
+            <a:schemeClr val="accent1"/>
+          </a:fillRef>
+          <a:effectRef idx="0">
+            <a:schemeClr val="accent1"/>
+          </a:effectRef>
+          <a:fontRef idx="minor">
+            <a:schemeClr val="lt1"/>
+          </a:fontRef>
+        </p:style>
+        <p:txBody>
+          <a:bodyPr lIns="36000" tIns="0" rIns="36000" bIns="0" rtlCol="0" anchor="ctr"/>
+          <a:lstStyle/>
+          <a:p>
+            <a:pPr algn="ctr"/>
+            <a:r>
+              <a:rPr lang="en-GB" sz="900" i="1" dirty="0" smtClean="0">
+                <a:solidFill>
+                  <a:srgbClr val="4B5256"/>
+                </a:solidFill>
+              </a:rPr>
+              <a:t>analyze</a:t>
+            </a:r>
+            <a:endParaRPr lang="en-GB" sz="1050" dirty="0">
+              <a:solidFill>
+                <a:srgbClr val="4B5256"/>
+              </a:solidFill>
+            </a:endParaRPr>
+          </a:p>
+        </p:txBody>
+      </p:sp>
+      <p:sp>
+        <p:nvSpPr>
+          <p:cNvPr id="98" name="Flowchart: Document 97"/>
+          <p:cNvSpPr/>
+          <p:nvPr/>
+        </p:nvSpPr>
+        <p:spPr>
+          <a:xfrm>
+            <a:off x="1705454" y="2287473"/>
+            <a:ext cx="605714" cy="349820"/>
+          </a:xfrm>
+          <a:prstGeom prst="flowChartDocument">
+            <a:avLst/>
+          </a:prstGeom>
+          <a:solidFill>
+            <a:srgbClr val="F0D288"/>
+          </a:solidFill>
+          <a:ln w="6350">
+            <a:solidFill>
+              <a:srgbClr val="F0D288"/>
+            </a:solidFill>
+          </a:ln>
+          <a:effectLst/>
+        </p:spPr>
+        <p:style>
+          <a:lnRef idx="2">
+            <a:schemeClr val="accent1">
+              <a:shade val="50000"/>
+            </a:schemeClr>
+          </a:lnRef>
+          <a:fillRef idx="1">
+            <a:schemeClr val="accent1"/>
+          </a:fillRef>
+          <a:effectRef idx="0">
+            <a:schemeClr val="accent1"/>
+          </a:effectRef>
+          <a:fontRef idx="minor">
+            <a:schemeClr val="lt1"/>
+          </a:fontRef>
+        </p:style>
+        <p:txBody>
+          <a:bodyPr lIns="36000" tIns="0" rIns="36000" bIns="0" rtlCol="0" anchor="ctr"/>
+          <a:lstStyle/>
+          <a:p>
+            <a:pPr algn="ctr"/>
+            <a:r>
+              <a:rPr lang="en-GB" sz="1000" dirty="0" smtClean="0">
+                <a:solidFill>
+                  <a:srgbClr val="033761"/>
+                </a:solidFill>
+                <a:latin typeface="Arial" pitchFamily="34" charset="0"/>
+                <a:cs typeface="Arial" pitchFamily="34" charset="0"/>
+              </a:rPr>
+              <a:t>c</a:t>
+            </a:r>
+            <a:r>
+              <a:rPr lang="en-GB" sz="1000" dirty="0" smtClean="0">
+                <a:solidFill>
+                  <a:srgbClr val="033761"/>
+                </a:solidFill>
+                <a:latin typeface="Arial" pitchFamily="34" charset="0"/>
+                <a:cs typeface="Arial" pitchFamily="34" charset="0"/>
+              </a:rPr>
+              <a:t>linical models</a:t>
+            </a:r>
+            <a:endParaRPr lang="en-GB" sz="1000" dirty="0">
+              <a:solidFill>
+                <a:srgbClr val="033761"/>
+              </a:solidFill>
+              <a:latin typeface="Arial" pitchFamily="34" charset="0"/>
+              <a:cs typeface="Arial" pitchFamily="34" charset="0"/>
+            </a:endParaRPr>
+          </a:p>
+        </p:txBody>
+      </p:sp>
+      <p:sp>
+        <p:nvSpPr>
+          <p:cNvPr id="99" name="Down Arrow 98"/>
+          <p:cNvSpPr/>
+          <p:nvPr/>
+        </p:nvSpPr>
+        <p:spPr>
+          <a:xfrm rot="16200000">
+            <a:off x="2348599" y="2383333"/>
+            <a:ext cx="93186" cy="128616"/>
+          </a:xfrm>
+          <a:prstGeom prst="downArrow">
+            <a:avLst/>
+          </a:prstGeom>
+          <a:solidFill>
+            <a:srgbClr val="F0D288"/>
+          </a:solidFill>
+          <a:ln w="6350">
+            <a:solidFill>
+              <a:srgbClr val="F0D288"/>
+            </a:solidFill>
+          </a:ln>
+        </p:spPr>
+        <p:style>
+          <a:lnRef idx="2">
+            <a:schemeClr val="accent1">
+              <a:shade val="50000"/>
+            </a:schemeClr>
+          </a:lnRef>
+          <a:fillRef idx="1">
+            <a:schemeClr val="accent1"/>
+          </a:fillRef>
+          <a:effectRef idx="0">
+            <a:schemeClr val="accent1"/>
+          </a:effectRef>
+          <a:fontRef idx="minor">
+            <a:schemeClr val="lt1"/>
+          </a:fontRef>
+        </p:style>
+        <p:txBody>
+          <a:bodyPr rtlCol="0" anchor="ctr"/>
+          <a:lstStyle/>
+          <a:p>
+            <a:pPr algn="ctr"/>
+            <a:endParaRPr lang="en-GB" sz="1050"/>
+          </a:p>
+        </p:txBody>
+      </p:sp>
+      <p:sp>
+        <p:nvSpPr>
+          <p:cNvPr id="100" name="Can 99"/>
+          <p:cNvSpPr/>
+          <p:nvPr/>
+        </p:nvSpPr>
+        <p:spPr>
+          <a:xfrm>
+            <a:off x="1688961" y="2696213"/>
+            <a:ext cx="648072" cy="279560"/>
+          </a:xfrm>
+          <a:prstGeom prst="can">
+            <a:avLst/>
+          </a:prstGeom>
+          <a:solidFill>
+            <a:schemeClr val="bg1">
+              <a:lumMod val="85000"/>
+            </a:schemeClr>
+          </a:solidFill>
+          <a:ln w="3175">
+            <a:solidFill>
+              <a:schemeClr val="bg1">
+                <a:lumMod val="85000"/>
+              </a:schemeClr>
+            </a:solidFill>
+          </a:ln>
+          <a:effectLst/>
+        </p:spPr>
+        <p:style>
+          <a:lnRef idx="2">
+            <a:schemeClr val="accent1">
+              <a:shade val="50000"/>
+            </a:schemeClr>
+          </a:lnRef>
+          <a:fillRef idx="1">
+            <a:schemeClr val="accent1"/>
+          </a:fillRef>
+          <a:effectRef idx="0">
+            <a:schemeClr val="accent1"/>
+          </a:effectRef>
+          <a:fontRef idx="minor">
+            <a:schemeClr val="lt1"/>
+          </a:fontRef>
+        </p:style>
+        <p:txBody>
+          <a:bodyPr lIns="36000" tIns="0" rIns="36000" bIns="0" rtlCol="0" anchor="ctr"/>
+          <a:lstStyle/>
+          <a:p>
+            <a:pPr algn="ctr"/>
+            <a:r>
+              <a:rPr lang="en-GB" sz="1000" dirty="0" smtClean="0">
+                <a:solidFill>
+                  <a:srgbClr val="4B5256"/>
+                </a:solidFill>
+                <a:latin typeface="Arial Narrow" pitchFamily="34" charset="0"/>
+              </a:rPr>
+              <a:t>terminology</a:t>
+            </a:r>
+            <a:endParaRPr lang="en-GB" sz="1050" dirty="0">
+              <a:solidFill>
+                <a:srgbClr val="4B5256"/>
+              </a:solidFill>
+              <a:latin typeface="Arial Narrow" pitchFamily="34" charset="0"/>
+            </a:endParaRPr>
+          </a:p>
+        </p:txBody>
+      </p:sp>
     </p:spTree>
   </p:cSld>
   <p:clrMapOvr>
@@ -28487,7 +31577,7 @@
 </p:sld>
 </file>
 
-<file path=ppt/slides/slide6.xml><?xml version="1.0" encoding="utf-8"?>
+<file path=ppt/slides/slide7.xml><?xml version="1.0" encoding="utf-8"?>
 <p:sld xmlns:a="http://schemas.openxmlformats.org/drawingml/2006/main" xmlns:r="http://schemas.openxmlformats.org/officeDocument/2006/relationships" xmlns:p="http://schemas.openxmlformats.org/presentationml/2006/main">
   <p:cSld>
     <p:spTree>
@@ -28554,7 +31644,7 @@
 </p:sld>
 </file>
 
-<file path=ppt/slides/slide7.xml><?xml version="1.0" encoding="utf-8"?>
+<file path=ppt/slides/slide8.xml><?xml version="1.0" encoding="utf-8"?>
 <p:sld xmlns:a="http://schemas.openxmlformats.org/drawingml/2006/main" xmlns:r="http://schemas.openxmlformats.org/officeDocument/2006/relationships" xmlns:p="http://schemas.openxmlformats.org/presentationml/2006/main">
   <p:cSld>
     <p:spTree>
@@ -47152,7 +50242,7 @@
 </p:sld>
 </file>
 
-<file path=ppt/slides/slide8.xml><?xml version="1.0" encoding="utf-8"?>
+<file path=ppt/slides/slide9.xml><?xml version="1.0" encoding="utf-8"?>
 <p:sld xmlns:a="http://schemas.openxmlformats.org/drawingml/2006/main" xmlns:r="http://schemas.openxmlformats.org/officeDocument/2006/relationships" xmlns:p="http://schemas.openxmlformats.org/presentationml/2006/main">
   <p:cSld>
     <p:spTree>
@@ -48506,1375 +51596,6 @@
 </p:sld>
 </file>
 
-<file path=ppt/slides/slide9.xml><?xml version="1.0" encoding="utf-8"?>
-<p:sld xmlns:a="http://schemas.openxmlformats.org/drawingml/2006/main" xmlns:r="http://schemas.openxmlformats.org/officeDocument/2006/relationships" xmlns:p="http://schemas.openxmlformats.org/presentationml/2006/main">
-  <p:cSld>
-    <p:spTree>
-      <p:nvGrpSpPr>
-        <p:cNvPr id="1" name=""/>
-        <p:cNvGrpSpPr/>
-        <p:nvPr/>
-      </p:nvGrpSpPr>
-      <p:grpSpPr>
-        <a:xfrm>
-          <a:off x="0" y="0"/>
-          <a:ext cx="0" cy="0"/>
-          <a:chOff x="0" y="0"/>
-          <a:chExt cx="0" cy="0"/>
-        </a:xfrm>
-      </p:grpSpPr>
-      <p:sp>
-        <p:nvSpPr>
-          <p:cNvPr id="2" name="Title 1"/>
-          <p:cNvSpPr>
-            <a:spLocks noGrp="1"/>
-          </p:cNvSpPr>
-          <p:nvPr>
-            <p:ph type="title"/>
-          </p:nvPr>
-        </p:nvSpPr>
-        <p:spPr/>
-        <p:txBody>
-          <a:bodyPr>
-            <a:normAutofit fontScale="90000"/>
-          </a:bodyPr>
-          <a:lstStyle/>
-          <a:p>
-            <a:r>
-              <a:rPr lang="en-GB" dirty="0" smtClean="0"/>
-              <a:t>Platform (logo / icon size)</a:t>
-            </a:r>
-            <a:endParaRPr lang="en-GB" dirty="0"/>
-          </a:p>
-        </p:txBody>
-      </p:sp>
-      <p:grpSp>
-        <p:nvGrpSpPr>
-          <p:cNvPr id="62" name="Group 61"/>
-          <p:cNvGrpSpPr/>
-          <p:nvPr/>
-        </p:nvGrpSpPr>
-        <p:grpSpPr>
-          <a:xfrm>
-            <a:off x="1187624" y="3573016"/>
-            <a:ext cx="2237340" cy="1156922"/>
-            <a:chOff x="840118" y="1844824"/>
-            <a:chExt cx="6684210" cy="3456384"/>
-          </a:xfrm>
-        </p:grpSpPr>
-        <p:grpSp>
-          <p:nvGrpSpPr>
-            <p:cNvPr id="29" name="Group 28"/>
-            <p:cNvGrpSpPr/>
-            <p:nvPr/>
-          </p:nvGrpSpPr>
-          <p:grpSpPr>
-            <a:xfrm>
-              <a:off x="1225386" y="1844824"/>
-              <a:ext cx="2952328" cy="1368152"/>
-              <a:chOff x="1225386" y="1844824"/>
-              <a:chExt cx="2952328" cy="1368152"/>
-            </a:xfrm>
-          </p:grpSpPr>
-          <p:sp>
-            <p:nvSpPr>
-              <p:cNvPr id="30" name="Rounded Rectangle 29"/>
-              <p:cNvSpPr/>
-              <p:nvPr/>
-            </p:nvSpPr>
-            <p:spPr>
-              <a:xfrm>
-                <a:off x="1225386" y="2564904"/>
-                <a:ext cx="2952328" cy="648072"/>
-              </a:xfrm>
-              <a:prstGeom prst="roundRect">
-                <a:avLst/>
-              </a:prstGeom>
-              <a:solidFill>
-                <a:schemeClr val="accent3">
-                  <a:lumMod val="40000"/>
-                  <a:lumOff val="60000"/>
-                </a:schemeClr>
-              </a:solidFill>
-              <a:ln>
-                <a:solidFill>
-                  <a:schemeClr val="accent3">
-                    <a:lumMod val="40000"/>
-                    <a:lumOff val="60000"/>
-                  </a:schemeClr>
-                </a:solidFill>
-              </a:ln>
-              <a:effectLst>
-                <a:innerShdw blurRad="63500" dist="50800" dir="2700000">
-                  <a:prstClr val="black">
-                    <a:alpha val="50000"/>
-                  </a:prstClr>
-                </a:innerShdw>
-              </a:effectLst>
-            </p:spPr>
-            <p:style>
-              <a:lnRef idx="2">
-                <a:schemeClr val="accent1">
-                  <a:shade val="50000"/>
-                </a:schemeClr>
-              </a:lnRef>
-              <a:fillRef idx="1">
-                <a:schemeClr val="accent1"/>
-              </a:fillRef>
-              <a:effectRef idx="0">
-                <a:schemeClr val="accent1"/>
-              </a:effectRef>
-              <a:fontRef idx="minor">
-                <a:schemeClr val="lt1"/>
-              </a:fontRef>
-            </p:style>
-            <p:txBody>
-              <a:bodyPr rtlCol="0" anchor="ctr"/>
-              <a:lstStyle/>
-              <a:p>
-                <a:pPr algn="ctr"/>
-                <a:endParaRPr lang="en-GB" sz="800" dirty="0">
-                  <a:solidFill>
-                    <a:srgbClr val="006600"/>
-                  </a:solidFill>
-                </a:endParaRPr>
-              </a:p>
-            </p:txBody>
-          </p:sp>
-          <p:sp>
-            <p:nvSpPr>
-              <p:cNvPr id="31" name="Rounded Rectangle 30"/>
-              <p:cNvSpPr/>
-              <p:nvPr/>
-            </p:nvSpPr>
-            <p:spPr>
-              <a:xfrm>
-                <a:off x="1225386" y="1844824"/>
-                <a:ext cx="936104" cy="648072"/>
-              </a:xfrm>
-              <a:prstGeom prst="roundRect">
-                <a:avLst/>
-              </a:prstGeom>
-              <a:solidFill>
-                <a:schemeClr val="accent3">
-                  <a:lumMod val="40000"/>
-                  <a:lumOff val="60000"/>
-                </a:schemeClr>
-              </a:solidFill>
-              <a:ln>
-                <a:solidFill>
-                  <a:schemeClr val="accent3">
-                    <a:lumMod val="40000"/>
-                    <a:lumOff val="60000"/>
-                  </a:schemeClr>
-                </a:solidFill>
-              </a:ln>
-              <a:effectLst>
-                <a:innerShdw blurRad="63500" dist="50800" dir="2700000">
-                  <a:prstClr val="black">
-                    <a:alpha val="50000"/>
-                  </a:prstClr>
-                </a:innerShdw>
-              </a:effectLst>
-            </p:spPr>
-            <p:style>
-              <a:lnRef idx="2">
-                <a:schemeClr val="accent1">
-                  <a:shade val="50000"/>
-                </a:schemeClr>
-              </a:lnRef>
-              <a:fillRef idx="1">
-                <a:schemeClr val="accent1"/>
-              </a:fillRef>
-              <a:effectRef idx="0">
-                <a:schemeClr val="accent1"/>
-              </a:effectRef>
-              <a:fontRef idx="minor">
-                <a:schemeClr val="lt1"/>
-              </a:fontRef>
-            </p:style>
-            <p:txBody>
-              <a:bodyPr lIns="36000" tIns="36000" rIns="36000" bIns="36000" rtlCol="0" anchor="ctr"/>
-              <a:lstStyle/>
-              <a:p>
-                <a:pPr algn="ctr"/>
-                <a:endParaRPr lang="en-GB" sz="600" dirty="0">
-                  <a:solidFill>
-                    <a:srgbClr val="006600"/>
-                  </a:solidFill>
-                </a:endParaRPr>
-              </a:p>
-            </p:txBody>
-          </p:sp>
-          <p:sp>
-            <p:nvSpPr>
-              <p:cNvPr id="32" name="Rounded Rectangle 31"/>
-              <p:cNvSpPr/>
-              <p:nvPr/>
-            </p:nvSpPr>
-            <p:spPr>
-              <a:xfrm>
-                <a:off x="2233498" y="1844824"/>
-                <a:ext cx="936104" cy="648072"/>
-              </a:xfrm>
-              <a:prstGeom prst="roundRect">
-                <a:avLst/>
-              </a:prstGeom>
-              <a:solidFill>
-                <a:schemeClr val="accent3">
-                  <a:lumMod val="40000"/>
-                  <a:lumOff val="60000"/>
-                </a:schemeClr>
-              </a:solidFill>
-              <a:ln>
-                <a:solidFill>
-                  <a:schemeClr val="accent3">
-                    <a:lumMod val="40000"/>
-                    <a:lumOff val="60000"/>
-                  </a:schemeClr>
-                </a:solidFill>
-              </a:ln>
-              <a:effectLst>
-                <a:innerShdw blurRad="63500" dist="50800" dir="2700000">
-                  <a:prstClr val="black">
-                    <a:alpha val="50000"/>
-                  </a:prstClr>
-                </a:innerShdw>
-              </a:effectLst>
-            </p:spPr>
-            <p:style>
-              <a:lnRef idx="2">
-                <a:schemeClr val="accent1">
-                  <a:shade val="50000"/>
-                </a:schemeClr>
-              </a:lnRef>
-              <a:fillRef idx="1">
-                <a:schemeClr val="accent1"/>
-              </a:fillRef>
-              <a:effectRef idx="0">
-                <a:schemeClr val="accent1"/>
-              </a:effectRef>
-              <a:fontRef idx="minor">
-                <a:schemeClr val="lt1"/>
-              </a:fontRef>
-            </p:style>
-            <p:txBody>
-              <a:bodyPr lIns="36000" tIns="36000" rIns="36000" bIns="36000" rtlCol="0" anchor="ctr"/>
-              <a:lstStyle/>
-              <a:p>
-                <a:pPr algn="ctr"/>
-                <a:endParaRPr lang="en-GB" sz="600" dirty="0">
-                  <a:solidFill>
-                    <a:srgbClr val="006600"/>
-                  </a:solidFill>
-                </a:endParaRPr>
-              </a:p>
-            </p:txBody>
-          </p:sp>
-          <p:sp>
-            <p:nvSpPr>
-              <p:cNvPr id="33" name="Rounded Rectangle 32"/>
-              <p:cNvSpPr/>
-              <p:nvPr/>
-            </p:nvSpPr>
-            <p:spPr>
-              <a:xfrm>
-                <a:off x="3241610" y="1844824"/>
-                <a:ext cx="936104" cy="648072"/>
-              </a:xfrm>
-              <a:prstGeom prst="roundRect">
-                <a:avLst/>
-              </a:prstGeom>
-              <a:solidFill>
-                <a:schemeClr val="accent3">
-                  <a:lumMod val="40000"/>
-                  <a:lumOff val="60000"/>
-                </a:schemeClr>
-              </a:solidFill>
-              <a:ln>
-                <a:solidFill>
-                  <a:schemeClr val="accent3">
-                    <a:lumMod val="40000"/>
-                    <a:lumOff val="60000"/>
-                  </a:schemeClr>
-                </a:solidFill>
-              </a:ln>
-              <a:effectLst>
-                <a:innerShdw blurRad="63500" dist="50800" dir="2700000">
-                  <a:prstClr val="black">
-                    <a:alpha val="50000"/>
-                  </a:prstClr>
-                </a:innerShdw>
-              </a:effectLst>
-            </p:spPr>
-            <p:style>
-              <a:lnRef idx="2">
-                <a:schemeClr val="accent1">
-                  <a:shade val="50000"/>
-                </a:schemeClr>
-              </a:lnRef>
-              <a:fillRef idx="1">
-                <a:schemeClr val="accent1"/>
-              </a:fillRef>
-              <a:effectRef idx="0">
-                <a:schemeClr val="accent1"/>
-              </a:effectRef>
-              <a:fontRef idx="minor">
-                <a:schemeClr val="lt1"/>
-              </a:fontRef>
-            </p:style>
-            <p:txBody>
-              <a:bodyPr lIns="36000" tIns="36000" rIns="36000" bIns="36000" rtlCol="0" anchor="ctr"/>
-              <a:lstStyle/>
-              <a:p>
-                <a:pPr algn="ctr"/>
-                <a:endParaRPr lang="en-GB" sz="600" dirty="0">
-                  <a:solidFill>
-                    <a:srgbClr val="006600"/>
-                  </a:solidFill>
-                </a:endParaRPr>
-              </a:p>
-            </p:txBody>
-          </p:sp>
-        </p:grpSp>
-        <p:sp>
-          <p:nvSpPr>
-            <p:cNvPr id="34" name="Rounded Rectangle 33"/>
-            <p:cNvSpPr/>
-            <p:nvPr/>
-          </p:nvSpPr>
-          <p:spPr>
-            <a:xfrm>
-              <a:off x="4499992" y="2564904"/>
-              <a:ext cx="2952328" cy="648072"/>
-            </a:xfrm>
-            <a:prstGeom prst="roundRect">
-              <a:avLst/>
-            </a:prstGeom>
-            <a:solidFill>
-              <a:schemeClr val="accent1">
-                <a:lumMod val="20000"/>
-                <a:lumOff val="80000"/>
-              </a:schemeClr>
-            </a:solidFill>
-            <a:ln>
-              <a:solidFill>
-                <a:schemeClr val="accent1">
-                  <a:lumMod val="20000"/>
-                  <a:lumOff val="80000"/>
-                </a:schemeClr>
-              </a:solidFill>
-            </a:ln>
-            <a:effectLst>
-              <a:innerShdw blurRad="63500" dist="50800" dir="2700000">
-                <a:prstClr val="black">
-                  <a:alpha val="50000"/>
-                </a:prstClr>
-              </a:innerShdw>
-            </a:effectLst>
-          </p:spPr>
-          <p:style>
-            <a:lnRef idx="2">
-              <a:schemeClr val="accent1">
-                <a:shade val="50000"/>
-              </a:schemeClr>
-            </a:lnRef>
-            <a:fillRef idx="1">
-              <a:schemeClr val="accent1"/>
-            </a:fillRef>
-            <a:effectRef idx="0">
-              <a:schemeClr val="accent1"/>
-            </a:effectRef>
-            <a:fontRef idx="minor">
-              <a:schemeClr val="lt1"/>
-            </a:fontRef>
-          </p:style>
-          <p:txBody>
-            <a:bodyPr rtlCol="0" anchor="ctr"/>
-            <a:lstStyle/>
-            <a:p>
-              <a:pPr algn="ctr"/>
-              <a:endParaRPr lang="en-GB" sz="800" dirty="0">
-                <a:solidFill>
-                  <a:schemeClr val="accent4">
-                    <a:lumMod val="75000"/>
-                  </a:schemeClr>
-                </a:solidFill>
-              </a:endParaRPr>
-            </a:p>
-          </p:txBody>
-        </p:sp>
-        <p:sp>
-          <p:nvSpPr>
-            <p:cNvPr id="39" name="Rounded Rectangle 38"/>
-            <p:cNvSpPr/>
-            <p:nvPr/>
-          </p:nvSpPr>
-          <p:spPr>
-            <a:xfrm>
-              <a:off x="4499992" y="1844824"/>
-              <a:ext cx="936104" cy="648072"/>
-            </a:xfrm>
-            <a:prstGeom prst="roundRect">
-              <a:avLst/>
-            </a:prstGeom>
-            <a:solidFill>
-              <a:schemeClr val="accent1">
-                <a:lumMod val="20000"/>
-                <a:lumOff val="80000"/>
-              </a:schemeClr>
-            </a:solidFill>
-            <a:ln>
-              <a:solidFill>
-                <a:schemeClr val="accent1">
-                  <a:lumMod val="20000"/>
-                  <a:lumOff val="80000"/>
-                </a:schemeClr>
-              </a:solidFill>
-            </a:ln>
-            <a:effectLst>
-              <a:innerShdw blurRad="63500" dist="50800" dir="2700000">
-                <a:prstClr val="black">
-                  <a:alpha val="50000"/>
-                </a:prstClr>
-              </a:innerShdw>
-            </a:effectLst>
-          </p:spPr>
-          <p:style>
-            <a:lnRef idx="2">
-              <a:schemeClr val="accent1">
-                <a:shade val="50000"/>
-              </a:schemeClr>
-            </a:lnRef>
-            <a:fillRef idx="1">
-              <a:schemeClr val="accent1"/>
-            </a:fillRef>
-            <a:effectRef idx="0">
-              <a:schemeClr val="accent1"/>
-            </a:effectRef>
-            <a:fontRef idx="minor">
-              <a:schemeClr val="lt1"/>
-            </a:fontRef>
-          </p:style>
-          <p:txBody>
-            <a:bodyPr rtlCol="0" anchor="ctr"/>
-            <a:lstStyle/>
-            <a:p>
-              <a:pPr algn="ctr"/>
-              <a:endParaRPr lang="en-GB" sz="600" dirty="0">
-                <a:solidFill>
-                  <a:schemeClr val="accent4">
-                    <a:lumMod val="75000"/>
-                  </a:schemeClr>
-                </a:solidFill>
-              </a:endParaRPr>
-            </a:p>
-          </p:txBody>
-        </p:sp>
-        <p:sp>
-          <p:nvSpPr>
-            <p:cNvPr id="40" name="Rounded Rectangle 39"/>
-            <p:cNvSpPr/>
-            <p:nvPr/>
-          </p:nvSpPr>
-          <p:spPr>
-            <a:xfrm>
-              <a:off x="5508104" y="1844824"/>
-              <a:ext cx="936104" cy="648072"/>
-            </a:xfrm>
-            <a:prstGeom prst="roundRect">
-              <a:avLst/>
-            </a:prstGeom>
-            <a:solidFill>
-              <a:schemeClr val="accent1">
-                <a:lumMod val="20000"/>
-                <a:lumOff val="80000"/>
-              </a:schemeClr>
-            </a:solidFill>
-            <a:ln>
-              <a:solidFill>
-                <a:schemeClr val="accent1">
-                  <a:lumMod val="20000"/>
-                  <a:lumOff val="80000"/>
-                </a:schemeClr>
-              </a:solidFill>
-            </a:ln>
-            <a:effectLst>
-              <a:innerShdw blurRad="63500" dist="50800" dir="2700000">
-                <a:prstClr val="black">
-                  <a:alpha val="50000"/>
-                </a:prstClr>
-              </a:innerShdw>
-            </a:effectLst>
-          </p:spPr>
-          <p:style>
-            <a:lnRef idx="2">
-              <a:schemeClr val="accent1">
-                <a:shade val="50000"/>
-              </a:schemeClr>
-            </a:lnRef>
-            <a:fillRef idx="1">
-              <a:schemeClr val="accent1"/>
-            </a:fillRef>
-            <a:effectRef idx="0">
-              <a:schemeClr val="accent1"/>
-            </a:effectRef>
-            <a:fontRef idx="minor">
-              <a:schemeClr val="lt1"/>
-            </a:fontRef>
-          </p:style>
-          <p:txBody>
-            <a:bodyPr rtlCol="0" anchor="ctr"/>
-            <a:lstStyle/>
-            <a:p>
-              <a:pPr algn="ctr"/>
-              <a:endParaRPr lang="en-GB" sz="600" dirty="0">
-                <a:solidFill>
-                  <a:schemeClr val="accent4">
-                    <a:lumMod val="75000"/>
-                  </a:schemeClr>
-                </a:solidFill>
-              </a:endParaRPr>
-            </a:p>
-          </p:txBody>
-        </p:sp>
-        <p:sp>
-          <p:nvSpPr>
-            <p:cNvPr id="41" name="Rounded Rectangle 40"/>
-            <p:cNvSpPr/>
-            <p:nvPr/>
-          </p:nvSpPr>
-          <p:spPr>
-            <a:xfrm>
-              <a:off x="6516216" y="1844824"/>
-              <a:ext cx="936104" cy="648072"/>
-            </a:xfrm>
-            <a:prstGeom prst="roundRect">
-              <a:avLst/>
-            </a:prstGeom>
-            <a:solidFill>
-              <a:schemeClr val="accent1">
-                <a:lumMod val="20000"/>
-                <a:lumOff val="80000"/>
-              </a:schemeClr>
-            </a:solidFill>
-            <a:ln>
-              <a:solidFill>
-                <a:schemeClr val="accent1">
-                  <a:lumMod val="20000"/>
-                  <a:lumOff val="80000"/>
-                </a:schemeClr>
-              </a:solidFill>
-            </a:ln>
-            <a:effectLst>
-              <a:innerShdw blurRad="63500" dist="50800" dir="2700000">
-                <a:prstClr val="black">
-                  <a:alpha val="50000"/>
-                </a:prstClr>
-              </a:innerShdw>
-            </a:effectLst>
-          </p:spPr>
-          <p:style>
-            <a:lnRef idx="2">
-              <a:schemeClr val="accent1">
-                <a:shade val="50000"/>
-              </a:schemeClr>
-            </a:lnRef>
-            <a:fillRef idx="1">
-              <a:schemeClr val="accent1"/>
-            </a:fillRef>
-            <a:effectRef idx="0">
-              <a:schemeClr val="accent1"/>
-            </a:effectRef>
-            <a:fontRef idx="minor">
-              <a:schemeClr val="lt1"/>
-            </a:fontRef>
-          </p:style>
-          <p:txBody>
-            <a:bodyPr rtlCol="0" anchor="ctr"/>
-            <a:lstStyle/>
-            <a:p>
-              <a:pPr algn="ctr"/>
-              <a:endParaRPr lang="en-GB" sz="600" dirty="0">
-                <a:solidFill>
-                  <a:schemeClr val="accent4">
-                    <a:lumMod val="75000"/>
-                  </a:schemeClr>
-                </a:solidFill>
-              </a:endParaRPr>
-            </a:p>
-          </p:txBody>
-        </p:sp>
-        <p:sp>
-          <p:nvSpPr>
-            <p:cNvPr id="42" name="Can 41"/>
-            <p:cNvSpPr/>
-            <p:nvPr/>
-          </p:nvSpPr>
-          <p:spPr>
-            <a:xfrm>
-              <a:off x="1297394" y="3861048"/>
-              <a:ext cx="2880320" cy="1080120"/>
-            </a:xfrm>
-            <a:prstGeom prst="can">
-              <a:avLst/>
-            </a:prstGeom>
-            <a:solidFill>
-              <a:schemeClr val="accent3">
-                <a:lumMod val="40000"/>
-                <a:lumOff val="60000"/>
-              </a:schemeClr>
-            </a:solidFill>
-            <a:ln>
-              <a:solidFill>
-                <a:schemeClr val="accent3">
-                  <a:lumMod val="40000"/>
-                  <a:lumOff val="60000"/>
-                </a:schemeClr>
-              </a:solidFill>
-            </a:ln>
-          </p:spPr>
-          <p:style>
-            <a:lnRef idx="2">
-              <a:schemeClr val="accent1">
-                <a:shade val="50000"/>
-              </a:schemeClr>
-            </a:lnRef>
-            <a:fillRef idx="1">
-              <a:schemeClr val="accent1"/>
-            </a:fillRef>
-            <a:effectRef idx="0">
-              <a:schemeClr val="accent1"/>
-            </a:effectRef>
-            <a:fontRef idx="minor">
-              <a:schemeClr val="lt1"/>
-            </a:fontRef>
-          </p:style>
-          <p:txBody>
-            <a:bodyPr rtlCol="0" anchor="ctr"/>
-            <a:lstStyle/>
-            <a:p>
-              <a:pPr algn="ctr"/>
-              <a:r>
-                <a:rPr lang="en-GB" sz="1100" b="1" dirty="0" smtClean="0">
-                  <a:solidFill>
-                    <a:schemeClr val="tx1"/>
-                  </a:solidFill>
-                </a:rPr>
-                <a:t>Model Repository</a:t>
-              </a:r>
-              <a:endParaRPr lang="en-GB" sz="1050" b="1" dirty="0">
-                <a:solidFill>
-                  <a:schemeClr val="tx1"/>
-                </a:solidFill>
-              </a:endParaRPr>
-            </a:p>
-          </p:txBody>
-        </p:sp>
-        <p:grpSp>
-          <p:nvGrpSpPr>
-            <p:cNvPr id="43" name="Group 42"/>
-            <p:cNvGrpSpPr/>
-            <p:nvPr/>
-          </p:nvGrpSpPr>
-          <p:grpSpPr>
-            <a:xfrm>
-              <a:off x="4572000" y="3573016"/>
-              <a:ext cx="2952328" cy="1728192"/>
-              <a:chOff x="4572000" y="4005064"/>
-              <a:chExt cx="2952328" cy="1728192"/>
-            </a:xfrm>
-          </p:grpSpPr>
-          <p:sp>
-            <p:nvSpPr>
-              <p:cNvPr id="44" name="Rounded Rectangle 43"/>
-              <p:cNvSpPr/>
-              <p:nvPr/>
-            </p:nvSpPr>
-            <p:spPr>
-              <a:xfrm>
-                <a:off x="4572000" y="4365104"/>
-                <a:ext cx="936104" cy="360040"/>
-              </a:xfrm>
-              <a:prstGeom prst="roundRect">
-                <a:avLst/>
-              </a:prstGeom>
-              <a:solidFill>
-                <a:schemeClr val="accent5">
-                  <a:lumMod val="40000"/>
-                  <a:lumOff val="60000"/>
-                </a:schemeClr>
-              </a:solidFill>
-              <a:ln>
-                <a:solidFill>
-                  <a:schemeClr val="accent5">
-                    <a:lumMod val="40000"/>
-                    <a:lumOff val="60000"/>
-                  </a:schemeClr>
-                </a:solidFill>
-              </a:ln>
-              <a:effectLst>
-                <a:innerShdw blurRad="63500" dist="50800" dir="2700000">
-                  <a:prstClr val="black">
-                    <a:alpha val="50000"/>
-                  </a:prstClr>
-                </a:innerShdw>
-              </a:effectLst>
-            </p:spPr>
-            <p:style>
-              <a:lnRef idx="2">
-                <a:schemeClr val="accent1">
-                  <a:shade val="50000"/>
-                </a:schemeClr>
-              </a:lnRef>
-              <a:fillRef idx="1">
-                <a:schemeClr val="accent1"/>
-              </a:fillRef>
-              <a:effectRef idx="0">
-                <a:schemeClr val="accent1"/>
-              </a:effectRef>
-              <a:fontRef idx="minor">
-                <a:schemeClr val="lt1"/>
-              </a:fontRef>
-            </p:style>
-            <p:txBody>
-              <a:bodyPr lIns="36000" tIns="36000" rIns="36000" bIns="36000" rtlCol="0" anchor="ctr"/>
-              <a:lstStyle/>
-              <a:p>
-                <a:pPr algn="ctr"/>
-                <a:endParaRPr lang="en-GB" sz="600" dirty="0">
-                  <a:solidFill>
-                    <a:schemeClr val="tx2">
-                      <a:lumMod val="75000"/>
-                    </a:schemeClr>
-                  </a:solidFill>
-                </a:endParaRPr>
-              </a:p>
-            </p:txBody>
-          </p:sp>
-          <p:sp>
-            <p:nvSpPr>
-              <p:cNvPr id="45" name="Rounded Rectangle 44"/>
-              <p:cNvSpPr/>
-              <p:nvPr/>
-            </p:nvSpPr>
-            <p:spPr>
-              <a:xfrm>
-                <a:off x="5580112" y="4365104"/>
-                <a:ext cx="936104" cy="360040"/>
-              </a:xfrm>
-              <a:prstGeom prst="roundRect">
-                <a:avLst/>
-              </a:prstGeom>
-              <a:solidFill>
-                <a:schemeClr val="accent5">
-                  <a:lumMod val="40000"/>
-                  <a:lumOff val="60000"/>
-                </a:schemeClr>
-              </a:solidFill>
-              <a:ln>
-                <a:solidFill>
-                  <a:schemeClr val="accent5">
-                    <a:lumMod val="40000"/>
-                    <a:lumOff val="60000"/>
-                  </a:schemeClr>
-                </a:solidFill>
-              </a:ln>
-              <a:effectLst>
-                <a:innerShdw blurRad="63500" dist="50800" dir="2700000">
-                  <a:prstClr val="black">
-                    <a:alpha val="50000"/>
-                  </a:prstClr>
-                </a:innerShdw>
-              </a:effectLst>
-            </p:spPr>
-            <p:style>
-              <a:lnRef idx="2">
-                <a:schemeClr val="accent1">
-                  <a:shade val="50000"/>
-                </a:schemeClr>
-              </a:lnRef>
-              <a:fillRef idx="1">
-                <a:schemeClr val="accent1"/>
-              </a:fillRef>
-              <a:effectRef idx="0">
-                <a:schemeClr val="accent1"/>
-              </a:effectRef>
-              <a:fontRef idx="minor">
-                <a:schemeClr val="lt1"/>
-              </a:fontRef>
-            </p:style>
-            <p:txBody>
-              <a:bodyPr lIns="36000" tIns="36000" rIns="36000" bIns="36000" rtlCol="0" anchor="ctr"/>
-              <a:lstStyle/>
-              <a:p>
-                <a:pPr algn="ctr"/>
-                <a:endParaRPr lang="en-GB" sz="600" dirty="0">
-                  <a:solidFill>
-                    <a:schemeClr val="tx2">
-                      <a:lumMod val="75000"/>
-                    </a:schemeClr>
-                  </a:solidFill>
-                </a:endParaRPr>
-              </a:p>
-            </p:txBody>
-          </p:sp>
-          <p:sp>
-            <p:nvSpPr>
-              <p:cNvPr id="46" name="Rounded Rectangle 45"/>
-              <p:cNvSpPr/>
-              <p:nvPr/>
-            </p:nvSpPr>
-            <p:spPr>
-              <a:xfrm>
-                <a:off x="6588224" y="4365104"/>
-                <a:ext cx="936104" cy="360040"/>
-              </a:xfrm>
-              <a:prstGeom prst="roundRect">
-                <a:avLst/>
-              </a:prstGeom>
-              <a:solidFill>
-                <a:schemeClr val="accent5">
-                  <a:lumMod val="40000"/>
-                  <a:lumOff val="60000"/>
-                </a:schemeClr>
-              </a:solidFill>
-              <a:ln>
-                <a:solidFill>
-                  <a:schemeClr val="accent5">
-                    <a:lumMod val="40000"/>
-                    <a:lumOff val="60000"/>
-                  </a:schemeClr>
-                </a:solidFill>
-              </a:ln>
-              <a:effectLst>
-                <a:innerShdw blurRad="63500" dist="50800" dir="2700000">
-                  <a:prstClr val="black">
-                    <a:alpha val="50000"/>
-                  </a:prstClr>
-                </a:innerShdw>
-              </a:effectLst>
-            </p:spPr>
-            <p:style>
-              <a:lnRef idx="2">
-                <a:schemeClr val="accent1">
-                  <a:shade val="50000"/>
-                </a:schemeClr>
-              </a:lnRef>
-              <a:fillRef idx="1">
-                <a:schemeClr val="accent1"/>
-              </a:fillRef>
-              <a:effectRef idx="0">
-                <a:schemeClr val="accent1"/>
-              </a:effectRef>
-              <a:fontRef idx="minor">
-                <a:schemeClr val="lt1"/>
-              </a:fontRef>
-            </p:style>
-            <p:txBody>
-              <a:bodyPr lIns="36000" tIns="36000" rIns="36000" bIns="36000" rtlCol="0" anchor="ctr"/>
-              <a:lstStyle/>
-              <a:p>
-                <a:pPr algn="ctr"/>
-                <a:endParaRPr lang="en-GB" sz="600" dirty="0">
-                  <a:solidFill>
-                    <a:schemeClr val="tx2">
-                      <a:lumMod val="75000"/>
-                    </a:schemeClr>
-                  </a:solidFill>
-                </a:endParaRPr>
-              </a:p>
-            </p:txBody>
-          </p:sp>
-          <p:sp>
-            <p:nvSpPr>
-              <p:cNvPr id="47" name="Rounded Rectangle 46"/>
-              <p:cNvSpPr/>
-              <p:nvPr/>
-            </p:nvSpPr>
-            <p:spPr>
-              <a:xfrm>
-                <a:off x="4572000" y="4005064"/>
-                <a:ext cx="720080" cy="216024"/>
-              </a:xfrm>
-              <a:prstGeom prst="roundRect">
-                <a:avLst/>
-              </a:prstGeom>
-              <a:solidFill>
-                <a:schemeClr val="accent5">
-                  <a:lumMod val="40000"/>
-                  <a:lumOff val="60000"/>
-                </a:schemeClr>
-              </a:solidFill>
-              <a:ln>
-                <a:solidFill>
-                  <a:schemeClr val="accent5">
-                    <a:lumMod val="40000"/>
-                    <a:lumOff val="60000"/>
-                  </a:schemeClr>
-                </a:solidFill>
-              </a:ln>
-              <a:effectLst>
-                <a:innerShdw blurRad="63500" dist="50800" dir="2700000">
-                  <a:prstClr val="black">
-                    <a:alpha val="50000"/>
-                  </a:prstClr>
-                </a:innerShdw>
-              </a:effectLst>
-            </p:spPr>
-            <p:style>
-              <a:lnRef idx="2">
-                <a:schemeClr val="accent1">
-                  <a:shade val="50000"/>
-                </a:schemeClr>
-              </a:lnRef>
-              <a:fillRef idx="1">
-                <a:schemeClr val="accent1"/>
-              </a:fillRef>
-              <a:effectRef idx="0">
-                <a:schemeClr val="accent1"/>
-              </a:effectRef>
-              <a:fontRef idx="minor">
-                <a:schemeClr val="lt1"/>
-              </a:fontRef>
-            </p:style>
-            <p:txBody>
-              <a:bodyPr rtlCol="0" anchor="ctr"/>
-              <a:lstStyle/>
-              <a:p>
-                <a:pPr algn="ctr"/>
-                <a:endParaRPr lang="en-GB" sz="600" dirty="0">
-                  <a:solidFill>
-                    <a:schemeClr val="tx2">
-                      <a:lumMod val="75000"/>
-                    </a:schemeClr>
-                  </a:solidFill>
-                </a:endParaRPr>
-              </a:p>
-            </p:txBody>
-          </p:sp>
-          <p:sp>
-            <p:nvSpPr>
-              <p:cNvPr id="48" name="Rounded Rectangle 47"/>
-              <p:cNvSpPr/>
-              <p:nvPr/>
-            </p:nvSpPr>
-            <p:spPr>
-              <a:xfrm>
-                <a:off x="5364088" y="4005064"/>
-                <a:ext cx="576064" cy="216024"/>
-              </a:xfrm>
-              <a:prstGeom prst="roundRect">
-                <a:avLst/>
-              </a:prstGeom>
-              <a:solidFill>
-                <a:schemeClr val="accent5">
-                  <a:lumMod val="40000"/>
-                  <a:lumOff val="60000"/>
-                </a:schemeClr>
-              </a:solidFill>
-              <a:ln>
-                <a:solidFill>
-                  <a:schemeClr val="accent5">
-                    <a:lumMod val="40000"/>
-                    <a:lumOff val="60000"/>
-                  </a:schemeClr>
-                </a:solidFill>
-              </a:ln>
-              <a:effectLst>
-                <a:innerShdw blurRad="63500" dist="50800" dir="2700000">
-                  <a:prstClr val="black">
-                    <a:alpha val="50000"/>
-                  </a:prstClr>
-                </a:innerShdw>
-              </a:effectLst>
-            </p:spPr>
-            <p:style>
-              <a:lnRef idx="2">
-                <a:schemeClr val="accent1">
-                  <a:shade val="50000"/>
-                </a:schemeClr>
-              </a:lnRef>
-              <a:fillRef idx="1">
-                <a:schemeClr val="accent1"/>
-              </a:fillRef>
-              <a:effectRef idx="0">
-                <a:schemeClr val="accent1"/>
-              </a:effectRef>
-              <a:fontRef idx="minor">
-                <a:schemeClr val="lt1"/>
-              </a:fontRef>
-            </p:style>
-            <p:txBody>
-              <a:bodyPr rtlCol="0" anchor="ctr"/>
-              <a:lstStyle/>
-              <a:p>
-                <a:pPr algn="ctr"/>
-                <a:endParaRPr lang="en-GB" sz="600" dirty="0">
-                  <a:solidFill>
-                    <a:schemeClr val="tx2">
-                      <a:lumMod val="75000"/>
-                    </a:schemeClr>
-                  </a:solidFill>
-                </a:endParaRPr>
-              </a:p>
-            </p:txBody>
-          </p:sp>
-          <p:sp>
-            <p:nvSpPr>
-              <p:cNvPr id="49" name="Rounded Rectangle 48"/>
-              <p:cNvSpPr/>
-              <p:nvPr/>
-            </p:nvSpPr>
-            <p:spPr>
-              <a:xfrm>
-                <a:off x="6804248" y="4005064"/>
-                <a:ext cx="720080" cy="216024"/>
-              </a:xfrm>
-              <a:prstGeom prst="roundRect">
-                <a:avLst/>
-              </a:prstGeom>
-              <a:solidFill>
-                <a:schemeClr val="accent5">
-                  <a:lumMod val="40000"/>
-                  <a:lumOff val="60000"/>
-                </a:schemeClr>
-              </a:solidFill>
-              <a:ln>
-                <a:solidFill>
-                  <a:schemeClr val="accent5">
-                    <a:lumMod val="40000"/>
-                    <a:lumOff val="60000"/>
-                  </a:schemeClr>
-                </a:solidFill>
-              </a:ln>
-              <a:effectLst>
-                <a:innerShdw blurRad="63500" dist="50800" dir="2700000">
-                  <a:prstClr val="black">
-                    <a:alpha val="50000"/>
-                  </a:prstClr>
-                </a:innerShdw>
-              </a:effectLst>
-            </p:spPr>
-            <p:style>
-              <a:lnRef idx="2">
-                <a:schemeClr val="accent1">
-                  <a:shade val="50000"/>
-                </a:schemeClr>
-              </a:lnRef>
-              <a:fillRef idx="1">
-                <a:schemeClr val="accent1"/>
-              </a:fillRef>
-              <a:effectRef idx="0">
-                <a:schemeClr val="accent1"/>
-              </a:effectRef>
-              <a:fontRef idx="minor">
-                <a:schemeClr val="lt1"/>
-              </a:fontRef>
-            </p:style>
-            <p:txBody>
-              <a:bodyPr rtlCol="0" anchor="ctr"/>
-              <a:lstStyle/>
-              <a:p>
-                <a:pPr algn="ctr"/>
-                <a:endParaRPr lang="en-GB" sz="600" dirty="0">
-                  <a:solidFill>
-                    <a:schemeClr val="tx2">
-                      <a:lumMod val="75000"/>
-                    </a:schemeClr>
-                  </a:solidFill>
-                </a:endParaRPr>
-              </a:p>
-            </p:txBody>
-          </p:sp>
-          <p:sp>
-            <p:nvSpPr>
-              <p:cNvPr id="50" name="Rounded Rectangle 49"/>
-              <p:cNvSpPr/>
-              <p:nvPr/>
-            </p:nvSpPr>
-            <p:spPr>
-              <a:xfrm>
-                <a:off x="6012160" y="4005064"/>
-                <a:ext cx="720080" cy="216024"/>
-              </a:xfrm>
-              <a:prstGeom prst="roundRect">
-                <a:avLst/>
-              </a:prstGeom>
-              <a:solidFill>
-                <a:schemeClr val="accent5">
-                  <a:lumMod val="40000"/>
-                  <a:lumOff val="60000"/>
-                </a:schemeClr>
-              </a:solidFill>
-              <a:ln>
-                <a:solidFill>
-                  <a:schemeClr val="accent5">
-                    <a:lumMod val="40000"/>
-                    <a:lumOff val="60000"/>
-                  </a:schemeClr>
-                </a:solidFill>
-              </a:ln>
-              <a:effectLst>
-                <a:innerShdw blurRad="63500" dist="50800" dir="2700000">
-                  <a:prstClr val="black">
-                    <a:alpha val="50000"/>
-                  </a:prstClr>
-                </a:innerShdw>
-              </a:effectLst>
-            </p:spPr>
-            <p:style>
-              <a:lnRef idx="2">
-                <a:schemeClr val="accent1">
-                  <a:shade val="50000"/>
-                </a:schemeClr>
-              </a:lnRef>
-              <a:fillRef idx="1">
-                <a:schemeClr val="accent1"/>
-              </a:fillRef>
-              <a:effectRef idx="0">
-                <a:schemeClr val="accent1"/>
-              </a:effectRef>
-              <a:fontRef idx="minor">
-                <a:schemeClr val="lt1"/>
-              </a:fontRef>
-            </p:style>
-            <p:txBody>
-              <a:bodyPr rtlCol="0" anchor="ctr"/>
-              <a:lstStyle/>
-              <a:p>
-                <a:pPr algn="ctr"/>
-                <a:endParaRPr lang="en-GB" sz="600" dirty="0">
-                  <a:solidFill>
-                    <a:schemeClr val="tx2">
-                      <a:lumMod val="75000"/>
-                    </a:schemeClr>
-                  </a:solidFill>
-                </a:endParaRPr>
-              </a:p>
-            </p:txBody>
-          </p:sp>
-          <p:sp>
-            <p:nvSpPr>
-              <p:cNvPr id="51" name="Can 50"/>
-              <p:cNvSpPr/>
-              <p:nvPr/>
-            </p:nvSpPr>
-            <p:spPr>
-              <a:xfrm>
-                <a:off x="4572000" y="4869160"/>
-                <a:ext cx="2952328" cy="864096"/>
-              </a:xfrm>
-              <a:prstGeom prst="can">
-                <a:avLst/>
-              </a:prstGeom>
-              <a:solidFill>
-                <a:schemeClr val="accent5">
-                  <a:lumMod val="40000"/>
-                  <a:lumOff val="60000"/>
-                </a:schemeClr>
-              </a:solidFill>
-              <a:ln>
-                <a:solidFill>
-                  <a:schemeClr val="accent5">
-                    <a:lumMod val="40000"/>
-                    <a:lumOff val="60000"/>
-                  </a:schemeClr>
-                </a:solidFill>
-              </a:ln>
-            </p:spPr>
-            <p:style>
-              <a:lnRef idx="2">
-                <a:schemeClr val="accent1">
-                  <a:shade val="50000"/>
-                </a:schemeClr>
-              </a:lnRef>
-              <a:fillRef idx="1">
-                <a:schemeClr val="accent1"/>
-              </a:fillRef>
-              <a:effectRef idx="0">
-                <a:schemeClr val="accent1"/>
-              </a:effectRef>
-              <a:fontRef idx="minor">
-                <a:schemeClr val="lt1"/>
-              </a:fontRef>
-            </p:style>
-            <p:txBody>
-              <a:bodyPr rtlCol="0" anchor="ctr"/>
-              <a:lstStyle/>
-              <a:p>
-                <a:pPr algn="ctr"/>
-                <a:r>
-                  <a:rPr lang="en-GB" sz="1100" b="1" dirty="0" smtClean="0">
-                    <a:solidFill>
-                      <a:schemeClr val="tx1"/>
-                    </a:solidFill>
-                  </a:rPr>
-                  <a:t>Persistence</a:t>
-                </a:r>
-                <a:endParaRPr lang="en-GB" sz="1050" b="1" dirty="0">
-                  <a:solidFill>
-                    <a:schemeClr val="tx1"/>
-                  </a:solidFill>
-                </a:endParaRPr>
-              </a:p>
-            </p:txBody>
-          </p:sp>
-        </p:grpSp>
-        <p:sp>
-          <p:nvSpPr>
-            <p:cNvPr id="52" name="TextBox 51"/>
-            <p:cNvSpPr txBox="1"/>
-            <p:nvPr/>
-          </p:nvSpPr>
-          <p:spPr>
-            <a:xfrm>
-              <a:off x="840118" y="1921739"/>
-              <a:ext cx="3674185" cy="1287305"/>
-            </a:xfrm>
-            <a:prstGeom prst="rect">
-              <a:avLst/>
-            </a:prstGeom>
-            <a:noFill/>
-          </p:spPr>
-          <p:txBody>
-            <a:bodyPr wrap="none" rtlCol="0">
-              <a:spAutoFit/>
-            </a:bodyPr>
-            <a:lstStyle/>
-            <a:p>
-              <a:pPr algn="ctr"/>
-              <a:r>
-                <a:rPr lang="en-GB" sz="1100" b="1" dirty="0" smtClean="0"/>
-                <a:t>Clinical Modelling</a:t>
-              </a:r>
-            </a:p>
-            <a:p>
-              <a:pPr algn="ctr"/>
-              <a:r>
-                <a:rPr lang="en-GB" sz="1100" b="1" dirty="0" smtClean="0"/>
-                <a:t>Tools</a:t>
-              </a:r>
-              <a:endParaRPr lang="en-GB" sz="1100" b="1" dirty="0"/>
-            </a:p>
-          </p:txBody>
-        </p:sp>
-        <p:sp>
-          <p:nvSpPr>
-            <p:cNvPr id="53" name="TextBox 52"/>
-            <p:cNvSpPr txBox="1"/>
-            <p:nvPr/>
-          </p:nvSpPr>
-          <p:spPr>
-            <a:xfrm>
-              <a:off x="4645422" y="1916833"/>
-              <a:ext cx="2778628" cy="1287305"/>
-            </a:xfrm>
-            <a:prstGeom prst="rect">
-              <a:avLst/>
-            </a:prstGeom>
-            <a:noFill/>
-          </p:spPr>
-          <p:txBody>
-            <a:bodyPr wrap="none" rtlCol="0">
-              <a:spAutoFit/>
-            </a:bodyPr>
-            <a:lstStyle/>
-            <a:p>
-              <a:pPr algn="ctr"/>
-              <a:r>
-                <a:rPr lang="en-GB" sz="1100" b="1" dirty="0" smtClean="0"/>
-                <a:t>App Building</a:t>
-              </a:r>
-            </a:p>
-            <a:p>
-              <a:pPr algn="ctr"/>
-              <a:r>
-                <a:rPr lang="en-GB" sz="1100" b="1" dirty="0" smtClean="0"/>
-                <a:t>Tools</a:t>
-              </a:r>
-              <a:endParaRPr lang="en-GB" sz="1100" b="1" dirty="0"/>
-            </a:p>
-          </p:txBody>
-        </p:sp>
-        <p:sp>
-          <p:nvSpPr>
-            <p:cNvPr id="54" name="TextBox 53"/>
-            <p:cNvSpPr txBox="1"/>
-            <p:nvPr/>
-          </p:nvSpPr>
-          <p:spPr>
-            <a:xfrm>
-              <a:off x="5318160" y="3263256"/>
-              <a:ext cx="1346689" cy="735602"/>
-            </a:xfrm>
-            <a:prstGeom prst="rect">
-              <a:avLst/>
-            </a:prstGeom>
-            <a:noFill/>
-          </p:spPr>
-          <p:txBody>
-            <a:bodyPr wrap="none" rtlCol="0">
-              <a:spAutoFit/>
-            </a:bodyPr>
-            <a:lstStyle/>
-            <a:p>
-              <a:pPr algn="ctr"/>
-              <a:r>
-                <a:rPr lang="en-GB" sz="1000" b="1" dirty="0" smtClean="0"/>
-                <a:t>Apps</a:t>
-              </a:r>
-              <a:endParaRPr lang="en-GB" sz="1000" b="1" dirty="0"/>
-            </a:p>
-          </p:txBody>
-        </p:sp>
-        <p:sp>
-          <p:nvSpPr>
-            <p:cNvPr id="60" name="TextBox 59"/>
-            <p:cNvSpPr txBox="1"/>
-            <p:nvPr/>
-          </p:nvSpPr>
-          <p:spPr>
-            <a:xfrm>
-              <a:off x="5127191" y="3729409"/>
-              <a:ext cx="1839967" cy="735602"/>
-            </a:xfrm>
-            <a:prstGeom prst="rect">
-              <a:avLst/>
-            </a:prstGeom>
-            <a:noFill/>
-          </p:spPr>
-          <p:txBody>
-            <a:bodyPr wrap="none" rtlCol="0">
-              <a:spAutoFit/>
-            </a:bodyPr>
-            <a:lstStyle/>
-            <a:p>
-              <a:pPr algn="ctr"/>
-              <a:r>
-                <a:rPr lang="en-GB" sz="1000" b="1" dirty="0" smtClean="0"/>
-                <a:t>Services</a:t>
-              </a:r>
-              <a:endParaRPr lang="en-GB" sz="1000" b="1" dirty="0"/>
-            </a:p>
-          </p:txBody>
-        </p:sp>
-      </p:grpSp>
-    </p:spTree>
-  </p:cSld>
-  <p:clrMapOvr>
-    <a:masterClrMapping/>
-  </p:clrMapOvr>
-  <p:timing>
-    <p:tnLst>
-      <p:par>
-        <p:cTn id="1" dur="indefinite" restart="never" nodeType="tmRoot"/>
-      </p:par>
-    </p:tnLst>
-  </p:timing>
-</p:sld>
-</file>
-
 <file path=ppt/theme/theme1.xml><?xml version="1.0" encoding="utf-8"?>
 <a:theme xmlns:a="http://schemas.openxmlformats.org/drawingml/2006/main" name="Office Theme">
   <a:themeElements>

--- a/files/diagrams/openEHR-diagrams.pptx
+++ b/files/diagrams/openEHR-diagrams.pptx
@@ -309,7 +309,7 @@
             <a:fld id="{B5D90370-989B-4ABA-8A4B-40E0440E5CA2}" type="datetimeFigureOut">
               <a:rPr lang="en-GB" smtClean="0"/>
               <a:pPr/>
-              <a:t>31/12/2012</a:t>
+              <a:t>02/01/2013</a:t>
             </a:fld>
             <a:endParaRPr lang="en-GB"/>
           </a:p>
@@ -476,7 +476,7 @@
             <a:fld id="{B5D90370-989B-4ABA-8A4B-40E0440E5CA2}" type="datetimeFigureOut">
               <a:rPr lang="en-GB" smtClean="0"/>
               <a:pPr/>
-              <a:t>31/12/2012</a:t>
+              <a:t>02/01/2013</a:t>
             </a:fld>
             <a:endParaRPr lang="en-GB"/>
           </a:p>
@@ -653,7 +653,7 @@
             <a:fld id="{B5D90370-989B-4ABA-8A4B-40E0440E5CA2}" type="datetimeFigureOut">
               <a:rPr lang="en-GB" smtClean="0"/>
               <a:pPr/>
-              <a:t>31/12/2012</a:t>
+              <a:t>02/01/2013</a:t>
             </a:fld>
             <a:endParaRPr lang="en-GB"/>
           </a:p>
@@ -864,7 +864,7 @@
               <a:pPr>
                 <a:defRPr/>
               </a:pPr>
-              <a:t>12/31/2012</a:t>
+              <a:t>1/2/2013</a:t>
             </a:fld>
             <a:endParaRPr lang="en-AU" dirty="0"/>
           </a:p>
@@ -1059,7 +1059,7 @@
             <a:fld id="{B5D90370-989B-4ABA-8A4B-40E0440E5CA2}" type="datetimeFigureOut">
               <a:rPr lang="en-GB" smtClean="0"/>
               <a:pPr/>
-              <a:t>31/12/2012</a:t>
+              <a:t>02/01/2013</a:t>
             </a:fld>
             <a:endParaRPr lang="en-GB"/>
           </a:p>
@@ -1302,7 +1302,7 @@
             <a:fld id="{B5D90370-989B-4ABA-8A4B-40E0440E5CA2}" type="datetimeFigureOut">
               <a:rPr lang="en-GB" smtClean="0"/>
               <a:pPr/>
-              <a:t>31/12/2012</a:t>
+              <a:t>02/01/2013</a:t>
             </a:fld>
             <a:endParaRPr lang="en-GB"/>
           </a:p>
@@ -1587,7 +1587,7 @@
             <a:fld id="{B5D90370-989B-4ABA-8A4B-40E0440E5CA2}" type="datetimeFigureOut">
               <a:rPr lang="en-GB" smtClean="0"/>
               <a:pPr/>
-              <a:t>31/12/2012</a:t>
+              <a:t>02/01/2013</a:t>
             </a:fld>
             <a:endParaRPr lang="en-GB"/>
           </a:p>
@@ -2006,7 +2006,7 @@
             <a:fld id="{B5D90370-989B-4ABA-8A4B-40E0440E5CA2}" type="datetimeFigureOut">
               <a:rPr lang="en-GB" smtClean="0"/>
               <a:pPr/>
-              <a:t>31/12/2012</a:t>
+              <a:t>02/01/2013</a:t>
             </a:fld>
             <a:endParaRPr lang="en-GB"/>
           </a:p>
@@ -2121,7 +2121,7 @@
             <a:fld id="{B5D90370-989B-4ABA-8A4B-40E0440E5CA2}" type="datetimeFigureOut">
               <a:rPr lang="en-GB" smtClean="0"/>
               <a:pPr/>
-              <a:t>31/12/2012</a:t>
+              <a:t>02/01/2013</a:t>
             </a:fld>
             <a:endParaRPr lang="en-GB"/>
           </a:p>
@@ -2213,7 +2213,7 @@
             <a:fld id="{B5D90370-989B-4ABA-8A4B-40E0440E5CA2}" type="datetimeFigureOut">
               <a:rPr lang="en-GB" smtClean="0"/>
               <a:pPr/>
-              <a:t>31/12/2012</a:t>
+              <a:t>02/01/2013</a:t>
             </a:fld>
             <a:endParaRPr lang="en-GB"/>
           </a:p>
@@ -2487,7 +2487,7 @@
             <a:fld id="{B5D90370-989B-4ABA-8A4B-40E0440E5CA2}" type="datetimeFigureOut">
               <a:rPr lang="en-GB" smtClean="0"/>
               <a:pPr/>
-              <a:t>31/12/2012</a:t>
+              <a:t>02/01/2013</a:t>
             </a:fld>
             <a:endParaRPr lang="en-GB"/>
           </a:p>
@@ -2737,7 +2737,7 @@
             <a:fld id="{B5D90370-989B-4ABA-8A4B-40E0440E5CA2}" type="datetimeFigureOut">
               <a:rPr lang="en-GB" smtClean="0"/>
               <a:pPr/>
-              <a:t>31/12/2012</a:t>
+              <a:t>02/01/2013</a:t>
             </a:fld>
             <a:endParaRPr lang="en-GB"/>
           </a:p>
@@ -2947,7 +2947,7 @@
             <a:fld id="{B5D90370-989B-4ABA-8A4B-40E0440E5CA2}" type="datetimeFigureOut">
               <a:rPr lang="en-GB" smtClean="0"/>
               <a:pPr/>
-              <a:t>31/12/2012</a:t>
+              <a:t>02/01/2013</a:t>
             </a:fld>
             <a:endParaRPr lang="en-GB"/>
           </a:p>
@@ -27839,7 +27839,7 @@
         </p:nvGrpSpPr>
         <p:grpSpPr>
           <a:xfrm>
-            <a:off x="1006361" y="2492896"/>
+            <a:off x="1547664" y="2708920"/>
             <a:ext cx="2773551" cy="2448272"/>
             <a:chOff x="467544" y="2780928"/>
             <a:chExt cx="2773551" cy="2448272"/>
@@ -28722,6 +28722,872 @@
           </p:txBody>
         </p:sp>
       </p:grpSp>
+      <p:grpSp>
+        <p:nvGrpSpPr>
+          <p:cNvPr id="33" name="Group 32"/>
+          <p:cNvGrpSpPr/>
+          <p:nvPr/>
+        </p:nvGrpSpPr>
+        <p:grpSpPr>
+          <a:xfrm>
+            <a:off x="5508104" y="2564904"/>
+            <a:ext cx="2546673" cy="2115599"/>
+            <a:chOff x="5148064" y="1430751"/>
+            <a:chExt cx="1927682" cy="1601385"/>
+          </a:xfrm>
+        </p:grpSpPr>
+        <p:sp>
+          <p:nvSpPr>
+            <p:cNvPr id="61" name="Rectangle 60"/>
+            <p:cNvSpPr/>
+            <p:nvPr/>
+          </p:nvSpPr>
+          <p:spPr>
+            <a:xfrm>
+              <a:off x="6012160" y="2060848"/>
+              <a:ext cx="899047" cy="372747"/>
+            </a:xfrm>
+            <a:prstGeom prst="rect">
+              <a:avLst/>
+            </a:prstGeom>
+            <a:solidFill>
+              <a:srgbClr val="F0D288"/>
+            </a:solidFill>
+            <a:ln w="3175">
+              <a:solidFill>
+                <a:srgbClr val="F0D288"/>
+              </a:solidFill>
+            </a:ln>
+            <a:effectLst>
+              <a:outerShdw blurRad="50800" dist="38100" dir="2700000" algn="tl" rotWithShape="0">
+                <a:prstClr val="black">
+                  <a:alpha val="40000"/>
+                </a:prstClr>
+              </a:outerShdw>
+            </a:effectLst>
+          </p:spPr>
+          <p:style>
+            <a:lnRef idx="2">
+              <a:schemeClr val="accent1">
+                <a:shade val="50000"/>
+              </a:schemeClr>
+            </a:lnRef>
+            <a:fillRef idx="1">
+              <a:schemeClr val="accent1"/>
+            </a:fillRef>
+            <a:effectRef idx="0">
+              <a:schemeClr val="accent1"/>
+            </a:effectRef>
+            <a:fontRef idx="minor">
+              <a:schemeClr val="lt1"/>
+            </a:fontRef>
+          </p:style>
+          <p:txBody>
+            <a:bodyPr rtlCol="0" anchor="ctr"/>
+            <a:lstStyle/>
+            <a:p>
+              <a:pPr algn="ctr"/>
+              <a:r>
+                <a:rPr lang="en-GB" sz="1600" i="1" dirty="0" smtClean="0">
+                  <a:solidFill>
+                    <a:schemeClr val="accent6">
+                      <a:lumMod val="75000"/>
+                    </a:schemeClr>
+                  </a:solidFill>
+                </a:rPr>
+                <a:t>open</a:t>
+              </a:r>
+              <a:r>
+                <a:rPr lang="en-GB" sz="1600" dirty="0" smtClean="0">
+                  <a:solidFill>
+                    <a:srgbClr val="002060"/>
+                  </a:solidFill>
+                </a:rPr>
+                <a:t>EHR platform</a:t>
+              </a:r>
+              <a:endParaRPr lang="en-GB" sz="1600" dirty="0">
+                <a:solidFill>
+                  <a:srgbClr val="002060"/>
+                </a:solidFill>
+              </a:endParaRPr>
+            </a:p>
+          </p:txBody>
+        </p:sp>
+        <p:sp>
+          <p:nvSpPr>
+            <p:cNvPr id="62" name="TextBox 61"/>
+            <p:cNvSpPr txBox="1"/>
+            <p:nvPr/>
+          </p:nvSpPr>
+          <p:spPr>
+            <a:xfrm>
+              <a:off x="5805250" y="2438502"/>
+              <a:ext cx="496758" cy="209672"/>
+            </a:xfrm>
+            <a:prstGeom prst="rect">
+              <a:avLst/>
+            </a:prstGeom>
+            <a:noFill/>
+          </p:spPr>
+          <p:txBody>
+            <a:bodyPr wrap="none" rtlCol="0">
+              <a:spAutoFit/>
+            </a:bodyPr>
+            <a:lstStyle/>
+            <a:p>
+              <a:r>
+                <a:rPr lang="en-GB" sz="1200" i="1" dirty="0" smtClean="0">
+                  <a:solidFill>
+                    <a:schemeClr val="accent6">
+                      <a:lumMod val="75000"/>
+                    </a:schemeClr>
+                  </a:solidFill>
+                </a:rPr>
+                <a:t>commit</a:t>
+              </a:r>
+              <a:endParaRPr lang="en-GB" sz="1200" i="1" dirty="0">
+                <a:solidFill>
+                  <a:schemeClr val="accent6">
+                    <a:lumMod val="75000"/>
+                  </a:schemeClr>
+                </a:solidFill>
+              </a:endParaRPr>
+            </a:p>
+          </p:txBody>
+        </p:sp>
+        <p:sp>
+          <p:nvSpPr>
+            <p:cNvPr id="63" name="Rectangle 62"/>
+            <p:cNvSpPr/>
+            <p:nvPr/>
+          </p:nvSpPr>
+          <p:spPr>
+            <a:xfrm>
+              <a:off x="6012160" y="1781288"/>
+              <a:ext cx="433114" cy="232967"/>
+            </a:xfrm>
+            <a:prstGeom prst="rect">
+              <a:avLst/>
+            </a:prstGeom>
+            <a:solidFill>
+              <a:srgbClr val="F0D288"/>
+            </a:solidFill>
+            <a:ln w="3175">
+              <a:solidFill>
+                <a:schemeClr val="accent5">
+                  <a:lumMod val="20000"/>
+                  <a:lumOff val="80000"/>
+                </a:schemeClr>
+              </a:solidFill>
+            </a:ln>
+            <a:effectLst/>
+          </p:spPr>
+          <p:style>
+            <a:lnRef idx="2">
+              <a:schemeClr val="accent1">
+                <a:shade val="50000"/>
+              </a:schemeClr>
+            </a:lnRef>
+            <a:fillRef idx="1">
+              <a:schemeClr val="accent1"/>
+            </a:fillRef>
+            <a:effectRef idx="0">
+              <a:schemeClr val="accent1"/>
+            </a:effectRef>
+            <a:fontRef idx="minor">
+              <a:schemeClr val="lt1"/>
+            </a:fontRef>
+          </p:style>
+          <p:txBody>
+            <a:bodyPr lIns="36000" tIns="0" rIns="36000" bIns="0" rtlCol="0" anchor="ctr"/>
+            <a:lstStyle/>
+            <a:p>
+              <a:pPr algn="ctr"/>
+              <a:r>
+                <a:rPr lang="en-GB" sz="1200" i="1" dirty="0" smtClean="0">
+                  <a:solidFill>
+                    <a:schemeClr val="accent6">
+                      <a:lumMod val="75000"/>
+                    </a:schemeClr>
+                  </a:solidFill>
+                </a:rPr>
+                <a:t>record</a:t>
+              </a:r>
+              <a:endParaRPr lang="en-GB" sz="1600" dirty="0">
+                <a:solidFill>
+                  <a:srgbClr val="002060"/>
+                </a:solidFill>
+              </a:endParaRPr>
+            </a:p>
+          </p:txBody>
+        </p:sp>
+        <p:sp>
+          <p:nvSpPr>
+            <p:cNvPr id="64" name="Down Arrow 63"/>
+            <p:cNvSpPr/>
+            <p:nvPr/>
+          </p:nvSpPr>
+          <p:spPr>
+            <a:xfrm>
+              <a:off x="6305493" y="2473015"/>
+              <a:ext cx="93186" cy="175211"/>
+            </a:xfrm>
+            <a:prstGeom prst="downArrow">
+              <a:avLst/>
+            </a:prstGeom>
+            <a:solidFill>
+              <a:srgbClr val="002060"/>
+            </a:solidFill>
+            <a:ln w="6350">
+              <a:solidFill>
+                <a:schemeClr val="bg1">
+                  <a:lumMod val="50000"/>
+                </a:schemeClr>
+              </a:solidFill>
+            </a:ln>
+          </p:spPr>
+          <p:style>
+            <a:lnRef idx="2">
+              <a:schemeClr val="accent1">
+                <a:shade val="50000"/>
+              </a:schemeClr>
+            </a:lnRef>
+            <a:fillRef idx="1">
+              <a:schemeClr val="accent1"/>
+            </a:fillRef>
+            <a:effectRef idx="0">
+              <a:schemeClr val="accent1"/>
+            </a:effectRef>
+            <a:fontRef idx="minor">
+              <a:schemeClr val="lt1"/>
+            </a:fontRef>
+          </p:style>
+          <p:txBody>
+            <a:bodyPr rtlCol="0" anchor="ctr"/>
+            <a:lstStyle/>
+            <a:p>
+              <a:pPr algn="ctr"/>
+              <a:endParaRPr lang="en-GB" sz="1600"/>
+            </a:p>
+          </p:txBody>
+        </p:sp>
+        <p:sp>
+          <p:nvSpPr>
+            <p:cNvPr id="65" name="Down Arrow 64"/>
+            <p:cNvSpPr/>
+            <p:nvPr/>
+          </p:nvSpPr>
+          <p:spPr>
+            <a:xfrm flipV="1">
+              <a:off x="6538460" y="2473015"/>
+              <a:ext cx="93186" cy="175211"/>
+            </a:xfrm>
+            <a:prstGeom prst="downArrow">
+              <a:avLst/>
+            </a:prstGeom>
+            <a:solidFill>
+              <a:srgbClr val="002060"/>
+            </a:solidFill>
+            <a:ln w="6350">
+              <a:solidFill>
+                <a:schemeClr val="bg1">
+                  <a:lumMod val="50000"/>
+                </a:schemeClr>
+              </a:solidFill>
+            </a:ln>
+          </p:spPr>
+          <p:style>
+            <a:lnRef idx="2">
+              <a:schemeClr val="accent1">
+                <a:shade val="50000"/>
+              </a:schemeClr>
+            </a:lnRef>
+            <a:fillRef idx="1">
+              <a:schemeClr val="accent1"/>
+            </a:fillRef>
+            <a:effectRef idx="0">
+              <a:schemeClr val="accent1"/>
+            </a:effectRef>
+            <a:fontRef idx="minor">
+              <a:schemeClr val="lt1"/>
+            </a:fontRef>
+          </p:style>
+          <p:txBody>
+            <a:bodyPr rtlCol="0" anchor="ctr"/>
+            <a:lstStyle/>
+            <a:p>
+              <a:pPr algn="ctr"/>
+              <a:endParaRPr lang="en-GB" sz="1600"/>
+            </a:p>
+          </p:txBody>
+        </p:sp>
+        <p:sp>
+          <p:nvSpPr>
+            <p:cNvPr id="66" name="TextBox 65"/>
+            <p:cNvSpPr txBox="1"/>
+            <p:nvPr/>
+          </p:nvSpPr>
+          <p:spPr>
+            <a:xfrm>
+              <a:off x="6566004" y="2426626"/>
+              <a:ext cx="407356" cy="209672"/>
+            </a:xfrm>
+            <a:prstGeom prst="rect">
+              <a:avLst/>
+            </a:prstGeom>
+            <a:noFill/>
+          </p:spPr>
+          <p:txBody>
+            <a:bodyPr wrap="none" rtlCol="0">
+              <a:spAutoFit/>
+            </a:bodyPr>
+            <a:lstStyle/>
+            <a:p>
+              <a:r>
+                <a:rPr lang="en-GB" sz="1200" i="1" dirty="0" smtClean="0">
+                  <a:solidFill>
+                    <a:schemeClr val="accent6">
+                      <a:lumMod val="75000"/>
+                    </a:schemeClr>
+                  </a:solidFill>
+                </a:rPr>
+                <a:t>query</a:t>
+              </a:r>
+              <a:endParaRPr lang="en-GB" sz="1200" i="1" dirty="0">
+                <a:solidFill>
+                  <a:schemeClr val="accent6">
+                    <a:lumMod val="75000"/>
+                  </a:schemeClr>
+                </a:solidFill>
+              </a:endParaRPr>
+            </a:p>
+          </p:txBody>
+        </p:sp>
+        <p:sp>
+          <p:nvSpPr>
+            <p:cNvPr id="67" name="Can 66"/>
+            <p:cNvSpPr/>
+            <p:nvPr/>
+          </p:nvSpPr>
+          <p:spPr>
+            <a:xfrm>
+              <a:off x="6012160" y="2659389"/>
+              <a:ext cx="899047" cy="372747"/>
+            </a:xfrm>
+            <a:prstGeom prst="can">
+              <a:avLst/>
+            </a:prstGeom>
+            <a:solidFill>
+              <a:srgbClr val="002060"/>
+            </a:solidFill>
+            <a:ln w="6350">
+              <a:solidFill>
+                <a:srgbClr val="002060"/>
+              </a:solidFill>
+            </a:ln>
+            <a:effectLst/>
+          </p:spPr>
+          <p:style>
+            <a:lnRef idx="2">
+              <a:schemeClr val="accent1">
+                <a:shade val="50000"/>
+              </a:schemeClr>
+            </a:lnRef>
+            <a:fillRef idx="1">
+              <a:schemeClr val="accent1"/>
+            </a:fillRef>
+            <a:effectRef idx="0">
+              <a:schemeClr val="accent1"/>
+            </a:effectRef>
+            <a:fontRef idx="minor">
+              <a:schemeClr val="lt1"/>
+            </a:fontRef>
+          </p:style>
+          <p:txBody>
+            <a:bodyPr rtlCol="0" anchor="ctr"/>
+            <a:lstStyle/>
+            <a:p>
+              <a:pPr algn="ctr"/>
+              <a:r>
+                <a:rPr lang="en-GB" sz="1200" dirty="0" smtClean="0">
+                  <a:solidFill>
+                    <a:schemeClr val="bg1"/>
+                  </a:solidFill>
+                </a:rPr>
+                <a:t>health information</a:t>
+              </a:r>
+              <a:endParaRPr lang="en-GB" sz="1200" dirty="0">
+                <a:solidFill>
+                  <a:schemeClr val="bg1"/>
+                </a:solidFill>
+              </a:endParaRPr>
+            </a:p>
+          </p:txBody>
+        </p:sp>
+        <p:sp>
+          <p:nvSpPr>
+            <p:cNvPr id="68" name="Rectangle 67"/>
+            <p:cNvSpPr/>
+            <p:nvPr/>
+          </p:nvSpPr>
+          <p:spPr>
+            <a:xfrm>
+              <a:off x="6475374" y="1781288"/>
+              <a:ext cx="435833" cy="232967"/>
+            </a:xfrm>
+            <a:prstGeom prst="rect">
+              <a:avLst/>
+            </a:prstGeom>
+            <a:solidFill>
+              <a:srgbClr val="F0D288"/>
+            </a:solidFill>
+            <a:ln w="3175">
+              <a:solidFill>
+                <a:schemeClr val="accent5">
+                  <a:lumMod val="20000"/>
+                  <a:lumOff val="80000"/>
+                </a:schemeClr>
+              </a:solidFill>
+            </a:ln>
+            <a:effectLst/>
+          </p:spPr>
+          <p:style>
+            <a:lnRef idx="2">
+              <a:schemeClr val="accent1">
+                <a:shade val="50000"/>
+              </a:schemeClr>
+            </a:lnRef>
+            <a:fillRef idx="1">
+              <a:schemeClr val="accent1"/>
+            </a:fillRef>
+            <a:effectRef idx="0">
+              <a:schemeClr val="accent1"/>
+            </a:effectRef>
+            <a:fontRef idx="minor">
+              <a:schemeClr val="lt1"/>
+            </a:fontRef>
+          </p:style>
+          <p:txBody>
+            <a:bodyPr lIns="36000" tIns="0" rIns="36000" bIns="0" rtlCol="0" anchor="ctr"/>
+            <a:lstStyle/>
+            <a:p>
+              <a:pPr algn="ctr"/>
+              <a:r>
+                <a:rPr lang="en-GB" sz="1200" i="1" dirty="0" smtClean="0">
+                  <a:solidFill>
+                    <a:schemeClr val="accent6">
+                      <a:lumMod val="75000"/>
+                    </a:schemeClr>
+                  </a:solidFill>
+                </a:rPr>
+                <a:t>analyze</a:t>
+              </a:r>
+              <a:endParaRPr lang="en-GB" sz="1600" dirty="0">
+                <a:solidFill>
+                  <a:srgbClr val="002060"/>
+                </a:solidFill>
+              </a:endParaRPr>
+            </a:p>
+          </p:txBody>
+        </p:sp>
+        <p:sp>
+          <p:nvSpPr>
+            <p:cNvPr id="69" name="Flowchart: Document 68"/>
+            <p:cNvSpPr/>
+            <p:nvPr/>
+          </p:nvSpPr>
+          <p:spPr>
+            <a:xfrm>
+              <a:off x="5164557" y="2060848"/>
+              <a:ext cx="605714" cy="360421"/>
+            </a:xfrm>
+            <a:prstGeom prst="flowChartDocument">
+              <a:avLst/>
+            </a:prstGeom>
+            <a:solidFill>
+              <a:srgbClr val="F7EFC1"/>
+            </a:solidFill>
+            <a:ln w="6350">
+              <a:solidFill>
+                <a:srgbClr val="F7EFC1"/>
+              </a:solidFill>
+            </a:ln>
+            <a:effectLst>
+              <a:outerShdw blurRad="50800" dist="38100" dir="2700000" algn="tl" rotWithShape="0">
+                <a:prstClr val="black">
+                  <a:alpha val="40000"/>
+                </a:prstClr>
+              </a:outerShdw>
+            </a:effectLst>
+          </p:spPr>
+          <p:style>
+            <a:lnRef idx="2">
+              <a:schemeClr val="accent1">
+                <a:shade val="50000"/>
+              </a:schemeClr>
+            </a:lnRef>
+            <a:fillRef idx="1">
+              <a:schemeClr val="accent1"/>
+            </a:fillRef>
+            <a:effectRef idx="0">
+              <a:schemeClr val="accent1"/>
+            </a:effectRef>
+            <a:fontRef idx="minor">
+              <a:schemeClr val="lt1"/>
+            </a:fontRef>
+          </p:style>
+          <p:txBody>
+            <a:bodyPr lIns="36000" tIns="0" rIns="36000" bIns="0" rtlCol="0" anchor="ctr"/>
+            <a:lstStyle/>
+            <a:p>
+              <a:pPr algn="ctr"/>
+              <a:r>
+                <a:rPr lang="en-GB" sz="1400" dirty="0" smtClean="0">
+                  <a:solidFill>
+                    <a:srgbClr val="002060"/>
+                  </a:solidFill>
+                  <a:latin typeface="Arial" pitchFamily="34" charset="0"/>
+                  <a:cs typeface="Arial" pitchFamily="34" charset="0"/>
+                </a:rPr>
+                <a:t>Clinical models</a:t>
+              </a:r>
+              <a:endParaRPr lang="en-GB" sz="1400" dirty="0">
+                <a:solidFill>
+                  <a:srgbClr val="002060"/>
+                </a:solidFill>
+                <a:latin typeface="Arial" pitchFamily="34" charset="0"/>
+                <a:cs typeface="Arial" pitchFamily="34" charset="0"/>
+              </a:endParaRPr>
+            </a:p>
+          </p:txBody>
+        </p:sp>
+        <p:sp>
+          <p:nvSpPr>
+            <p:cNvPr id="70" name="Down Arrow 69"/>
+            <p:cNvSpPr/>
+            <p:nvPr/>
+          </p:nvSpPr>
+          <p:spPr>
+            <a:xfrm rot="16200000">
+              <a:off x="5859177" y="2193884"/>
+              <a:ext cx="93186" cy="128616"/>
+            </a:xfrm>
+            <a:prstGeom prst="downArrow">
+              <a:avLst/>
+            </a:prstGeom>
+            <a:solidFill>
+              <a:srgbClr val="F7EFC1"/>
+            </a:solidFill>
+            <a:ln w="6350">
+              <a:solidFill>
+                <a:schemeClr val="bg1">
+                  <a:lumMod val="50000"/>
+                </a:schemeClr>
+              </a:solidFill>
+            </a:ln>
+          </p:spPr>
+          <p:style>
+            <a:lnRef idx="2">
+              <a:schemeClr val="accent1">
+                <a:shade val="50000"/>
+              </a:schemeClr>
+            </a:lnRef>
+            <a:fillRef idx="1">
+              <a:schemeClr val="accent1"/>
+            </a:fillRef>
+            <a:effectRef idx="0">
+              <a:schemeClr val="accent1"/>
+            </a:effectRef>
+            <a:fontRef idx="minor">
+              <a:schemeClr val="lt1"/>
+            </a:fontRef>
+          </p:style>
+          <p:txBody>
+            <a:bodyPr rtlCol="0" anchor="ctr"/>
+            <a:lstStyle/>
+            <a:p>
+              <a:pPr algn="ctr"/>
+              <a:endParaRPr lang="en-GB" sz="1600"/>
+            </a:p>
+          </p:txBody>
+        </p:sp>
+        <p:sp>
+          <p:nvSpPr>
+            <p:cNvPr id="71" name="Can 70"/>
+            <p:cNvSpPr/>
+            <p:nvPr/>
+          </p:nvSpPr>
+          <p:spPr>
+            <a:xfrm>
+              <a:off x="5148064" y="2480189"/>
+              <a:ext cx="648072" cy="279560"/>
+            </a:xfrm>
+            <a:prstGeom prst="can">
+              <a:avLst/>
+            </a:prstGeom>
+            <a:solidFill>
+              <a:schemeClr val="bg1"/>
+            </a:solidFill>
+            <a:ln w="3175">
+              <a:solidFill>
+                <a:schemeClr val="bg1">
+                  <a:lumMod val="65000"/>
+                </a:schemeClr>
+              </a:solidFill>
+            </a:ln>
+            <a:effectLst/>
+          </p:spPr>
+          <p:style>
+            <a:lnRef idx="2">
+              <a:schemeClr val="accent1">
+                <a:shade val="50000"/>
+              </a:schemeClr>
+            </a:lnRef>
+            <a:fillRef idx="1">
+              <a:schemeClr val="accent1"/>
+            </a:fillRef>
+            <a:effectRef idx="0">
+              <a:schemeClr val="accent1"/>
+            </a:effectRef>
+            <a:fontRef idx="minor">
+              <a:schemeClr val="lt1"/>
+            </a:fontRef>
+          </p:style>
+          <p:txBody>
+            <a:bodyPr lIns="36000" tIns="0" rIns="36000" bIns="0" rtlCol="0" anchor="ctr"/>
+            <a:lstStyle/>
+            <a:p>
+              <a:pPr algn="ctr"/>
+              <a:r>
+                <a:rPr lang="en-GB" sz="1400" dirty="0" smtClean="0">
+                  <a:solidFill>
+                    <a:schemeClr val="bg1">
+                      <a:lumMod val="50000"/>
+                    </a:schemeClr>
+                  </a:solidFill>
+                  <a:latin typeface="Arial Narrow" pitchFamily="34" charset="0"/>
+                </a:rPr>
+                <a:t>terminology</a:t>
+              </a:r>
+              <a:endParaRPr lang="en-GB" sz="1600" dirty="0">
+                <a:solidFill>
+                  <a:schemeClr val="bg1">
+                    <a:lumMod val="50000"/>
+                  </a:schemeClr>
+                </a:solidFill>
+                <a:latin typeface="Arial Narrow" pitchFamily="34" charset="0"/>
+              </a:endParaRPr>
+            </a:p>
+          </p:txBody>
+        </p:sp>
+        <p:sp>
+          <p:nvSpPr>
+            <p:cNvPr id="72" name="TextBox 71"/>
+            <p:cNvSpPr txBox="1"/>
+            <p:nvPr/>
+          </p:nvSpPr>
+          <p:spPr>
+            <a:xfrm>
+              <a:off x="6004106" y="1430751"/>
+              <a:ext cx="395173" cy="232969"/>
+            </a:xfrm>
+            <a:prstGeom prst="rect">
+              <a:avLst/>
+            </a:prstGeom>
+            <a:noFill/>
+          </p:spPr>
+          <p:txBody>
+            <a:bodyPr wrap="none" rtlCol="0">
+              <a:spAutoFit/>
+            </a:bodyPr>
+            <a:lstStyle/>
+            <a:p>
+              <a:r>
+                <a:rPr lang="en-GB" sz="1400" i="1" dirty="0" smtClean="0">
+                  <a:solidFill>
+                    <a:srgbClr val="002060"/>
+                  </a:solidFill>
+                </a:rPr>
+                <a:t>data</a:t>
+              </a:r>
+              <a:endParaRPr lang="en-GB" sz="1400" i="1" dirty="0">
+                <a:solidFill>
+                  <a:srgbClr val="002060"/>
+                </a:solidFill>
+              </a:endParaRPr>
+            </a:p>
+          </p:txBody>
+        </p:sp>
+        <p:sp>
+          <p:nvSpPr>
+            <p:cNvPr id="73" name="Down Arrow 72"/>
+            <p:cNvSpPr/>
+            <p:nvPr/>
+          </p:nvSpPr>
+          <p:spPr>
+            <a:xfrm>
+              <a:off x="6196539" y="1620964"/>
+              <a:ext cx="93186" cy="128618"/>
+            </a:xfrm>
+            <a:prstGeom prst="downArrow">
+              <a:avLst/>
+            </a:prstGeom>
+            <a:solidFill>
+              <a:schemeClr val="accent5">
+                <a:lumMod val="20000"/>
+                <a:lumOff val="80000"/>
+              </a:schemeClr>
+            </a:solidFill>
+            <a:ln w="6350">
+              <a:solidFill>
+                <a:schemeClr val="bg1">
+                  <a:lumMod val="50000"/>
+                </a:schemeClr>
+              </a:solidFill>
+            </a:ln>
+          </p:spPr>
+          <p:style>
+            <a:lnRef idx="2">
+              <a:schemeClr val="accent1">
+                <a:shade val="50000"/>
+              </a:schemeClr>
+            </a:lnRef>
+            <a:fillRef idx="1">
+              <a:schemeClr val="accent1"/>
+            </a:fillRef>
+            <a:effectRef idx="0">
+              <a:schemeClr val="accent1"/>
+            </a:effectRef>
+            <a:fontRef idx="minor">
+              <a:schemeClr val="lt1"/>
+            </a:fontRef>
+          </p:style>
+          <p:txBody>
+            <a:bodyPr rtlCol="0" anchor="ctr"/>
+            <a:lstStyle/>
+            <a:p>
+              <a:pPr algn="ctr"/>
+              <a:endParaRPr lang="en-GB" sz="1600"/>
+            </a:p>
+          </p:txBody>
+        </p:sp>
+        <p:sp>
+          <p:nvSpPr>
+            <p:cNvPr id="74" name="Down Arrow 73"/>
+            <p:cNvSpPr/>
+            <p:nvPr/>
+          </p:nvSpPr>
+          <p:spPr>
+            <a:xfrm flipV="1">
+              <a:off x="6635423" y="1620964"/>
+              <a:ext cx="93186" cy="128618"/>
+            </a:xfrm>
+            <a:prstGeom prst="downArrow">
+              <a:avLst/>
+            </a:prstGeom>
+            <a:solidFill>
+              <a:schemeClr val="accent5">
+                <a:lumMod val="20000"/>
+                <a:lumOff val="80000"/>
+              </a:schemeClr>
+            </a:solidFill>
+            <a:ln w="6350">
+              <a:solidFill>
+                <a:schemeClr val="bg1">
+                  <a:lumMod val="50000"/>
+                </a:schemeClr>
+              </a:solidFill>
+            </a:ln>
+          </p:spPr>
+          <p:style>
+            <a:lnRef idx="2">
+              <a:schemeClr val="accent1">
+                <a:shade val="50000"/>
+              </a:schemeClr>
+            </a:lnRef>
+            <a:fillRef idx="1">
+              <a:schemeClr val="accent1"/>
+            </a:fillRef>
+            <a:effectRef idx="0">
+              <a:schemeClr val="accent1"/>
+            </a:effectRef>
+            <a:fontRef idx="minor">
+              <a:schemeClr val="lt1"/>
+            </a:fontRef>
+          </p:style>
+          <p:txBody>
+            <a:bodyPr rtlCol="0" anchor="ctr"/>
+            <a:lstStyle/>
+            <a:p>
+              <a:pPr algn="ctr"/>
+              <a:endParaRPr lang="en-GB" sz="1600"/>
+            </a:p>
+          </p:txBody>
+        </p:sp>
+        <p:sp>
+          <p:nvSpPr>
+            <p:cNvPr id="75" name="TextBox 74"/>
+            <p:cNvSpPr txBox="1"/>
+            <p:nvPr/>
+          </p:nvSpPr>
+          <p:spPr>
+            <a:xfrm>
+              <a:off x="6303697" y="1430751"/>
+              <a:ext cx="772049" cy="232969"/>
+            </a:xfrm>
+            <a:prstGeom prst="rect">
+              <a:avLst/>
+            </a:prstGeom>
+            <a:noFill/>
+          </p:spPr>
+          <p:txBody>
+            <a:bodyPr wrap="none" rtlCol="0">
+              <a:spAutoFit/>
+            </a:bodyPr>
+            <a:lstStyle/>
+            <a:p>
+              <a:r>
+                <a:rPr lang="en-GB" sz="1400" i="1" dirty="0" smtClean="0">
+                  <a:solidFill>
+                    <a:srgbClr val="002060"/>
+                  </a:solidFill>
+                </a:rPr>
+                <a:t>conclusions</a:t>
+              </a:r>
+              <a:endParaRPr lang="en-GB" sz="1400" i="1" dirty="0">
+                <a:solidFill>
+                  <a:srgbClr val="002060"/>
+                </a:solidFill>
+              </a:endParaRPr>
+            </a:p>
+          </p:txBody>
+        </p:sp>
+      </p:grpSp>
+    </p:spTree>
+  </p:cSld>
+  <p:clrMapOvr>
+    <a:masterClrMapping/>
+  </p:clrMapOvr>
+</p:sld>
+</file>
+
+<file path=ppt/slides/slide6.xml><?xml version="1.0" encoding="utf-8"?>
+<p:sld xmlns:a="http://schemas.openxmlformats.org/drawingml/2006/main" xmlns:r="http://schemas.openxmlformats.org/officeDocument/2006/relationships" xmlns:p="http://schemas.openxmlformats.org/presentationml/2006/main">
+  <p:cSld>
+    <p:spTree>
+      <p:nvGrpSpPr>
+        <p:cNvPr id="1" name=""/>
+        <p:cNvGrpSpPr/>
+        <p:nvPr/>
+      </p:nvGrpSpPr>
+      <p:grpSpPr>
+        <a:xfrm>
+          <a:off x="0" y="0"/>
+          <a:ext cx="0" cy="0"/>
+          <a:chOff x="0" y="0"/>
+          <a:chExt cx="0" cy="0"/>
+        </a:xfrm>
+      </p:grpSpPr>
       <p:sp>
         <p:nvSpPr>
           <p:cNvPr id="61" name="Rectangle 60"/>
@@ -29568,877 +30434,6 @@
           </a:p>
         </p:txBody>
       </p:sp>
-    </p:spTree>
-  </p:cSld>
-  <p:clrMapOvr>
-    <a:masterClrMapping/>
-  </p:clrMapOvr>
-</p:sld>
-</file>
-
-<file path=ppt/slides/slide6.xml><?xml version="1.0" encoding="utf-8"?>
-<p:sld xmlns:a="http://schemas.openxmlformats.org/drawingml/2006/main" xmlns:r="http://schemas.openxmlformats.org/officeDocument/2006/relationships" xmlns:p="http://schemas.openxmlformats.org/presentationml/2006/main">
-  <p:cSld>
-    <p:spTree>
-      <p:nvGrpSpPr>
-        <p:cNvPr id="1" name=""/>
-        <p:cNvGrpSpPr/>
-        <p:nvPr/>
-      </p:nvGrpSpPr>
-      <p:grpSpPr>
-        <a:xfrm>
-          <a:off x="0" y="0"/>
-          <a:ext cx="0" cy="0"/>
-          <a:chOff x="0" y="0"/>
-          <a:chExt cx="0" cy="0"/>
-        </a:xfrm>
-      </p:grpSpPr>
-      <p:sp>
-        <p:nvSpPr>
-          <p:cNvPr id="61" name="Rectangle 60"/>
-          <p:cNvSpPr/>
-          <p:nvPr/>
-        </p:nvSpPr>
-        <p:spPr>
-          <a:xfrm>
-            <a:off x="6012160" y="2060848"/>
-            <a:ext cx="899047" cy="372747"/>
-          </a:xfrm>
-          <a:prstGeom prst="rect">
-            <a:avLst/>
-          </a:prstGeom>
-          <a:solidFill>
-            <a:schemeClr val="accent5">
-              <a:lumMod val="40000"/>
-              <a:lumOff val="60000"/>
-            </a:schemeClr>
-          </a:solidFill>
-          <a:ln w="3175">
-            <a:solidFill>
-              <a:schemeClr val="accent5">
-                <a:lumMod val="20000"/>
-                <a:lumOff val="80000"/>
-              </a:schemeClr>
-            </a:solidFill>
-          </a:ln>
-          <a:effectLst/>
-        </p:spPr>
-        <p:style>
-          <a:lnRef idx="2">
-            <a:schemeClr val="accent1">
-              <a:shade val="50000"/>
-            </a:schemeClr>
-          </a:lnRef>
-          <a:fillRef idx="1">
-            <a:schemeClr val="accent1"/>
-          </a:fillRef>
-          <a:effectRef idx="0">
-            <a:schemeClr val="accent1"/>
-          </a:effectRef>
-          <a:fontRef idx="minor">
-            <a:schemeClr val="lt1"/>
-          </a:fontRef>
-        </p:style>
-        <p:txBody>
-          <a:bodyPr rtlCol="0" anchor="ctr"/>
-          <a:lstStyle/>
-          <a:p>
-            <a:pPr algn="ctr"/>
-            <a:r>
-              <a:rPr lang="en-GB" sz="1050" i="1" dirty="0" smtClean="0">
-                <a:solidFill>
-                  <a:schemeClr val="accent6">
-                    <a:lumMod val="75000"/>
-                  </a:schemeClr>
-                </a:solidFill>
-              </a:rPr>
-              <a:t>open</a:t>
-            </a:r>
-            <a:r>
-              <a:rPr lang="en-GB" sz="1050" dirty="0" smtClean="0">
-                <a:solidFill>
-                  <a:srgbClr val="002060"/>
-                </a:solidFill>
-              </a:rPr>
-              <a:t>EHR platform</a:t>
-            </a:r>
-            <a:endParaRPr lang="en-GB" sz="1050" dirty="0">
-              <a:solidFill>
-                <a:srgbClr val="002060"/>
-              </a:solidFill>
-            </a:endParaRPr>
-          </a:p>
-        </p:txBody>
-      </p:sp>
-      <p:sp>
-        <p:nvSpPr>
-          <p:cNvPr id="62" name="TextBox 61"/>
-          <p:cNvSpPr txBox="1"/>
-          <p:nvPr/>
-        </p:nvSpPr>
-        <p:spPr>
-          <a:xfrm>
-            <a:off x="5829003" y="2432564"/>
-            <a:ext cx="596638" cy="253916"/>
-          </a:xfrm>
-          <a:prstGeom prst="rect">
-            <a:avLst/>
-          </a:prstGeom>
-          <a:noFill/>
-        </p:spPr>
-        <p:txBody>
-          <a:bodyPr wrap="none" rtlCol="0">
-            <a:spAutoFit/>
-          </a:bodyPr>
-          <a:lstStyle/>
-          <a:p>
-            <a:r>
-              <a:rPr lang="en-GB" sz="1000" i="1" dirty="0" smtClean="0">
-                <a:solidFill>
-                  <a:schemeClr val="accent6">
-                    <a:lumMod val="75000"/>
-                  </a:schemeClr>
-                </a:solidFill>
-              </a:rPr>
-              <a:t>commit</a:t>
-            </a:r>
-            <a:endParaRPr lang="en-GB" sz="1000" i="1" dirty="0">
-              <a:solidFill>
-                <a:schemeClr val="accent6">
-                  <a:lumMod val="75000"/>
-                </a:schemeClr>
-              </a:solidFill>
-            </a:endParaRPr>
-          </a:p>
-        </p:txBody>
-      </p:sp>
-      <p:sp>
-        <p:nvSpPr>
-          <p:cNvPr id="63" name="Rectangle 62"/>
-          <p:cNvSpPr/>
-          <p:nvPr/>
-        </p:nvSpPr>
-        <p:spPr>
-          <a:xfrm>
-            <a:off x="6012160" y="1781288"/>
-            <a:ext cx="433114" cy="232967"/>
-          </a:xfrm>
-          <a:prstGeom prst="rect">
-            <a:avLst/>
-          </a:prstGeom>
-          <a:solidFill>
-            <a:schemeClr val="accent5">
-              <a:lumMod val="20000"/>
-              <a:lumOff val="80000"/>
-            </a:schemeClr>
-          </a:solidFill>
-          <a:ln w="3175">
-            <a:solidFill>
-              <a:schemeClr val="accent5">
-                <a:lumMod val="20000"/>
-                <a:lumOff val="80000"/>
-              </a:schemeClr>
-            </a:solidFill>
-          </a:ln>
-          <a:effectLst/>
-        </p:spPr>
-        <p:style>
-          <a:lnRef idx="2">
-            <a:schemeClr val="accent1">
-              <a:shade val="50000"/>
-            </a:schemeClr>
-          </a:lnRef>
-          <a:fillRef idx="1">
-            <a:schemeClr val="accent1"/>
-          </a:fillRef>
-          <a:effectRef idx="0">
-            <a:schemeClr val="accent1"/>
-          </a:effectRef>
-          <a:fontRef idx="minor">
-            <a:schemeClr val="lt1"/>
-          </a:fontRef>
-        </p:style>
-        <p:txBody>
-          <a:bodyPr lIns="36000" tIns="0" rIns="36000" bIns="0" rtlCol="0" anchor="ctr"/>
-          <a:lstStyle/>
-          <a:p>
-            <a:pPr algn="ctr"/>
-            <a:r>
-              <a:rPr lang="en-GB" sz="900" i="1" dirty="0" smtClean="0">
-                <a:solidFill>
-                  <a:schemeClr val="accent6">
-                    <a:lumMod val="75000"/>
-                  </a:schemeClr>
-                </a:solidFill>
-              </a:rPr>
-              <a:t>record</a:t>
-            </a:r>
-            <a:endParaRPr lang="en-GB" sz="1050" dirty="0">
-              <a:solidFill>
-                <a:srgbClr val="002060"/>
-              </a:solidFill>
-            </a:endParaRPr>
-          </a:p>
-        </p:txBody>
-      </p:sp>
-      <p:sp>
-        <p:nvSpPr>
-          <p:cNvPr id="64" name="Down Arrow 63"/>
-          <p:cNvSpPr/>
-          <p:nvPr/>
-        </p:nvSpPr>
-        <p:spPr>
-          <a:xfrm>
-            <a:off x="6305493" y="2461139"/>
-            <a:ext cx="93186" cy="175211"/>
-          </a:xfrm>
-          <a:prstGeom prst="downArrow">
-            <a:avLst/>
-          </a:prstGeom>
-          <a:solidFill>
-            <a:schemeClr val="accent5">
-              <a:lumMod val="40000"/>
-              <a:lumOff val="60000"/>
-            </a:schemeClr>
-          </a:solidFill>
-          <a:ln w="6350">
-            <a:solidFill>
-              <a:schemeClr val="bg1">
-                <a:lumMod val="50000"/>
-              </a:schemeClr>
-            </a:solidFill>
-          </a:ln>
-        </p:spPr>
-        <p:style>
-          <a:lnRef idx="2">
-            <a:schemeClr val="accent1">
-              <a:shade val="50000"/>
-            </a:schemeClr>
-          </a:lnRef>
-          <a:fillRef idx="1">
-            <a:schemeClr val="accent1"/>
-          </a:fillRef>
-          <a:effectRef idx="0">
-            <a:schemeClr val="accent1"/>
-          </a:effectRef>
-          <a:fontRef idx="minor">
-            <a:schemeClr val="lt1"/>
-          </a:fontRef>
-        </p:style>
-        <p:txBody>
-          <a:bodyPr rtlCol="0" anchor="ctr"/>
-          <a:lstStyle/>
-          <a:p>
-            <a:pPr algn="ctr"/>
-            <a:endParaRPr lang="en-GB" sz="1050"/>
-          </a:p>
-        </p:txBody>
-      </p:sp>
-      <p:sp>
-        <p:nvSpPr>
-          <p:cNvPr id="65" name="Down Arrow 64"/>
-          <p:cNvSpPr/>
-          <p:nvPr/>
-        </p:nvSpPr>
-        <p:spPr>
-          <a:xfrm flipV="1">
-            <a:off x="6538460" y="2461139"/>
-            <a:ext cx="93186" cy="175211"/>
-          </a:xfrm>
-          <a:prstGeom prst="downArrow">
-            <a:avLst/>
-          </a:prstGeom>
-          <a:solidFill>
-            <a:schemeClr val="accent5">
-              <a:lumMod val="40000"/>
-              <a:lumOff val="60000"/>
-            </a:schemeClr>
-          </a:solidFill>
-          <a:ln w="6350">
-            <a:solidFill>
-              <a:schemeClr val="bg1">
-                <a:lumMod val="50000"/>
-              </a:schemeClr>
-            </a:solidFill>
-          </a:ln>
-        </p:spPr>
-        <p:style>
-          <a:lnRef idx="2">
-            <a:schemeClr val="accent1">
-              <a:shade val="50000"/>
-            </a:schemeClr>
-          </a:lnRef>
-          <a:fillRef idx="1">
-            <a:schemeClr val="accent1"/>
-          </a:fillRef>
-          <a:effectRef idx="0">
-            <a:schemeClr val="accent1"/>
-          </a:effectRef>
-          <a:fontRef idx="minor">
-            <a:schemeClr val="lt1"/>
-          </a:fontRef>
-        </p:style>
-        <p:txBody>
-          <a:bodyPr rtlCol="0" anchor="ctr"/>
-          <a:lstStyle/>
-          <a:p>
-            <a:pPr algn="ctr"/>
-            <a:endParaRPr lang="en-GB" sz="1050"/>
-          </a:p>
-        </p:txBody>
-      </p:sp>
-      <p:sp>
-        <p:nvSpPr>
-          <p:cNvPr id="66" name="TextBox 65"/>
-          <p:cNvSpPr txBox="1"/>
-          <p:nvPr/>
-        </p:nvSpPr>
-        <p:spPr>
-          <a:xfrm>
-            <a:off x="6566005" y="2432564"/>
-            <a:ext cx="494046" cy="253916"/>
-          </a:xfrm>
-          <a:prstGeom prst="rect">
-            <a:avLst/>
-          </a:prstGeom>
-          <a:noFill/>
-        </p:spPr>
-        <p:txBody>
-          <a:bodyPr wrap="none" rtlCol="0">
-            <a:spAutoFit/>
-          </a:bodyPr>
-          <a:lstStyle/>
-          <a:p>
-            <a:r>
-              <a:rPr lang="en-GB" sz="1000" i="1" dirty="0" smtClean="0">
-                <a:solidFill>
-                  <a:schemeClr val="accent6">
-                    <a:lumMod val="75000"/>
-                  </a:schemeClr>
-                </a:solidFill>
-              </a:rPr>
-              <a:t>query</a:t>
-            </a:r>
-            <a:endParaRPr lang="en-GB" sz="1000" i="1" dirty="0">
-              <a:solidFill>
-                <a:schemeClr val="accent6">
-                  <a:lumMod val="75000"/>
-                </a:schemeClr>
-              </a:solidFill>
-            </a:endParaRPr>
-          </a:p>
-        </p:txBody>
-      </p:sp>
-      <p:sp>
-        <p:nvSpPr>
-          <p:cNvPr id="67" name="Can 66"/>
-          <p:cNvSpPr/>
-          <p:nvPr/>
-        </p:nvSpPr>
-        <p:spPr>
-          <a:xfrm>
-            <a:off x="6012160" y="2647513"/>
-            <a:ext cx="899047" cy="372747"/>
-          </a:xfrm>
-          <a:prstGeom prst="can">
-            <a:avLst/>
-          </a:prstGeom>
-          <a:solidFill>
-            <a:schemeClr val="accent5">
-              <a:lumMod val="60000"/>
-              <a:lumOff val="40000"/>
-            </a:schemeClr>
-          </a:solidFill>
-          <a:ln w="6350">
-            <a:solidFill>
-              <a:schemeClr val="accent5">
-                <a:lumMod val="60000"/>
-                <a:lumOff val="40000"/>
-              </a:schemeClr>
-            </a:solidFill>
-          </a:ln>
-          <a:effectLst/>
-        </p:spPr>
-        <p:style>
-          <a:lnRef idx="2">
-            <a:schemeClr val="accent1">
-              <a:shade val="50000"/>
-            </a:schemeClr>
-          </a:lnRef>
-          <a:fillRef idx="1">
-            <a:schemeClr val="accent1"/>
-          </a:fillRef>
-          <a:effectRef idx="0">
-            <a:schemeClr val="accent1"/>
-          </a:effectRef>
-          <a:fontRef idx="minor">
-            <a:schemeClr val="lt1"/>
-          </a:fontRef>
-        </p:style>
-        <p:txBody>
-          <a:bodyPr rtlCol="0" anchor="ctr"/>
-          <a:lstStyle/>
-          <a:p>
-            <a:pPr algn="ctr"/>
-            <a:r>
-              <a:rPr lang="en-GB" sz="1000" dirty="0" smtClean="0">
-                <a:solidFill>
-                  <a:srgbClr val="002060"/>
-                </a:solidFill>
-              </a:rPr>
-              <a:t>health information</a:t>
-            </a:r>
-            <a:endParaRPr lang="en-GB" sz="1000" dirty="0">
-              <a:solidFill>
-                <a:srgbClr val="002060"/>
-              </a:solidFill>
-            </a:endParaRPr>
-          </a:p>
-        </p:txBody>
-      </p:sp>
-      <p:sp>
-        <p:nvSpPr>
-          <p:cNvPr id="68" name="Rectangle 67"/>
-          <p:cNvSpPr/>
-          <p:nvPr/>
-        </p:nvSpPr>
-        <p:spPr>
-          <a:xfrm>
-            <a:off x="6475374" y="1781288"/>
-            <a:ext cx="435833" cy="232967"/>
-          </a:xfrm>
-          <a:prstGeom prst="rect">
-            <a:avLst/>
-          </a:prstGeom>
-          <a:solidFill>
-            <a:schemeClr val="accent5">
-              <a:lumMod val="20000"/>
-              <a:lumOff val="80000"/>
-            </a:schemeClr>
-          </a:solidFill>
-          <a:ln w="3175">
-            <a:solidFill>
-              <a:schemeClr val="accent5">
-                <a:lumMod val="20000"/>
-                <a:lumOff val="80000"/>
-              </a:schemeClr>
-            </a:solidFill>
-          </a:ln>
-          <a:effectLst/>
-        </p:spPr>
-        <p:style>
-          <a:lnRef idx="2">
-            <a:schemeClr val="accent1">
-              <a:shade val="50000"/>
-            </a:schemeClr>
-          </a:lnRef>
-          <a:fillRef idx="1">
-            <a:schemeClr val="accent1"/>
-          </a:fillRef>
-          <a:effectRef idx="0">
-            <a:schemeClr val="accent1"/>
-          </a:effectRef>
-          <a:fontRef idx="minor">
-            <a:schemeClr val="lt1"/>
-          </a:fontRef>
-        </p:style>
-        <p:txBody>
-          <a:bodyPr lIns="36000" tIns="0" rIns="36000" bIns="0" rtlCol="0" anchor="ctr"/>
-          <a:lstStyle/>
-          <a:p>
-            <a:pPr algn="ctr"/>
-            <a:r>
-              <a:rPr lang="en-GB" sz="900" i="1" dirty="0" smtClean="0">
-                <a:solidFill>
-                  <a:schemeClr val="accent6">
-                    <a:lumMod val="75000"/>
-                  </a:schemeClr>
-                </a:solidFill>
-              </a:rPr>
-              <a:t>analyze</a:t>
-            </a:r>
-            <a:endParaRPr lang="en-GB" sz="1050" dirty="0">
-              <a:solidFill>
-                <a:srgbClr val="002060"/>
-              </a:solidFill>
-            </a:endParaRPr>
-          </a:p>
-        </p:txBody>
-      </p:sp>
-      <p:sp>
-        <p:nvSpPr>
-          <p:cNvPr id="69" name="Flowchart: Document 68"/>
-          <p:cNvSpPr/>
-          <p:nvPr/>
-        </p:nvSpPr>
-        <p:spPr>
-          <a:xfrm>
-            <a:off x="5233846" y="2141709"/>
-            <a:ext cx="605714" cy="279560"/>
-          </a:xfrm>
-          <a:prstGeom prst="flowChartDocument">
-            <a:avLst/>
-          </a:prstGeom>
-          <a:solidFill>
-            <a:schemeClr val="accent6">
-              <a:lumMod val="60000"/>
-              <a:lumOff val="40000"/>
-            </a:schemeClr>
-          </a:solidFill>
-          <a:ln w="6350">
-            <a:solidFill>
-              <a:schemeClr val="bg1">
-                <a:lumMod val="65000"/>
-              </a:schemeClr>
-            </a:solidFill>
-          </a:ln>
-          <a:effectLst/>
-        </p:spPr>
-        <p:style>
-          <a:lnRef idx="2">
-            <a:schemeClr val="accent1">
-              <a:shade val="50000"/>
-            </a:schemeClr>
-          </a:lnRef>
-          <a:fillRef idx="1">
-            <a:schemeClr val="accent1"/>
-          </a:fillRef>
-          <a:effectRef idx="0">
-            <a:schemeClr val="accent1"/>
-          </a:effectRef>
-          <a:fontRef idx="minor">
-            <a:schemeClr val="lt1"/>
-          </a:fontRef>
-        </p:style>
-        <p:txBody>
-          <a:bodyPr lIns="36000" tIns="0" rIns="36000" bIns="0" rtlCol="0" anchor="ctr"/>
-          <a:lstStyle/>
-          <a:p>
-            <a:pPr algn="ctr"/>
-            <a:r>
-              <a:rPr lang="en-GB" sz="1000" dirty="0" smtClean="0">
-                <a:solidFill>
-                  <a:srgbClr val="002060"/>
-                </a:solidFill>
-                <a:latin typeface="Arial Narrow" pitchFamily="34" charset="0"/>
-              </a:rPr>
-              <a:t>archetypes</a:t>
-            </a:r>
-            <a:endParaRPr lang="en-GB" sz="1000" dirty="0">
-              <a:solidFill>
-                <a:srgbClr val="002060"/>
-              </a:solidFill>
-              <a:latin typeface="Arial Narrow" pitchFamily="34" charset="0"/>
-            </a:endParaRPr>
-          </a:p>
-        </p:txBody>
-      </p:sp>
-      <p:sp>
-        <p:nvSpPr>
-          <p:cNvPr id="70" name="Down Arrow 69"/>
-          <p:cNvSpPr/>
-          <p:nvPr/>
-        </p:nvSpPr>
-        <p:spPr>
-          <a:xfrm rot="16200000">
-            <a:off x="5876991" y="2193884"/>
-            <a:ext cx="93186" cy="128616"/>
-          </a:xfrm>
-          <a:prstGeom prst="downArrow">
-            <a:avLst/>
-          </a:prstGeom>
-          <a:solidFill>
-            <a:schemeClr val="accent6">
-              <a:lumMod val="40000"/>
-              <a:lumOff val="60000"/>
-            </a:schemeClr>
-          </a:solidFill>
-          <a:ln w="6350">
-            <a:solidFill>
-              <a:schemeClr val="bg1">
-                <a:lumMod val="50000"/>
-              </a:schemeClr>
-            </a:solidFill>
-          </a:ln>
-        </p:spPr>
-        <p:style>
-          <a:lnRef idx="2">
-            <a:schemeClr val="accent1">
-              <a:shade val="50000"/>
-            </a:schemeClr>
-          </a:lnRef>
-          <a:fillRef idx="1">
-            <a:schemeClr val="accent1"/>
-          </a:fillRef>
-          <a:effectRef idx="0">
-            <a:schemeClr val="accent1"/>
-          </a:effectRef>
-          <a:fontRef idx="minor">
-            <a:schemeClr val="lt1"/>
-          </a:fontRef>
-        </p:style>
-        <p:txBody>
-          <a:bodyPr rtlCol="0" anchor="ctr"/>
-          <a:lstStyle/>
-          <a:p>
-            <a:pPr algn="ctr"/>
-            <a:endParaRPr lang="en-GB" sz="1050"/>
-          </a:p>
-        </p:txBody>
-      </p:sp>
-      <p:sp>
-        <p:nvSpPr>
-          <p:cNvPr id="71" name="Can 70"/>
-          <p:cNvSpPr/>
-          <p:nvPr/>
-        </p:nvSpPr>
-        <p:spPr>
-          <a:xfrm>
-            <a:off x="5217353" y="2480189"/>
-            <a:ext cx="648072" cy="279560"/>
-          </a:xfrm>
-          <a:prstGeom prst="can">
-            <a:avLst/>
-          </a:prstGeom>
-          <a:solidFill>
-            <a:schemeClr val="bg1">
-              <a:lumMod val="85000"/>
-            </a:schemeClr>
-          </a:solidFill>
-          <a:ln w="3175">
-            <a:solidFill>
-              <a:schemeClr val="bg1">
-                <a:lumMod val="65000"/>
-              </a:schemeClr>
-            </a:solidFill>
-          </a:ln>
-          <a:effectLst/>
-        </p:spPr>
-        <p:style>
-          <a:lnRef idx="2">
-            <a:schemeClr val="accent1">
-              <a:shade val="50000"/>
-            </a:schemeClr>
-          </a:lnRef>
-          <a:fillRef idx="1">
-            <a:schemeClr val="accent1"/>
-          </a:fillRef>
-          <a:effectRef idx="0">
-            <a:schemeClr val="accent1"/>
-          </a:effectRef>
-          <a:fontRef idx="minor">
-            <a:schemeClr val="lt1"/>
-          </a:fontRef>
-        </p:style>
-        <p:txBody>
-          <a:bodyPr lIns="36000" tIns="0" rIns="36000" bIns="0" rtlCol="0" anchor="ctr"/>
-          <a:lstStyle/>
-          <a:p>
-            <a:pPr algn="ctr"/>
-            <a:r>
-              <a:rPr lang="en-GB" sz="1000" dirty="0" smtClean="0">
-                <a:solidFill>
-                  <a:schemeClr val="bg1">
-                    <a:lumMod val="50000"/>
-                  </a:schemeClr>
-                </a:solidFill>
-                <a:latin typeface="Arial Narrow" pitchFamily="34" charset="0"/>
-              </a:rPr>
-              <a:t>terminology</a:t>
-            </a:r>
-            <a:endParaRPr lang="en-GB" sz="1050" dirty="0">
-              <a:solidFill>
-                <a:schemeClr val="bg1">
-                  <a:lumMod val="50000"/>
-                </a:schemeClr>
-              </a:solidFill>
-              <a:latin typeface="Arial Narrow" pitchFamily="34" charset="0"/>
-            </a:endParaRPr>
-          </a:p>
-        </p:txBody>
-      </p:sp>
-      <p:sp>
-        <p:nvSpPr>
-          <p:cNvPr id="72" name="TextBox 71"/>
-          <p:cNvSpPr txBox="1"/>
-          <p:nvPr/>
-        </p:nvSpPr>
-        <p:spPr>
-          <a:xfrm>
-            <a:off x="6004108" y="1430751"/>
-            <a:ext cx="436338" cy="253916"/>
-          </a:xfrm>
-          <a:prstGeom prst="rect">
-            <a:avLst/>
-          </a:prstGeom>
-          <a:noFill/>
-        </p:spPr>
-        <p:txBody>
-          <a:bodyPr wrap="none" rtlCol="0">
-            <a:spAutoFit/>
-          </a:bodyPr>
-          <a:lstStyle/>
-          <a:p>
-            <a:r>
-              <a:rPr lang="en-GB" sz="1000" i="1" dirty="0" smtClean="0">
-                <a:solidFill>
-                  <a:srgbClr val="002060"/>
-                </a:solidFill>
-              </a:rPr>
-              <a:t>data</a:t>
-            </a:r>
-            <a:endParaRPr lang="en-GB" sz="1000" i="1" dirty="0">
-              <a:solidFill>
-                <a:srgbClr val="002060"/>
-              </a:solidFill>
-            </a:endParaRPr>
-          </a:p>
-        </p:txBody>
-      </p:sp>
-      <p:sp>
-        <p:nvSpPr>
-          <p:cNvPr id="73" name="Down Arrow 72"/>
-          <p:cNvSpPr/>
-          <p:nvPr/>
-        </p:nvSpPr>
-        <p:spPr>
-          <a:xfrm>
-            <a:off x="6196539" y="1620964"/>
-            <a:ext cx="93186" cy="128618"/>
-          </a:xfrm>
-          <a:prstGeom prst="downArrow">
-            <a:avLst/>
-          </a:prstGeom>
-          <a:solidFill>
-            <a:schemeClr val="accent5">
-              <a:lumMod val="20000"/>
-              <a:lumOff val="80000"/>
-            </a:schemeClr>
-          </a:solidFill>
-          <a:ln w="6350">
-            <a:solidFill>
-              <a:schemeClr val="bg1">
-                <a:lumMod val="50000"/>
-              </a:schemeClr>
-            </a:solidFill>
-          </a:ln>
-        </p:spPr>
-        <p:style>
-          <a:lnRef idx="2">
-            <a:schemeClr val="accent1">
-              <a:shade val="50000"/>
-            </a:schemeClr>
-          </a:lnRef>
-          <a:fillRef idx="1">
-            <a:schemeClr val="accent1"/>
-          </a:fillRef>
-          <a:effectRef idx="0">
-            <a:schemeClr val="accent1"/>
-          </a:effectRef>
-          <a:fontRef idx="minor">
-            <a:schemeClr val="lt1"/>
-          </a:fontRef>
-        </p:style>
-        <p:txBody>
-          <a:bodyPr rtlCol="0" anchor="ctr"/>
-          <a:lstStyle/>
-          <a:p>
-            <a:pPr algn="ctr"/>
-            <a:endParaRPr lang="en-GB" sz="1050"/>
-          </a:p>
-        </p:txBody>
-      </p:sp>
-      <p:sp>
-        <p:nvSpPr>
-          <p:cNvPr id="74" name="Down Arrow 73"/>
-          <p:cNvSpPr/>
-          <p:nvPr/>
-        </p:nvSpPr>
-        <p:spPr>
-          <a:xfrm flipV="1">
-            <a:off x="6635423" y="1620964"/>
-            <a:ext cx="93186" cy="128618"/>
-          </a:xfrm>
-          <a:prstGeom prst="downArrow">
-            <a:avLst/>
-          </a:prstGeom>
-          <a:solidFill>
-            <a:schemeClr val="accent5">
-              <a:lumMod val="20000"/>
-              <a:lumOff val="80000"/>
-            </a:schemeClr>
-          </a:solidFill>
-          <a:ln w="6350">
-            <a:solidFill>
-              <a:schemeClr val="bg1">
-                <a:lumMod val="50000"/>
-              </a:schemeClr>
-            </a:solidFill>
-          </a:ln>
-        </p:spPr>
-        <p:style>
-          <a:lnRef idx="2">
-            <a:schemeClr val="accent1">
-              <a:shade val="50000"/>
-            </a:schemeClr>
-          </a:lnRef>
-          <a:fillRef idx="1">
-            <a:schemeClr val="accent1"/>
-          </a:fillRef>
-          <a:effectRef idx="0">
-            <a:schemeClr val="accent1"/>
-          </a:effectRef>
-          <a:fontRef idx="minor">
-            <a:schemeClr val="lt1"/>
-          </a:fontRef>
-        </p:style>
-        <p:txBody>
-          <a:bodyPr rtlCol="0" anchor="ctr"/>
-          <a:lstStyle/>
-          <a:p>
-            <a:pPr algn="ctr"/>
-            <a:endParaRPr lang="en-GB" sz="1050"/>
-          </a:p>
-        </p:txBody>
-      </p:sp>
-      <p:sp>
-        <p:nvSpPr>
-          <p:cNvPr id="75" name="TextBox 74"/>
-          <p:cNvSpPr txBox="1"/>
-          <p:nvPr/>
-        </p:nvSpPr>
-        <p:spPr>
-          <a:xfrm>
-            <a:off x="6303699" y="1430751"/>
-            <a:ext cx="776175" cy="246221"/>
-          </a:xfrm>
-          <a:prstGeom prst="rect">
-            <a:avLst/>
-          </a:prstGeom>
-          <a:noFill/>
-        </p:spPr>
-        <p:txBody>
-          <a:bodyPr wrap="none" rtlCol="0">
-            <a:spAutoFit/>
-          </a:bodyPr>
-          <a:lstStyle/>
-          <a:p>
-            <a:r>
-              <a:rPr lang="en-GB" sz="1000" i="1" dirty="0" smtClean="0">
-                <a:solidFill>
-                  <a:srgbClr val="002060"/>
-                </a:solidFill>
-              </a:rPr>
-              <a:t>conclusions</a:t>
-            </a:r>
-            <a:endParaRPr lang="en-GB" sz="1000" i="1" dirty="0">
-              <a:solidFill>
-                <a:srgbClr val="002060"/>
-              </a:solidFill>
-            </a:endParaRPr>
-          </a:p>
-        </p:txBody>
-      </p:sp>
       <p:sp>
         <p:nvSpPr>
           <p:cNvPr id="60" name="Rectangle 59"/>
@@ -30866,17 +30861,7 @@
                 <a:latin typeface="Arial" pitchFamily="34" charset="0"/>
                 <a:cs typeface="Arial" pitchFamily="34" charset="0"/>
               </a:rPr>
-              <a:t>c</a:t>
-            </a:r>
-            <a:r>
-              <a:rPr lang="en-GB" sz="1000" dirty="0" smtClean="0">
-                <a:solidFill>
-                  <a:srgbClr val="033761"/>
-                </a:solidFill>
-                <a:latin typeface="Arial" pitchFamily="34" charset="0"/>
-                <a:cs typeface="Arial" pitchFamily="34" charset="0"/>
-              </a:rPr>
-              <a:t>linical models</a:t>
+              <a:t>clinical models</a:t>
             </a:r>
             <a:endParaRPr lang="en-GB" sz="1000" dirty="0">
               <a:solidFill>
@@ -31432,17 +31417,7 @@
                 <a:latin typeface="Arial" pitchFamily="34" charset="0"/>
                 <a:cs typeface="Arial" pitchFamily="34" charset="0"/>
               </a:rPr>
-              <a:t>c</a:t>
-            </a:r>
-            <a:r>
-              <a:rPr lang="en-GB" sz="1000" dirty="0" smtClean="0">
-                <a:solidFill>
-                  <a:srgbClr val="033761"/>
-                </a:solidFill>
-                <a:latin typeface="Arial" pitchFamily="34" charset="0"/>
-                <a:cs typeface="Arial" pitchFamily="34" charset="0"/>
-              </a:rPr>
-              <a:t>linical models</a:t>
+              <a:t>clinical models</a:t>
             </a:r>
             <a:endParaRPr lang="en-GB" sz="1000" dirty="0">
               <a:solidFill>
